--- a/doc/part-a.pptx
+++ b/doc/part-a.pptx
@@ -5,22 +5,23 @@
     <p:sldMasterId id="2147483828" r:id="rId4"/>
   </p:sldMasterIdLst>
   <p:notesMasterIdLst>
-    <p:notesMasterId r:id="rId15"/>
+    <p:notesMasterId r:id="rId16"/>
   </p:notesMasterIdLst>
   <p:handoutMasterIdLst>
-    <p:handoutMasterId r:id="rId16"/>
+    <p:handoutMasterId r:id="rId17"/>
   </p:handoutMasterIdLst>
   <p:sldIdLst>
     <p:sldId id="256" r:id="rId5"/>
     <p:sldId id="257" r:id="rId6"/>
     <p:sldId id="258" r:id="rId7"/>
-    <p:sldId id="261" r:id="rId8"/>
+    <p:sldId id="266" r:id="rId8"/>
     <p:sldId id="262" r:id="rId9"/>
     <p:sldId id="259" r:id="rId10"/>
     <p:sldId id="263" r:id="rId11"/>
     <p:sldId id="264" r:id="rId12"/>
     <p:sldId id="265" r:id="rId13"/>
-    <p:sldId id="260" r:id="rId14"/>
+    <p:sldId id="267" r:id="rId14"/>
+    <p:sldId id="260" r:id="rId15"/>
   </p:sldIdLst>
   <p:sldSz cx="12192000" cy="6858000"/>
   <p:notesSz cx="6858000" cy="9144000"/>
@@ -1164,7 +1165,7 @@
                 </a:glow>
               </a:effectLst>
             </a:rPr>
-            <a:t>Algorithm Selection</a:t>
+            <a:t>Data Cleaning</a:t>
           </a:r>
         </a:p>
       </dgm:t>
@@ -1238,7 +1239,7 @@
                 </a:glow>
               </a:effectLst>
             </a:rPr>
-            <a:t>Hyper-Parameter Tuning</a:t>
+            <a:t>Algorithm Selection &amp; Hyper-Parameter Tuning</a:t>
           </a:r>
         </a:p>
       </dgm:t>
@@ -1390,9 +1391,6 @@
         <a:blipFill>
           <a:blip xmlns:r="http://schemas.openxmlformats.org/officeDocument/2006/relationships" r:embed="rId3">
             <a:extLst>
-              <a:ext uri="{28A0092B-C50C-407E-A947-70E740481C1C}">
-                <a14:useLocalDpi xmlns:a14="http://schemas.microsoft.com/office/drawing/2010/main" val="0"/>
-              </a:ext>
               <a:ext uri="{96DAC541-7B7A-43D3-8B79-37D633B846F1}">
                 <asvg:svgBlip xmlns:asvg="http://schemas.microsoft.com/office/drawing/2016/SVG/main" r:embed="rId4"/>
               </a:ext>
@@ -1409,7 +1407,7 @@
       </dgm:spPr>
       <dgm:extLst>
         <a:ext uri="{E40237B7-FDA0-4F09-8148-C483321AD2D9}">
-          <dgm14:cNvPr xmlns:dgm14="http://schemas.microsoft.com/office/drawing/2010/diagram" id="0" name="" descr="Single gear outline"/>
+          <dgm14:cNvPr xmlns:dgm14="http://schemas.microsoft.com/office/drawing/2010/diagram" id="0" name="" descr="Mop and bucket outline"/>
         </a:ext>
       </dgm:extLst>
     </dgm:pt>
@@ -1458,17 +1456,18 @@
     <dgm:pt modelId="{1A8B8B62-3037-4506-89D7-28710774070B}" type="pres">
       <dgm:prSet presAssocID="{C6D21269-399B-4BA2-8621-C7B9DA1E1B8F}" presName="iconRect" presStyleLbl="node1" presStyleIdx="2" presStyleCnt="3" custScaleX="68302" custScaleY="68302"/>
       <dgm:spPr>
-        <a:blipFill>
+        <a:blipFill rotWithShape="1">
           <a:blip xmlns:r="http://schemas.openxmlformats.org/officeDocument/2006/relationships" r:embed="rId5">
             <a:extLst>
               <a:ext uri="{28A0092B-C50C-407E-A947-70E740481C1C}">
-                <a14:useLocalDpi xmlns:a14="http://schemas.microsoft.com/office/drawing/2010/main"/>
+                <a14:useLocalDpi xmlns:a14="http://schemas.microsoft.com/office/drawing/2010/main" val="0"/>
               </a:ext>
               <a:ext uri="{96DAC541-7B7A-43D3-8B79-37D633B846F1}">
                 <asvg:svgBlip xmlns:asvg="http://schemas.microsoft.com/office/drawing/2016/SVG/main" r:embed="rId6"/>
               </a:ext>
             </a:extLst>
           </a:blip>
+          <a:srcRect/>
           <a:stretch>
             <a:fillRect/>
           </a:stretch>
@@ -1749,9 +1748,6 @@
         <a:blipFill>
           <a:blip xmlns:r="http://schemas.openxmlformats.org/officeDocument/2006/relationships" r:embed="rId3">
             <a:extLst>
-              <a:ext uri="{28A0092B-C50C-407E-A947-70E740481C1C}">
-                <a14:useLocalDpi xmlns:a14="http://schemas.microsoft.com/office/drawing/2010/main" val="0"/>
-              </a:ext>
               <a:ext uri="{96DAC541-7B7A-43D3-8B79-37D633B846F1}">
                 <asvg:svgBlip xmlns:asvg="http://schemas.microsoft.com/office/drawing/2016/SVG/main" r:embed="rId4"/>
               </a:ext>
@@ -1844,7 +1840,7 @@
                 </a:glow>
               </a:effectLst>
             </a:rPr>
-            <a:t>Algorithm Selection</a:t>
+            <a:t>Data Cleaning</a:t>
           </a:r>
         </a:p>
       </dsp:txBody>
@@ -1902,17 +1898,18 @@
         <a:prstGeom prst="rect">
           <a:avLst/>
         </a:prstGeom>
-        <a:blipFill>
+        <a:blipFill rotWithShape="1">
           <a:blip xmlns:r="http://schemas.openxmlformats.org/officeDocument/2006/relationships" r:embed="rId5">
             <a:extLst>
               <a:ext uri="{28A0092B-C50C-407E-A947-70E740481C1C}">
-                <a14:useLocalDpi xmlns:a14="http://schemas.microsoft.com/office/drawing/2010/main"/>
+                <a14:useLocalDpi xmlns:a14="http://schemas.microsoft.com/office/drawing/2010/main" val="0"/>
               </a:ext>
               <a:ext uri="{96DAC541-7B7A-43D3-8B79-37D633B846F1}">
                 <asvg:svgBlip xmlns:asvg="http://schemas.microsoft.com/office/drawing/2016/SVG/main" r:embed="rId6"/>
               </a:ext>
             </a:extLst>
           </a:blip>
+          <a:srcRect/>
           <a:stretch>
             <a:fillRect/>
           </a:stretch>
@@ -1999,7 +1996,7 @@
                 </a:glow>
               </a:effectLst>
             </a:rPr>
-            <a:t>Hyper-Parameter Tuning</a:t>
+            <a:t>Algorithm Selection &amp; Hyper-Parameter Tuning</a:t>
           </a:r>
         </a:p>
       </dsp:txBody>
@@ -3434,7 +3431,7 @@
           <a:p>
             <a:fld id="{8369C108-6DA3-45F2-AE7E-50E80854775B}" type="datetimeFigureOut">
               <a:rPr lang="en-US" smtClean="0"/>
-              <a:t>8/11/2021</a:t>
+              <a:t>8/12/2021</a:t>
             </a:fld>
             <a:endParaRPr lang="en-US" dirty="0"/>
           </a:p>
@@ -3611,7 +3608,7 @@
           <a:p>
             <a:fld id="{476A73B2-5605-4CC4-ADC6-622651651079}" type="datetimeFigureOut">
               <a:rPr lang="en-US" smtClean="0"/>
-              <a:t>8/11/2021</a:t>
+              <a:t>8/12/2021</a:t>
             </a:fld>
             <a:endParaRPr lang="en-US" dirty="0"/>
           </a:p>
@@ -4036,6 +4033,90 @@
     </p:spTree>
     <p:extLst>
       <p:ext uri="{BB962C8B-B14F-4D97-AF65-F5344CB8AC3E}">
+        <p14:creationId xmlns:p14="http://schemas.microsoft.com/office/powerpoint/2010/main" val="3330483348"/>
+      </p:ext>
+    </p:extLst>
+  </p:cSld>
+  <p:clrMapOvr>
+    <a:masterClrMapping/>
+  </p:clrMapOvr>
+</p:notes>
+</file>
+
+<file path=ppt/notesSlides/notesSlide11.xml><?xml version="1.0" encoding="utf-8"?>
+<p:notes xmlns:a="http://schemas.openxmlformats.org/drawingml/2006/main" xmlns:r="http://schemas.openxmlformats.org/officeDocument/2006/relationships" xmlns:p="http://schemas.openxmlformats.org/presentationml/2006/main">
+  <p:cSld>
+    <p:spTree>
+      <p:nvGrpSpPr>
+        <p:cNvPr id="1" name=""/>
+        <p:cNvGrpSpPr/>
+        <p:nvPr/>
+      </p:nvGrpSpPr>
+      <p:grpSpPr>
+        <a:xfrm>
+          <a:off x="0" y="0"/>
+          <a:ext cx="0" cy="0"/>
+          <a:chOff x="0" y="0"/>
+          <a:chExt cx="0" cy="0"/>
+        </a:xfrm>
+      </p:grpSpPr>
+      <p:sp>
+        <p:nvSpPr>
+          <p:cNvPr id="2" name="Slide Image Placeholder 1"/>
+          <p:cNvSpPr>
+            <a:spLocks noGrp="1" noRot="1" noChangeAspect="1"/>
+          </p:cNvSpPr>
+          <p:nvPr>
+            <p:ph type="sldImg"/>
+          </p:nvPr>
+        </p:nvSpPr>
+        <p:spPr/>
+      </p:sp>
+      <p:sp>
+        <p:nvSpPr>
+          <p:cNvPr id="3" name="Notes Placeholder 2"/>
+          <p:cNvSpPr>
+            <a:spLocks noGrp="1"/>
+          </p:cNvSpPr>
+          <p:nvPr>
+            <p:ph type="body" idx="1"/>
+          </p:nvPr>
+        </p:nvSpPr>
+        <p:spPr/>
+        <p:txBody>
+          <a:bodyPr/>
+          <a:lstStyle/>
+          <a:p>
+            <a:endParaRPr lang="en-US" dirty="0"/>
+          </a:p>
+        </p:txBody>
+      </p:sp>
+      <p:sp>
+        <p:nvSpPr>
+          <p:cNvPr id="4" name="Slide Number Placeholder 3"/>
+          <p:cNvSpPr>
+            <a:spLocks noGrp="1"/>
+          </p:cNvSpPr>
+          <p:nvPr>
+            <p:ph type="sldNum" sz="quarter" idx="5"/>
+          </p:nvPr>
+        </p:nvSpPr>
+        <p:spPr/>
+        <p:txBody>
+          <a:bodyPr/>
+          <a:lstStyle/>
+          <a:p>
+            <a:fld id="{CFED664B-377C-4B68-AF4E-EBDA643118DF}" type="slidenum">
+              <a:rPr lang="en-US" smtClean="0"/>
+              <a:t>11</a:t>
+            </a:fld>
+            <a:endParaRPr lang="en-US" dirty="0"/>
+          </a:p>
+        </p:txBody>
+      </p:sp>
+    </p:spTree>
+    <p:extLst>
+      <p:ext uri="{BB962C8B-B14F-4D97-AF65-F5344CB8AC3E}">
         <p14:creationId xmlns:p14="http://schemas.microsoft.com/office/powerpoint/2010/main" val="3050018501"/>
       </p:ext>
     </p:extLst>
@@ -4288,7 +4369,7 @@
     </p:spTree>
     <p:extLst>
       <p:ext uri="{BB962C8B-B14F-4D97-AF65-F5344CB8AC3E}">
-        <p14:creationId xmlns:p14="http://schemas.microsoft.com/office/powerpoint/2010/main" val="1902200847"/>
+        <p14:creationId xmlns:p14="http://schemas.microsoft.com/office/powerpoint/2010/main" val="2077957194"/>
       </p:ext>
     </p:extLst>
   </p:cSld>
@@ -4881,7 +4962,7 @@
           <a:p>
             <a:fld id="{9AB3A824-1A51-4B26-AD58-A6D8E14F6C04}" type="datetimeFigureOut">
               <a:rPr lang="en-US" smtClean="0"/>
-              <a:t>8/11/2021</a:t>
+              <a:t>8/12/2021</a:t>
             </a:fld>
             <a:endParaRPr lang="en-US" dirty="0"/>
           </a:p>
@@ -5055,7 +5136,7 @@
           <a:p>
             <a:fld id="{D857E33E-8B18-4087-B112-809917729534}" type="datetimeFigureOut">
               <a:rPr lang="en-US" smtClean="0"/>
-              <a:t>8/11/2021</a:t>
+              <a:t>8/12/2021</a:t>
             </a:fld>
             <a:endParaRPr lang="en-US" dirty="0"/>
           </a:p>
@@ -5239,7 +5320,7 @@
           <a:p>
             <a:fld id="{D3FFE419-2371-464F-8239-3959401C3561}" type="datetimeFigureOut">
               <a:rPr lang="en-US" smtClean="0"/>
-              <a:t>8/11/2021</a:t>
+              <a:t>8/12/2021</a:t>
             </a:fld>
             <a:endParaRPr lang="en-US" dirty="0"/>
           </a:p>
@@ -5413,7 +5494,7 @@
           <a:p>
             <a:fld id="{97D162C4-EDD9-4389-A98B-B87ECEA2A816}" type="datetimeFigureOut">
               <a:rPr lang="en-US" smtClean="0"/>
-              <a:t>8/11/2021</a:t>
+              <a:t>8/12/2021</a:t>
             </a:fld>
             <a:endParaRPr lang="en-US" dirty="0"/>
           </a:p>
@@ -5685,7 +5766,7 @@
           <a:p>
             <a:fld id="{3E5059C3-6A89-4494-99FF-5A4D6FFD50EB}" type="datetimeFigureOut">
               <a:rPr lang="en-US" smtClean="0"/>
-              <a:t>8/11/2021</a:t>
+              <a:t>8/12/2021</a:t>
             </a:fld>
             <a:endParaRPr lang="en-US" dirty="0"/>
           </a:p>
@@ -5921,7 +6002,7 @@
           <a:p>
             <a:fld id="{CA954B2F-12DE-47F5-8894-472B206D2E1E}" type="datetimeFigureOut">
               <a:rPr lang="en-US" smtClean="0"/>
-              <a:t>8/11/2021</a:t>
+              <a:t>8/12/2021</a:t>
             </a:fld>
             <a:endParaRPr lang="en-US" dirty="0"/>
           </a:p>
@@ -6284,7 +6365,7 @@
           <a:p>
             <a:fld id="{3CBC1C18-307B-4F68-A007-B5B542270E8D}" type="datetimeFigureOut">
               <a:rPr lang="en-US" smtClean="0"/>
-              <a:t>8/11/2021</a:t>
+              <a:t>8/12/2021</a:t>
             </a:fld>
             <a:endParaRPr lang="en-US" dirty="0"/>
           </a:p>
@@ -6431,7 +6512,7 @@
           <a:p>
             <a:fld id="{1FAF3416-4057-4DAA-829D-4CA07428D088}" type="datetimeFigureOut">
               <a:rPr lang="en-US" smtClean="0"/>
-              <a:t>8/11/2021</a:t>
+              <a:t>8/12/2021</a:t>
             </a:fld>
             <a:endParaRPr lang="en-US" dirty="0"/>
           </a:p>
@@ -6530,7 +6611,7 @@
           <a:p>
             <a:fld id="{921D9284-D300-4297-87F7-E791DCC15DB1}" type="datetimeFigureOut">
               <a:rPr lang="en-US" smtClean="0"/>
-              <a:t>8/11/2021</a:t>
+              <a:t>8/12/2021</a:t>
             </a:fld>
             <a:endParaRPr lang="en-US" dirty="0"/>
           </a:p>
@@ -6891,7 +6972,7 @@
           <a:p>
             <a:fld id="{37D525BB-DA17-4BA0-B3C8-3AC3ABC827E6}" type="datetimeFigureOut">
               <a:rPr lang="en-US" smtClean="0"/>
-              <a:t>8/11/2021</a:t>
+              <a:t>8/12/2021</a:t>
             </a:fld>
             <a:endParaRPr lang="en-US" dirty="0"/>
           </a:p>
@@ -7252,7 +7333,7 @@
           <a:p>
             <a:fld id="{B16C4C9A-3960-41CF-A4E9-2A8FB932454B}" type="datetimeFigureOut">
               <a:rPr lang="en-US" smtClean="0"/>
-              <a:t>8/11/2021</a:t>
+              <a:t>8/12/2021</a:t>
             </a:fld>
             <a:endParaRPr lang="en-US" dirty="0"/>
           </a:p>
@@ -7498,7 +7579,7 @@
           <a:p>
             <a:fld id="{3CBC1C18-307B-4F68-A007-B5B542270E8D}" type="datetimeFigureOut">
               <a:rPr lang="en-US" smtClean="0"/>
-              <a:t>8/11/2021</a:t>
+              <a:t>8/12/2021</a:t>
             </a:fld>
             <a:endParaRPr lang="en-US" dirty="0"/>
           </a:p>
@@ -8214,6 +8295,297 @@
 </file>
 
 <file path=ppt/slides/slide10.xml><?xml version="1.0" encoding="utf-8"?>
+<p:sld xmlns:a="http://schemas.openxmlformats.org/drawingml/2006/main" xmlns:r="http://schemas.openxmlformats.org/officeDocument/2006/relationships" xmlns:p="http://schemas.openxmlformats.org/presentationml/2006/main">
+  <p:cSld>
+    <p:bg>
+      <p:bgPr>
+        <a:solidFill>
+          <a:schemeClr val="bg1"/>
+        </a:solidFill>
+        <a:effectLst/>
+      </p:bgPr>
+    </p:bg>
+    <p:spTree>
+      <p:nvGrpSpPr>
+        <p:cNvPr id="1" name=""/>
+        <p:cNvGrpSpPr/>
+        <p:nvPr/>
+      </p:nvGrpSpPr>
+      <p:grpSpPr>
+        <a:xfrm>
+          <a:off x="0" y="0"/>
+          <a:ext cx="0" cy="0"/>
+          <a:chOff x="0" y="0"/>
+          <a:chExt cx="0" cy="0"/>
+        </a:xfrm>
+      </p:grpSpPr>
+      <p:sp useBgFill="1">
+        <p:nvSpPr>
+          <p:cNvPr id="18" name="Rectangle 17">
+            <a:extLst>
+              <a:ext uri="{FF2B5EF4-FFF2-40B4-BE49-F238E27FC236}">
+                <a16:creationId xmlns:a16="http://schemas.microsoft.com/office/drawing/2014/main" id="{0AF33C27-9C85-4B30-9AD7-879D48AFE4FF}"/>
+              </a:ext>
+              <a:ext uri="{C183D7F6-B498-43B3-948B-1728B52AA6E4}">
+                <adec:decorative xmlns:adec="http://schemas.microsoft.com/office/drawing/2017/decorative" val="1"/>
+              </a:ext>
+            </a:extLst>
+          </p:cNvPr>
+          <p:cNvSpPr>
+            <a:spLocks noGrp="1" noRot="1" noChangeAspect="1" noMove="1" noResize="1" noEditPoints="1" noAdjustHandles="1" noChangeArrowheads="1" noChangeShapeType="1" noTextEdit="1"/>
+          </p:cNvSpPr>
+          <p:nvPr>
+            <p:extLst>
+              <p:ext uri="{386F3935-93C4-4BCD-93E2-E3B085C9AB24}">
+                <p16:designElem xmlns:p16="http://schemas.microsoft.com/office/powerpoint/2015/main" val="1"/>
+              </p:ext>
+            </p:extLst>
+          </p:nvPr>
+        </p:nvSpPr>
+        <p:spPr>
+          <a:xfrm>
+            <a:off x="0" y="0"/>
+            <a:ext cx="12191999" cy="6858000"/>
+          </a:xfrm>
+          <a:prstGeom prst="rect">
+            <a:avLst/>
+          </a:prstGeom>
+          <a:ln>
+            <a:noFill/>
+          </a:ln>
+        </p:spPr>
+        <p:style>
+          <a:lnRef idx="2">
+            <a:schemeClr val="accent1">
+              <a:shade val="50000"/>
+            </a:schemeClr>
+          </a:lnRef>
+          <a:fillRef idx="1">
+            <a:schemeClr val="accent1"/>
+          </a:fillRef>
+          <a:effectRef idx="0">
+            <a:schemeClr val="accent1"/>
+          </a:effectRef>
+          <a:fontRef idx="minor">
+            <a:schemeClr val="lt1"/>
+          </a:fontRef>
+        </p:style>
+        <p:txBody>
+          <a:bodyPr rtlCol="0" anchor="ctr"/>
+          <a:lstStyle/>
+          <a:p>
+            <a:pPr algn="ctr"/>
+            <a:endParaRPr lang="en-US" dirty="0"/>
+          </a:p>
+        </p:txBody>
+      </p:sp>
+      <p:sp>
+        <p:nvSpPr>
+          <p:cNvPr id="20" name="Rectangle 19">
+            <a:extLst>
+              <a:ext uri="{FF2B5EF4-FFF2-40B4-BE49-F238E27FC236}">
+                <a16:creationId xmlns:a16="http://schemas.microsoft.com/office/drawing/2014/main" id="{6D5089DD-882D-4413-B8BF-4798BFD84A98}"/>
+              </a:ext>
+              <a:ext uri="{C183D7F6-B498-43B3-948B-1728B52AA6E4}">
+                <adec:decorative xmlns:adec="http://schemas.microsoft.com/office/drawing/2017/decorative" val="1"/>
+              </a:ext>
+            </a:extLst>
+          </p:cNvPr>
+          <p:cNvSpPr>
+            <a:spLocks noGrp="1" noRot="1" noChangeAspect="1" noMove="1" noResize="1" noEditPoints="1" noAdjustHandles="1" noChangeArrowheads="1" noChangeShapeType="1" noTextEdit="1"/>
+          </p:cNvSpPr>
+          <p:nvPr>
+            <p:extLst>
+              <p:ext uri="{386F3935-93C4-4BCD-93E2-E3B085C9AB24}">
+                <p16:designElem xmlns:p16="http://schemas.microsoft.com/office/powerpoint/2015/main" val="1"/>
+              </p:ext>
+            </p:extLst>
+          </p:nvPr>
+        </p:nvSpPr>
+        <p:spPr>
+          <a:xfrm>
+            <a:off x="7537704" y="0"/>
+            <a:ext cx="4654296" cy="6858000"/>
+          </a:xfrm>
+          <a:prstGeom prst="rect">
+            <a:avLst/>
+          </a:prstGeom>
+          <a:solidFill>
+            <a:schemeClr val="tx1">
+              <a:lumMod val="95000"/>
+              <a:lumOff val="5000"/>
+            </a:schemeClr>
+          </a:solidFill>
+          <a:ln>
+            <a:noFill/>
+          </a:ln>
+        </p:spPr>
+        <p:style>
+          <a:lnRef idx="2">
+            <a:schemeClr val="accent1">
+              <a:shade val="50000"/>
+            </a:schemeClr>
+          </a:lnRef>
+          <a:fillRef idx="1">
+            <a:schemeClr val="accent1"/>
+          </a:fillRef>
+          <a:effectRef idx="0">
+            <a:schemeClr val="accent1"/>
+          </a:effectRef>
+          <a:fontRef idx="minor">
+            <a:schemeClr val="lt1"/>
+          </a:fontRef>
+        </p:style>
+        <p:txBody>
+          <a:bodyPr rtlCol="0" anchor="ctr"/>
+          <a:lstStyle/>
+          <a:p>
+            <a:pPr algn="ctr"/>
+            <a:endParaRPr lang="en-US" dirty="0"/>
+          </a:p>
+        </p:txBody>
+      </p:sp>
+      <p:sp>
+        <p:nvSpPr>
+          <p:cNvPr id="2" name="Title 1">
+            <a:extLst>
+              <a:ext uri="{FF2B5EF4-FFF2-40B4-BE49-F238E27FC236}">
+                <a16:creationId xmlns:a16="http://schemas.microsoft.com/office/drawing/2014/main" id="{8EB78894-19E5-4916-B37E-B4A80B9B8D52}"/>
+              </a:ext>
+            </a:extLst>
+          </p:cNvPr>
+          <p:cNvSpPr>
+            <a:spLocks noGrp="1"/>
+          </p:cNvSpPr>
+          <p:nvPr>
+            <p:ph type="title"/>
+          </p:nvPr>
+        </p:nvSpPr>
+        <p:spPr>
+          <a:xfrm>
+            <a:off x="8112697" y="370076"/>
+            <a:ext cx="3504310" cy="1495794"/>
+          </a:xfrm>
+          <a:noFill/>
+          <a:ln>
+            <a:solidFill>
+              <a:srgbClr val="FFFFFF"/>
+            </a:solidFill>
+          </a:ln>
+          <a:effectLst>
+            <a:glow rad="152400">
+              <a:schemeClr val="bg1">
+                <a:alpha val="13000"/>
+              </a:schemeClr>
+            </a:glow>
+          </a:effectLst>
+        </p:spPr>
+        <p:txBody>
+          <a:bodyPr wrap="square">
+            <a:noAutofit/>
+          </a:bodyPr>
+          <a:lstStyle/>
+          <a:p>
+            <a:r>
+              <a:rPr lang="en-US" sz="2400" dirty="0">
+                <a:solidFill>
+                  <a:srgbClr val="FFFFFF"/>
+                </a:solidFill>
+              </a:rPr>
+              <a:t>Hyper-Parameter Tuning</a:t>
+            </a:r>
+            <a:br>
+              <a:rPr lang="en-US" sz="2400" dirty="0">
+                <a:solidFill>
+                  <a:srgbClr val="FFFFFF"/>
+                </a:solidFill>
+              </a:rPr>
+            </a:br>
+            <a:r>
+              <a:rPr lang="en-US" sz="2400" dirty="0">
+                <a:solidFill>
+                  <a:srgbClr val="FFFFFF"/>
+                </a:solidFill>
+              </a:rPr>
+              <a:t>(Exp. Smoothing)</a:t>
+            </a:r>
+          </a:p>
+        </p:txBody>
+      </p:sp>
+      <p:sp>
+        <p:nvSpPr>
+          <p:cNvPr id="4" name="Content Placeholder 3">
+            <a:extLst>
+              <a:ext uri="{FF2B5EF4-FFF2-40B4-BE49-F238E27FC236}">
+                <a16:creationId xmlns:a16="http://schemas.microsoft.com/office/drawing/2014/main" id="{B9E66009-32AF-427B-B506-CFFBEB51AFFE}"/>
+              </a:ext>
+            </a:extLst>
+          </p:cNvPr>
+          <p:cNvSpPr>
+            <a:spLocks noGrp="1"/>
+          </p:cNvSpPr>
+          <p:nvPr>
+            <p:ph idx="1"/>
+          </p:nvPr>
+        </p:nvSpPr>
+        <p:spPr>
+          <a:xfrm>
+            <a:off x="8112697" y="2235947"/>
+            <a:ext cx="3504310" cy="4251978"/>
+          </a:xfrm>
+        </p:spPr>
+        <p:txBody>
+          <a:bodyPr>
+            <a:normAutofit/>
+          </a:bodyPr>
+          <a:lstStyle/>
+          <a:p>
+            <a:r>
+              <a:rPr lang="en-SG" dirty="0">
+                <a:solidFill>
+                  <a:schemeClr val="bg1"/>
+                </a:solidFill>
+              </a:rPr>
+              <a:t>I also tested using the </a:t>
+            </a:r>
+            <a:r>
+              <a:rPr lang="en-SG" dirty="0" err="1">
+                <a:solidFill>
+                  <a:schemeClr val="bg1"/>
+                </a:solidFill>
+              </a:rPr>
+              <a:t>ExponentialSmoothing</a:t>
+            </a:r>
+            <a:r>
+              <a:rPr lang="en-SG" dirty="0">
+                <a:solidFill>
+                  <a:schemeClr val="bg1"/>
+                </a:solidFill>
+              </a:rPr>
+              <a:t> model to model the data</a:t>
+            </a:r>
+            <a:endParaRPr lang="en-GB" dirty="0">
+              <a:solidFill>
+                <a:schemeClr val="bg1"/>
+              </a:solidFill>
+            </a:endParaRPr>
+          </a:p>
+        </p:txBody>
+      </p:sp>
+    </p:spTree>
+    <p:extLst>
+      <p:ext uri="{BB962C8B-B14F-4D97-AF65-F5344CB8AC3E}">
+        <p14:creationId xmlns:p14="http://schemas.microsoft.com/office/powerpoint/2010/main" val="402086626"/>
+      </p:ext>
+    </p:extLst>
+  </p:cSld>
+  <p:clrMapOvr>
+    <a:masterClrMapping/>
+  </p:clrMapOvr>
+</p:sld>
+</file>
+
+<file path=ppt/slides/slide11.xml><?xml version="1.0" encoding="utf-8"?>
 <p:sld xmlns:a="http://schemas.openxmlformats.org/drawingml/2006/main" xmlns:r="http://schemas.openxmlformats.org/officeDocument/2006/relationships" xmlns:p="http://schemas.openxmlformats.org/presentationml/2006/main" show="0">
   <p:cSld>
     <p:bg>
@@ -8390,7 +8762,7 @@
 </file>
 
 <file path=ppt/slides/slide2.xml><?xml version="1.0" encoding="utf-8"?>
-<p:sld xmlns:a="http://schemas.openxmlformats.org/drawingml/2006/main" xmlns:r="http://schemas.openxmlformats.org/officeDocument/2006/relationships" xmlns:p="http://schemas.openxmlformats.org/presentationml/2006/main" show="0">
+<p:sld xmlns:a="http://schemas.openxmlformats.org/drawingml/2006/main" xmlns:r="http://schemas.openxmlformats.org/officeDocument/2006/relationships" xmlns:p="http://schemas.openxmlformats.org/presentationml/2006/main">
   <p:cSld>
     <p:bg>
       <p:bgPr>
@@ -8585,7 +8957,7 @@
                   <a:schemeClr val="bg1"/>
                 </a:solidFill>
               </a:rPr>
-              <a:t>Presentation Flow</a:t>
+              <a:t>Thought Process</a:t>
             </a:r>
           </a:p>
         </p:txBody>
@@ -8641,7 +9013,7 @@
             <p:ph idx="1"/>
             <p:extLst>
               <p:ext uri="{D42A27DB-BD31-4B8C-83A1-F6EECF244321}">
-                <p14:modId xmlns:p14="http://schemas.microsoft.com/office/powerpoint/2010/main" val="1684960568"/>
+                <p14:modId xmlns:p14="http://schemas.microsoft.com/office/powerpoint/2010/main" val="1485241003"/>
               </p:ext>
             </p:extLst>
           </p:nvPr>
@@ -8890,12 +9262,14 @@
         </p:nvSpPr>
         <p:spPr>
           <a:xfrm>
-            <a:off x="8182865" y="2334643"/>
-            <a:ext cx="3363974" cy="4153281"/>
+            <a:off x="8182865" y="2002442"/>
+            <a:ext cx="3363974" cy="4521642"/>
           </a:xfrm>
         </p:spPr>
         <p:txBody>
-          <a:bodyPr/>
+          <a:bodyPr>
+            <a:normAutofit/>
+          </a:bodyPr>
           <a:lstStyle/>
           <a:p>
             <a:r>
@@ -8904,20 +9278,89 @@
                   <a:schemeClr val="bg1"/>
                 </a:solidFill>
               </a:rPr>
-              <a:t>The data is very positively skewed, and contains many outliers which might negatively impact the model’s ability to generalise.</a:t>
+              <a:t>Reasons to clean data:</a:t>
             </a:r>
           </a:p>
           <a:p>
+            <a:pPr marL="571500" lvl="1" indent="-342900">
+              <a:spcBef>
+                <a:spcPts val="600"/>
+              </a:spcBef>
+              <a:buFont typeface="+mj-lt"/>
+              <a:buAutoNum type="alphaLcParenR"/>
+            </a:pPr>
             <a:r>
               <a:rPr lang="en-SG" dirty="0">
                 <a:solidFill>
                   <a:schemeClr val="bg1"/>
                 </a:solidFill>
               </a:rPr>
-              <a:t>Outliers should be removed (however, the Kaggle submission keeps the outliers)</a:t>
+              <a:t>Positively skewed</a:t>
             </a:r>
           </a:p>
           <a:p>
+            <a:pPr marL="571500" lvl="1" indent="-342900">
+              <a:spcBef>
+                <a:spcPts val="600"/>
+              </a:spcBef>
+              <a:buFont typeface="+mj-lt"/>
+              <a:buAutoNum type="alphaLcParenR"/>
+            </a:pPr>
+            <a:r>
+              <a:rPr lang="en-SG" dirty="0">
+                <a:solidFill>
+                  <a:schemeClr val="bg1"/>
+                </a:solidFill>
+              </a:rPr>
+              <a:t>Contains outliers</a:t>
+            </a:r>
+          </a:p>
+          <a:p>
+            <a:pPr marL="571500" lvl="1" indent="-342900">
+              <a:spcBef>
+                <a:spcPts val="600"/>
+              </a:spcBef>
+              <a:buFont typeface="+mj-lt"/>
+              <a:buAutoNum type="alphaLcParenR"/>
+            </a:pPr>
+            <a:r>
+              <a:rPr lang="en-SG" dirty="0">
+                <a:solidFill>
+                  <a:schemeClr val="bg1"/>
+                </a:solidFill>
+              </a:rPr>
+              <a:t>Very erratic</a:t>
+            </a:r>
+          </a:p>
+          <a:p>
+            <a:r>
+              <a:rPr lang="en-SG" dirty="0">
+                <a:solidFill>
+                  <a:schemeClr val="bg1"/>
+                </a:solidFill>
+              </a:rPr>
+              <a:t>All the above-mentioned factors will make it hard for any time series model to generalize</a:t>
+            </a:r>
+          </a:p>
+          <a:p>
+            <a:r>
+              <a:rPr lang="en-SG" dirty="0">
+                <a:solidFill>
+                  <a:schemeClr val="bg1"/>
+                </a:solidFill>
+              </a:rPr>
+              <a:t>During data cleaning, outliers were removed and replaced with more sensible values (for T, RH and Value)</a:t>
+            </a:r>
+          </a:p>
+          <a:p>
+            <a:r>
+              <a:rPr lang="en-SG" dirty="0">
+                <a:solidFill>
+                  <a:schemeClr val="bg1"/>
+                </a:solidFill>
+              </a:rPr>
+              <a:t>However, the forecast submitted to Kaggle was made using the outliers.</a:t>
+            </a:r>
             <a:endParaRPr lang="en-GB" dirty="0">
               <a:solidFill>
                 <a:schemeClr val="bg1"/>
@@ -8948,8 +9391,8 @@
         </p:blipFill>
         <p:spPr>
           <a:xfrm>
-            <a:off x="645160" y="3108550"/>
-            <a:ext cx="5911611" cy="3537186"/>
+            <a:off x="2792721" y="3526276"/>
+            <a:ext cx="4554625" cy="2725239"/>
           </a:xfrm>
           <a:prstGeom prst="rect">
             <a:avLst/>
@@ -8963,10 +9406,10 @@
       </p:pic>
       <p:pic>
         <p:nvPicPr>
-          <p:cNvPr id="13" name="Picture 12" descr="Chart, histogram&#10;&#10;Description automatically generated">
+          <p:cNvPr id="8" name="Picture 7" descr="Chart&#10;&#10;Description automatically generated">
             <a:extLst>
               <a:ext uri="{FF2B5EF4-FFF2-40B4-BE49-F238E27FC236}">
-                <a16:creationId xmlns:a16="http://schemas.microsoft.com/office/drawing/2014/main" id="{5A044B4D-F8D4-4BE7-B5F5-C8B77E02E98A}"/>
+                <a16:creationId xmlns:a16="http://schemas.microsoft.com/office/drawing/2014/main" id="{0E8BDBDA-4FF3-4B91-8131-0C011E3350CE}"/>
               </a:ext>
             </a:extLst>
           </p:cNvPr>
@@ -8983,8 +9426,8 @@
         </p:blipFill>
         <p:spPr>
           <a:xfrm>
-            <a:off x="645161" y="212264"/>
-            <a:ext cx="5911610" cy="2716145"/>
+            <a:off x="177200" y="164639"/>
+            <a:ext cx="4554625" cy="2736127"/>
           </a:xfrm>
           <a:prstGeom prst="rect">
             <a:avLst/>
@@ -8996,6 +9439,512 @@
           </a:ln>
         </p:spPr>
       </p:pic>
+      <p:sp>
+        <p:nvSpPr>
+          <p:cNvPr id="9" name="Content Placeholder 3">
+            <a:extLst>
+              <a:ext uri="{FF2B5EF4-FFF2-40B4-BE49-F238E27FC236}">
+                <a16:creationId xmlns:a16="http://schemas.microsoft.com/office/drawing/2014/main" id="{B9DC7648-AD72-4F00-AAF7-5318054B4F31}"/>
+              </a:ext>
+            </a:extLst>
+          </p:cNvPr>
+          <p:cNvSpPr txBox="1">
+            <a:spLocks/>
+          </p:cNvSpPr>
+          <p:nvPr/>
+        </p:nvSpPr>
+        <p:spPr>
+          <a:xfrm>
+            <a:off x="-211917" y="3004058"/>
+            <a:ext cx="5831667" cy="338554"/>
+          </a:xfrm>
+          <a:prstGeom prst="rect">
+            <a:avLst/>
+          </a:prstGeom>
+        </p:spPr>
+        <p:txBody>
+          <a:bodyPr vert="horz" wrap="square" lIns="91440" tIns="45720" rIns="91440" bIns="45720" rtlCol="0">
+            <a:spAutoFit/>
+          </a:bodyPr>
+          <a:lstStyle>
+            <a:lvl1pPr marL="228600" indent="-228600" algn="l" defTabSz="914400" rtl="0" eaLnBrk="1" latinLnBrk="0" hangingPunct="1">
+              <a:lnSpc>
+                <a:spcPct val="100000"/>
+              </a:lnSpc>
+              <a:spcBef>
+                <a:spcPts val="1000"/>
+              </a:spcBef>
+              <a:buClr>
+                <a:schemeClr val="accent2"/>
+              </a:buClr>
+              <a:buFont typeface="Arial" panose="020B0604020202020204" pitchFamily="34" charset="0"/>
+              <a:buChar char="•"/>
+              <a:defRPr sz="1800" kern="1200">
+                <a:solidFill>
+                  <a:schemeClr val="tx1">
+                    <a:lumMod val="85000"/>
+                    <a:lumOff val="15000"/>
+                  </a:schemeClr>
+                </a:solidFill>
+                <a:latin typeface="+mn-lt"/>
+                <a:ea typeface="+mn-ea"/>
+                <a:cs typeface="+mn-cs"/>
+              </a:defRPr>
+            </a:lvl1pPr>
+            <a:lvl2pPr marL="457200" indent="-228600" algn="l" defTabSz="914400" rtl="0" eaLnBrk="1" latinLnBrk="0" hangingPunct="1">
+              <a:lnSpc>
+                <a:spcPct val="100000"/>
+              </a:lnSpc>
+              <a:spcBef>
+                <a:spcPts val="1000"/>
+              </a:spcBef>
+              <a:buClr>
+                <a:schemeClr val="accent2"/>
+              </a:buClr>
+              <a:buFont typeface="Arial" panose="020B0604020202020204" pitchFamily="34" charset="0"/>
+              <a:buChar char="•"/>
+              <a:defRPr sz="1600" kern="1200">
+                <a:solidFill>
+                  <a:schemeClr val="tx1">
+                    <a:lumMod val="85000"/>
+                    <a:lumOff val="15000"/>
+                  </a:schemeClr>
+                </a:solidFill>
+                <a:latin typeface="+mn-lt"/>
+                <a:ea typeface="+mn-ea"/>
+                <a:cs typeface="+mn-cs"/>
+              </a:defRPr>
+            </a:lvl2pPr>
+            <a:lvl3pPr marL="685800" indent="-228600" algn="l" defTabSz="914400" rtl="0" eaLnBrk="1" latinLnBrk="0" hangingPunct="1">
+              <a:lnSpc>
+                <a:spcPct val="100000"/>
+              </a:lnSpc>
+              <a:spcBef>
+                <a:spcPts val="1000"/>
+              </a:spcBef>
+              <a:buClr>
+                <a:schemeClr val="accent2"/>
+              </a:buClr>
+              <a:buFont typeface="Arial" panose="020B0604020202020204" pitchFamily="34" charset="0"/>
+              <a:buChar char="•"/>
+              <a:defRPr sz="1600" kern="1200">
+                <a:solidFill>
+                  <a:schemeClr val="tx1">
+                    <a:lumMod val="85000"/>
+                    <a:lumOff val="15000"/>
+                  </a:schemeClr>
+                </a:solidFill>
+                <a:latin typeface="+mn-lt"/>
+                <a:ea typeface="+mn-ea"/>
+                <a:cs typeface="+mn-cs"/>
+              </a:defRPr>
+            </a:lvl3pPr>
+            <a:lvl4pPr marL="914400" indent="-228600" algn="l" defTabSz="914400" rtl="0" eaLnBrk="1" latinLnBrk="0" hangingPunct="1">
+              <a:lnSpc>
+                <a:spcPct val="100000"/>
+              </a:lnSpc>
+              <a:spcBef>
+                <a:spcPts val="1000"/>
+              </a:spcBef>
+              <a:buClr>
+                <a:schemeClr val="accent2"/>
+              </a:buClr>
+              <a:buFont typeface="Arial" panose="020B0604020202020204" pitchFamily="34" charset="0"/>
+              <a:buChar char="•"/>
+              <a:defRPr sz="1600" kern="1200">
+                <a:solidFill>
+                  <a:schemeClr val="tx1">
+                    <a:lumMod val="85000"/>
+                    <a:lumOff val="15000"/>
+                  </a:schemeClr>
+                </a:solidFill>
+                <a:latin typeface="+mn-lt"/>
+                <a:ea typeface="+mn-ea"/>
+                <a:cs typeface="+mn-cs"/>
+              </a:defRPr>
+            </a:lvl4pPr>
+            <a:lvl5pPr marL="1143000" indent="-228600" algn="l" defTabSz="914400" rtl="0" eaLnBrk="1" latinLnBrk="0" hangingPunct="1">
+              <a:lnSpc>
+                <a:spcPct val="100000"/>
+              </a:lnSpc>
+              <a:spcBef>
+                <a:spcPts val="1000"/>
+              </a:spcBef>
+              <a:buClr>
+                <a:schemeClr val="accent2"/>
+              </a:buClr>
+              <a:buFont typeface="Arial" panose="020B0604020202020204" pitchFamily="34" charset="0"/>
+              <a:buChar char="•"/>
+              <a:defRPr sz="1600" kern="1200">
+                <a:solidFill>
+                  <a:schemeClr val="tx1">
+                    <a:lumMod val="85000"/>
+                    <a:lumOff val="15000"/>
+                  </a:schemeClr>
+                </a:solidFill>
+                <a:latin typeface="+mn-lt"/>
+                <a:ea typeface="+mn-ea"/>
+                <a:cs typeface="+mn-cs"/>
+              </a:defRPr>
+            </a:lvl5pPr>
+            <a:lvl6pPr marL="1312863" indent="-228600" algn="l" defTabSz="914400" rtl="0" eaLnBrk="1" latinLnBrk="0" hangingPunct="1">
+              <a:lnSpc>
+                <a:spcPct val="100000"/>
+              </a:lnSpc>
+              <a:spcBef>
+                <a:spcPts val="1000"/>
+              </a:spcBef>
+              <a:buClr>
+                <a:schemeClr val="accent2"/>
+              </a:buClr>
+              <a:buFont typeface="Arial" panose="020B0604020202020204" pitchFamily="34" charset="0"/>
+              <a:buChar char="•"/>
+              <a:defRPr sz="1600" kern="1200">
+                <a:solidFill>
+                  <a:schemeClr val="tx1"/>
+                </a:solidFill>
+                <a:latin typeface="+mn-lt"/>
+                <a:ea typeface="+mn-ea"/>
+                <a:cs typeface="+mn-cs"/>
+              </a:defRPr>
+            </a:lvl6pPr>
+            <a:lvl7pPr marL="1484313" indent="-228600" algn="l" defTabSz="914400" rtl="0" eaLnBrk="1" latinLnBrk="0" hangingPunct="1">
+              <a:lnSpc>
+                <a:spcPct val="100000"/>
+              </a:lnSpc>
+              <a:spcBef>
+                <a:spcPts val="1000"/>
+              </a:spcBef>
+              <a:buClr>
+                <a:schemeClr val="accent2"/>
+              </a:buClr>
+              <a:buFont typeface="Arial" panose="020B0604020202020204" pitchFamily="34" charset="0"/>
+              <a:buChar char="•"/>
+              <a:defRPr sz="1600" kern="1200">
+                <a:solidFill>
+                  <a:schemeClr val="tx1"/>
+                </a:solidFill>
+                <a:latin typeface="+mn-lt"/>
+                <a:ea typeface="+mn-ea"/>
+                <a:cs typeface="+mn-cs"/>
+              </a:defRPr>
+            </a:lvl7pPr>
+            <a:lvl8pPr marL="1657350" indent="-228600" algn="l" defTabSz="914400" rtl="0" eaLnBrk="1" latinLnBrk="0" hangingPunct="1">
+              <a:lnSpc>
+                <a:spcPct val="100000"/>
+              </a:lnSpc>
+              <a:spcBef>
+                <a:spcPts val="1000"/>
+              </a:spcBef>
+              <a:buClr>
+                <a:schemeClr val="accent2"/>
+              </a:buClr>
+              <a:buFont typeface="Arial" panose="020B0604020202020204" pitchFamily="34" charset="0"/>
+              <a:buChar char="•"/>
+              <a:defRPr sz="1600" kern="1200" baseline="0">
+                <a:solidFill>
+                  <a:schemeClr val="tx1"/>
+                </a:solidFill>
+                <a:latin typeface="+mn-lt"/>
+                <a:ea typeface="+mn-ea"/>
+                <a:cs typeface="+mn-cs"/>
+              </a:defRPr>
+            </a:lvl8pPr>
+            <a:lvl9pPr marL="1882775" indent="-228600" algn="l" defTabSz="914400" rtl="0" eaLnBrk="1" latinLnBrk="0" hangingPunct="1">
+              <a:lnSpc>
+                <a:spcPct val="100000"/>
+              </a:lnSpc>
+              <a:spcBef>
+                <a:spcPts val="1000"/>
+              </a:spcBef>
+              <a:buClr>
+                <a:schemeClr val="accent2"/>
+              </a:buClr>
+              <a:buFont typeface="Arial" panose="020B0604020202020204" pitchFamily="34" charset="0"/>
+              <a:buChar char="•"/>
+              <a:defRPr sz="1600" kern="1200" baseline="0">
+                <a:solidFill>
+                  <a:schemeClr val="tx1"/>
+                </a:solidFill>
+                <a:latin typeface="+mn-lt"/>
+                <a:ea typeface="+mn-ea"/>
+                <a:cs typeface="+mn-cs"/>
+              </a:defRPr>
+            </a:lvl9pPr>
+          </a:lstStyle>
+          <a:p>
+            <a:pPr marL="0" indent="0" algn="ctr">
+              <a:buNone/>
+            </a:pPr>
+            <a:r>
+              <a:rPr lang="en-SG" sz="1600" dirty="0">
+                <a:solidFill>
+                  <a:schemeClr val="tx1"/>
+                </a:solidFill>
+              </a:rPr>
+              <a:t>Fig. 7.1. Plotted values before cleaning (with moving averages)</a:t>
+            </a:r>
+            <a:endParaRPr lang="en-GB" sz="1600" dirty="0">
+              <a:solidFill>
+                <a:schemeClr val="tx1"/>
+              </a:solidFill>
+            </a:endParaRPr>
+          </a:p>
+        </p:txBody>
+      </p:sp>
+      <p:sp>
+        <p:nvSpPr>
+          <p:cNvPr id="10" name="Content Placeholder 3">
+            <a:extLst>
+              <a:ext uri="{FF2B5EF4-FFF2-40B4-BE49-F238E27FC236}">
+                <a16:creationId xmlns:a16="http://schemas.microsoft.com/office/drawing/2014/main" id="{91C48784-6382-458E-AA3F-1E6E2578A030}"/>
+              </a:ext>
+            </a:extLst>
+          </p:cNvPr>
+          <p:cNvSpPr txBox="1">
+            <a:spLocks/>
+          </p:cNvSpPr>
+          <p:nvPr/>
+        </p:nvSpPr>
+        <p:spPr>
+          <a:xfrm>
+            <a:off x="3056684" y="6354807"/>
+            <a:ext cx="4158440" cy="338554"/>
+          </a:xfrm>
+          <a:prstGeom prst="rect">
+            <a:avLst/>
+          </a:prstGeom>
+        </p:spPr>
+        <p:txBody>
+          <a:bodyPr vert="horz" wrap="square" lIns="91440" tIns="45720" rIns="91440" bIns="45720" rtlCol="0">
+            <a:spAutoFit/>
+          </a:bodyPr>
+          <a:lstStyle>
+            <a:lvl1pPr marL="228600" indent="-228600" algn="l" defTabSz="914400" rtl="0" eaLnBrk="1" latinLnBrk="0" hangingPunct="1">
+              <a:lnSpc>
+                <a:spcPct val="100000"/>
+              </a:lnSpc>
+              <a:spcBef>
+                <a:spcPts val="1000"/>
+              </a:spcBef>
+              <a:buClr>
+                <a:schemeClr val="accent2"/>
+              </a:buClr>
+              <a:buFont typeface="Arial" panose="020B0604020202020204" pitchFamily="34" charset="0"/>
+              <a:buChar char="•"/>
+              <a:defRPr sz="1800" kern="1200">
+                <a:solidFill>
+                  <a:schemeClr val="tx1">
+                    <a:lumMod val="85000"/>
+                    <a:lumOff val="15000"/>
+                  </a:schemeClr>
+                </a:solidFill>
+                <a:latin typeface="+mn-lt"/>
+                <a:ea typeface="+mn-ea"/>
+                <a:cs typeface="+mn-cs"/>
+              </a:defRPr>
+            </a:lvl1pPr>
+            <a:lvl2pPr marL="457200" indent="-228600" algn="l" defTabSz="914400" rtl="0" eaLnBrk="1" latinLnBrk="0" hangingPunct="1">
+              <a:lnSpc>
+                <a:spcPct val="100000"/>
+              </a:lnSpc>
+              <a:spcBef>
+                <a:spcPts val="1000"/>
+              </a:spcBef>
+              <a:buClr>
+                <a:schemeClr val="accent2"/>
+              </a:buClr>
+              <a:buFont typeface="Arial" panose="020B0604020202020204" pitchFamily="34" charset="0"/>
+              <a:buChar char="•"/>
+              <a:defRPr sz="1600" kern="1200">
+                <a:solidFill>
+                  <a:schemeClr val="tx1">
+                    <a:lumMod val="85000"/>
+                    <a:lumOff val="15000"/>
+                  </a:schemeClr>
+                </a:solidFill>
+                <a:latin typeface="+mn-lt"/>
+                <a:ea typeface="+mn-ea"/>
+                <a:cs typeface="+mn-cs"/>
+              </a:defRPr>
+            </a:lvl2pPr>
+            <a:lvl3pPr marL="685800" indent="-228600" algn="l" defTabSz="914400" rtl="0" eaLnBrk="1" latinLnBrk="0" hangingPunct="1">
+              <a:lnSpc>
+                <a:spcPct val="100000"/>
+              </a:lnSpc>
+              <a:spcBef>
+                <a:spcPts val="1000"/>
+              </a:spcBef>
+              <a:buClr>
+                <a:schemeClr val="accent2"/>
+              </a:buClr>
+              <a:buFont typeface="Arial" panose="020B0604020202020204" pitchFamily="34" charset="0"/>
+              <a:buChar char="•"/>
+              <a:defRPr sz="1600" kern="1200">
+                <a:solidFill>
+                  <a:schemeClr val="tx1">
+                    <a:lumMod val="85000"/>
+                    <a:lumOff val="15000"/>
+                  </a:schemeClr>
+                </a:solidFill>
+                <a:latin typeface="+mn-lt"/>
+                <a:ea typeface="+mn-ea"/>
+                <a:cs typeface="+mn-cs"/>
+              </a:defRPr>
+            </a:lvl3pPr>
+            <a:lvl4pPr marL="914400" indent="-228600" algn="l" defTabSz="914400" rtl="0" eaLnBrk="1" latinLnBrk="0" hangingPunct="1">
+              <a:lnSpc>
+                <a:spcPct val="100000"/>
+              </a:lnSpc>
+              <a:spcBef>
+                <a:spcPts val="1000"/>
+              </a:spcBef>
+              <a:buClr>
+                <a:schemeClr val="accent2"/>
+              </a:buClr>
+              <a:buFont typeface="Arial" panose="020B0604020202020204" pitchFamily="34" charset="0"/>
+              <a:buChar char="•"/>
+              <a:defRPr sz="1600" kern="1200">
+                <a:solidFill>
+                  <a:schemeClr val="tx1">
+                    <a:lumMod val="85000"/>
+                    <a:lumOff val="15000"/>
+                  </a:schemeClr>
+                </a:solidFill>
+                <a:latin typeface="+mn-lt"/>
+                <a:ea typeface="+mn-ea"/>
+                <a:cs typeface="+mn-cs"/>
+              </a:defRPr>
+            </a:lvl4pPr>
+            <a:lvl5pPr marL="1143000" indent="-228600" algn="l" defTabSz="914400" rtl="0" eaLnBrk="1" latinLnBrk="0" hangingPunct="1">
+              <a:lnSpc>
+                <a:spcPct val="100000"/>
+              </a:lnSpc>
+              <a:spcBef>
+                <a:spcPts val="1000"/>
+              </a:spcBef>
+              <a:buClr>
+                <a:schemeClr val="accent2"/>
+              </a:buClr>
+              <a:buFont typeface="Arial" panose="020B0604020202020204" pitchFamily="34" charset="0"/>
+              <a:buChar char="•"/>
+              <a:defRPr sz="1600" kern="1200">
+                <a:solidFill>
+                  <a:schemeClr val="tx1">
+                    <a:lumMod val="85000"/>
+                    <a:lumOff val="15000"/>
+                  </a:schemeClr>
+                </a:solidFill>
+                <a:latin typeface="+mn-lt"/>
+                <a:ea typeface="+mn-ea"/>
+                <a:cs typeface="+mn-cs"/>
+              </a:defRPr>
+            </a:lvl5pPr>
+            <a:lvl6pPr marL="1312863" indent="-228600" algn="l" defTabSz="914400" rtl="0" eaLnBrk="1" latinLnBrk="0" hangingPunct="1">
+              <a:lnSpc>
+                <a:spcPct val="100000"/>
+              </a:lnSpc>
+              <a:spcBef>
+                <a:spcPts val="1000"/>
+              </a:spcBef>
+              <a:buClr>
+                <a:schemeClr val="accent2"/>
+              </a:buClr>
+              <a:buFont typeface="Arial" panose="020B0604020202020204" pitchFamily="34" charset="0"/>
+              <a:buChar char="•"/>
+              <a:defRPr sz="1600" kern="1200">
+                <a:solidFill>
+                  <a:schemeClr val="tx1"/>
+                </a:solidFill>
+                <a:latin typeface="+mn-lt"/>
+                <a:ea typeface="+mn-ea"/>
+                <a:cs typeface="+mn-cs"/>
+              </a:defRPr>
+            </a:lvl6pPr>
+            <a:lvl7pPr marL="1484313" indent="-228600" algn="l" defTabSz="914400" rtl="0" eaLnBrk="1" latinLnBrk="0" hangingPunct="1">
+              <a:lnSpc>
+                <a:spcPct val="100000"/>
+              </a:lnSpc>
+              <a:spcBef>
+                <a:spcPts val="1000"/>
+              </a:spcBef>
+              <a:buClr>
+                <a:schemeClr val="accent2"/>
+              </a:buClr>
+              <a:buFont typeface="Arial" panose="020B0604020202020204" pitchFamily="34" charset="0"/>
+              <a:buChar char="•"/>
+              <a:defRPr sz="1600" kern="1200">
+                <a:solidFill>
+                  <a:schemeClr val="tx1"/>
+                </a:solidFill>
+                <a:latin typeface="+mn-lt"/>
+                <a:ea typeface="+mn-ea"/>
+                <a:cs typeface="+mn-cs"/>
+              </a:defRPr>
+            </a:lvl7pPr>
+            <a:lvl8pPr marL="1657350" indent="-228600" algn="l" defTabSz="914400" rtl="0" eaLnBrk="1" latinLnBrk="0" hangingPunct="1">
+              <a:lnSpc>
+                <a:spcPct val="100000"/>
+              </a:lnSpc>
+              <a:spcBef>
+                <a:spcPts val="1000"/>
+              </a:spcBef>
+              <a:buClr>
+                <a:schemeClr val="accent2"/>
+              </a:buClr>
+              <a:buFont typeface="Arial" panose="020B0604020202020204" pitchFamily="34" charset="0"/>
+              <a:buChar char="•"/>
+              <a:defRPr sz="1600" kern="1200" baseline="0">
+                <a:solidFill>
+                  <a:schemeClr val="tx1"/>
+                </a:solidFill>
+                <a:latin typeface="+mn-lt"/>
+                <a:ea typeface="+mn-ea"/>
+                <a:cs typeface="+mn-cs"/>
+              </a:defRPr>
+            </a:lvl8pPr>
+            <a:lvl9pPr marL="1882775" indent="-228600" algn="l" defTabSz="914400" rtl="0" eaLnBrk="1" latinLnBrk="0" hangingPunct="1">
+              <a:lnSpc>
+                <a:spcPct val="100000"/>
+              </a:lnSpc>
+              <a:spcBef>
+                <a:spcPts val="1000"/>
+              </a:spcBef>
+              <a:buClr>
+                <a:schemeClr val="accent2"/>
+              </a:buClr>
+              <a:buFont typeface="Arial" panose="020B0604020202020204" pitchFamily="34" charset="0"/>
+              <a:buChar char="•"/>
+              <a:defRPr sz="1600" kern="1200" baseline="0">
+                <a:solidFill>
+                  <a:schemeClr val="tx1"/>
+                </a:solidFill>
+                <a:latin typeface="+mn-lt"/>
+                <a:ea typeface="+mn-ea"/>
+                <a:cs typeface="+mn-cs"/>
+              </a:defRPr>
+            </a:lvl9pPr>
+          </a:lstStyle>
+          <a:p>
+            <a:pPr marL="0" indent="0" algn="ctr">
+              <a:buNone/>
+            </a:pPr>
+            <a:r>
+              <a:rPr lang="en-SG" sz="1600" dirty="0">
+                <a:solidFill>
+                  <a:schemeClr val="tx1"/>
+                </a:solidFill>
+              </a:rPr>
+              <a:t>Fig. 7.1. Distributions of Values before cleaning</a:t>
+            </a:r>
+            <a:endParaRPr lang="en-GB" sz="1600" dirty="0">
+              <a:solidFill>
+                <a:schemeClr val="tx1"/>
+              </a:solidFill>
+            </a:endParaRPr>
+          </a:p>
+        </p:txBody>
+      </p:sp>
     </p:spTree>
     <p:extLst>
       <p:ext uri="{BB962C8B-B14F-4D97-AF65-F5344CB8AC3E}">
@@ -9230,12 +10179,14 @@
         </p:nvSpPr>
         <p:spPr>
           <a:xfrm>
-            <a:off x="8182865" y="2334643"/>
-            <a:ext cx="3363974" cy="4153281"/>
+            <a:off x="8182865" y="2057400"/>
+            <a:ext cx="3363974" cy="4466684"/>
           </a:xfrm>
         </p:spPr>
         <p:txBody>
-          <a:bodyPr/>
+          <a:bodyPr>
+            <a:normAutofit/>
+          </a:bodyPr>
           <a:lstStyle/>
           <a:p>
             <a:r>
@@ -9244,20 +10195,8 @@
                   <a:schemeClr val="bg1"/>
                 </a:solidFill>
               </a:rPr>
-              <a:t>The data is very erratic.</a:t>
+              <a:t>After data cleaning, all the values conform to more normal distributions.</a:t>
             </a:r>
-          </a:p>
-          <a:p>
-            <a:r>
-              <a:rPr lang="en-SG" dirty="0">
-                <a:solidFill>
-                  <a:schemeClr val="bg1"/>
-                </a:solidFill>
-              </a:rPr>
-              <a:t>This will potentially pose a problem as there is no clear trend for a SARIMA model to pick up on.</a:t>
-            </a:r>
-          </a:p>
-          <a:p>
             <a:endParaRPr lang="en-GB" dirty="0">
               <a:solidFill>
                 <a:schemeClr val="bg1"/>
@@ -9266,40 +10205,516 @@
           </a:p>
         </p:txBody>
       </p:sp>
-      <p:pic>
-        <p:nvPicPr>
-          <p:cNvPr id="5" name="Picture 4" descr="Chart&#10;&#10;Description automatically generated">
+      <p:sp>
+        <p:nvSpPr>
+          <p:cNvPr id="9" name="Content Placeholder 3">
             <a:extLst>
               <a:ext uri="{FF2B5EF4-FFF2-40B4-BE49-F238E27FC236}">
-                <a16:creationId xmlns:a16="http://schemas.microsoft.com/office/drawing/2014/main" id="{ADE5910A-4E17-4AE7-8ADA-C7BBBFB87715}"/>
+                <a16:creationId xmlns:a16="http://schemas.microsoft.com/office/drawing/2014/main" id="{B9DC7648-AD72-4F00-AAF7-5318054B4F31}"/>
               </a:ext>
             </a:extLst>
           </p:cNvPr>
-          <p:cNvPicPr>
-            <a:picLocks noChangeAspect="1"/>
-          </p:cNvPicPr>
+          <p:cNvSpPr txBox="1">
+            <a:spLocks/>
+          </p:cNvSpPr>
           <p:nvPr/>
-        </p:nvPicPr>
-        <p:blipFill>
-          <a:blip r:embed="rId3"/>
-          <a:stretch>
-            <a:fillRect/>
-          </a:stretch>
-        </p:blipFill>
+        </p:nvSpPr>
         <p:spPr>
           <a:xfrm>
-            <a:off x="217400" y="1133213"/>
-            <a:ext cx="6913655" cy="4153281"/>
+            <a:off x="161925" y="3004058"/>
+            <a:ext cx="5457825" cy="338554"/>
           </a:xfrm>
           <a:prstGeom prst="rect">
             <a:avLst/>
           </a:prstGeom>
         </p:spPr>
-      </p:pic>
+        <p:txBody>
+          <a:bodyPr vert="horz" wrap="square" lIns="91440" tIns="45720" rIns="91440" bIns="45720" rtlCol="0">
+            <a:spAutoFit/>
+          </a:bodyPr>
+          <a:lstStyle>
+            <a:lvl1pPr marL="228600" indent="-228600" algn="l" defTabSz="914400" rtl="0" eaLnBrk="1" latinLnBrk="0" hangingPunct="1">
+              <a:lnSpc>
+                <a:spcPct val="100000"/>
+              </a:lnSpc>
+              <a:spcBef>
+                <a:spcPts val="1000"/>
+              </a:spcBef>
+              <a:buClr>
+                <a:schemeClr val="accent2"/>
+              </a:buClr>
+              <a:buFont typeface="Arial" panose="020B0604020202020204" pitchFamily="34" charset="0"/>
+              <a:buChar char="•"/>
+              <a:defRPr sz="1800" kern="1200">
+                <a:solidFill>
+                  <a:schemeClr val="tx1">
+                    <a:lumMod val="85000"/>
+                    <a:lumOff val="15000"/>
+                  </a:schemeClr>
+                </a:solidFill>
+                <a:latin typeface="+mn-lt"/>
+                <a:ea typeface="+mn-ea"/>
+                <a:cs typeface="+mn-cs"/>
+              </a:defRPr>
+            </a:lvl1pPr>
+            <a:lvl2pPr marL="457200" indent="-228600" algn="l" defTabSz="914400" rtl="0" eaLnBrk="1" latinLnBrk="0" hangingPunct="1">
+              <a:lnSpc>
+                <a:spcPct val="100000"/>
+              </a:lnSpc>
+              <a:spcBef>
+                <a:spcPts val="1000"/>
+              </a:spcBef>
+              <a:buClr>
+                <a:schemeClr val="accent2"/>
+              </a:buClr>
+              <a:buFont typeface="Arial" panose="020B0604020202020204" pitchFamily="34" charset="0"/>
+              <a:buChar char="•"/>
+              <a:defRPr sz="1600" kern="1200">
+                <a:solidFill>
+                  <a:schemeClr val="tx1">
+                    <a:lumMod val="85000"/>
+                    <a:lumOff val="15000"/>
+                  </a:schemeClr>
+                </a:solidFill>
+                <a:latin typeface="+mn-lt"/>
+                <a:ea typeface="+mn-ea"/>
+                <a:cs typeface="+mn-cs"/>
+              </a:defRPr>
+            </a:lvl2pPr>
+            <a:lvl3pPr marL="685800" indent="-228600" algn="l" defTabSz="914400" rtl="0" eaLnBrk="1" latinLnBrk="0" hangingPunct="1">
+              <a:lnSpc>
+                <a:spcPct val="100000"/>
+              </a:lnSpc>
+              <a:spcBef>
+                <a:spcPts val="1000"/>
+              </a:spcBef>
+              <a:buClr>
+                <a:schemeClr val="accent2"/>
+              </a:buClr>
+              <a:buFont typeface="Arial" panose="020B0604020202020204" pitchFamily="34" charset="0"/>
+              <a:buChar char="•"/>
+              <a:defRPr sz="1600" kern="1200">
+                <a:solidFill>
+                  <a:schemeClr val="tx1">
+                    <a:lumMod val="85000"/>
+                    <a:lumOff val="15000"/>
+                  </a:schemeClr>
+                </a:solidFill>
+                <a:latin typeface="+mn-lt"/>
+                <a:ea typeface="+mn-ea"/>
+                <a:cs typeface="+mn-cs"/>
+              </a:defRPr>
+            </a:lvl3pPr>
+            <a:lvl4pPr marL="914400" indent="-228600" algn="l" defTabSz="914400" rtl="0" eaLnBrk="1" latinLnBrk="0" hangingPunct="1">
+              <a:lnSpc>
+                <a:spcPct val="100000"/>
+              </a:lnSpc>
+              <a:spcBef>
+                <a:spcPts val="1000"/>
+              </a:spcBef>
+              <a:buClr>
+                <a:schemeClr val="accent2"/>
+              </a:buClr>
+              <a:buFont typeface="Arial" panose="020B0604020202020204" pitchFamily="34" charset="0"/>
+              <a:buChar char="•"/>
+              <a:defRPr sz="1600" kern="1200">
+                <a:solidFill>
+                  <a:schemeClr val="tx1">
+                    <a:lumMod val="85000"/>
+                    <a:lumOff val="15000"/>
+                  </a:schemeClr>
+                </a:solidFill>
+                <a:latin typeface="+mn-lt"/>
+                <a:ea typeface="+mn-ea"/>
+                <a:cs typeface="+mn-cs"/>
+              </a:defRPr>
+            </a:lvl4pPr>
+            <a:lvl5pPr marL="1143000" indent="-228600" algn="l" defTabSz="914400" rtl="0" eaLnBrk="1" latinLnBrk="0" hangingPunct="1">
+              <a:lnSpc>
+                <a:spcPct val="100000"/>
+              </a:lnSpc>
+              <a:spcBef>
+                <a:spcPts val="1000"/>
+              </a:spcBef>
+              <a:buClr>
+                <a:schemeClr val="accent2"/>
+              </a:buClr>
+              <a:buFont typeface="Arial" panose="020B0604020202020204" pitchFamily="34" charset="0"/>
+              <a:buChar char="•"/>
+              <a:defRPr sz="1600" kern="1200">
+                <a:solidFill>
+                  <a:schemeClr val="tx1">
+                    <a:lumMod val="85000"/>
+                    <a:lumOff val="15000"/>
+                  </a:schemeClr>
+                </a:solidFill>
+                <a:latin typeface="+mn-lt"/>
+                <a:ea typeface="+mn-ea"/>
+                <a:cs typeface="+mn-cs"/>
+              </a:defRPr>
+            </a:lvl5pPr>
+            <a:lvl6pPr marL="1312863" indent="-228600" algn="l" defTabSz="914400" rtl="0" eaLnBrk="1" latinLnBrk="0" hangingPunct="1">
+              <a:lnSpc>
+                <a:spcPct val="100000"/>
+              </a:lnSpc>
+              <a:spcBef>
+                <a:spcPts val="1000"/>
+              </a:spcBef>
+              <a:buClr>
+                <a:schemeClr val="accent2"/>
+              </a:buClr>
+              <a:buFont typeface="Arial" panose="020B0604020202020204" pitchFamily="34" charset="0"/>
+              <a:buChar char="•"/>
+              <a:defRPr sz="1600" kern="1200">
+                <a:solidFill>
+                  <a:schemeClr val="tx1"/>
+                </a:solidFill>
+                <a:latin typeface="+mn-lt"/>
+                <a:ea typeface="+mn-ea"/>
+                <a:cs typeface="+mn-cs"/>
+              </a:defRPr>
+            </a:lvl6pPr>
+            <a:lvl7pPr marL="1484313" indent="-228600" algn="l" defTabSz="914400" rtl="0" eaLnBrk="1" latinLnBrk="0" hangingPunct="1">
+              <a:lnSpc>
+                <a:spcPct val="100000"/>
+              </a:lnSpc>
+              <a:spcBef>
+                <a:spcPts val="1000"/>
+              </a:spcBef>
+              <a:buClr>
+                <a:schemeClr val="accent2"/>
+              </a:buClr>
+              <a:buFont typeface="Arial" panose="020B0604020202020204" pitchFamily="34" charset="0"/>
+              <a:buChar char="•"/>
+              <a:defRPr sz="1600" kern="1200">
+                <a:solidFill>
+                  <a:schemeClr val="tx1"/>
+                </a:solidFill>
+                <a:latin typeface="+mn-lt"/>
+                <a:ea typeface="+mn-ea"/>
+                <a:cs typeface="+mn-cs"/>
+              </a:defRPr>
+            </a:lvl7pPr>
+            <a:lvl8pPr marL="1657350" indent="-228600" algn="l" defTabSz="914400" rtl="0" eaLnBrk="1" latinLnBrk="0" hangingPunct="1">
+              <a:lnSpc>
+                <a:spcPct val="100000"/>
+              </a:lnSpc>
+              <a:spcBef>
+                <a:spcPts val="1000"/>
+              </a:spcBef>
+              <a:buClr>
+                <a:schemeClr val="accent2"/>
+              </a:buClr>
+              <a:buFont typeface="Arial" panose="020B0604020202020204" pitchFamily="34" charset="0"/>
+              <a:buChar char="•"/>
+              <a:defRPr sz="1600" kern="1200" baseline="0">
+                <a:solidFill>
+                  <a:schemeClr val="tx1"/>
+                </a:solidFill>
+                <a:latin typeface="+mn-lt"/>
+                <a:ea typeface="+mn-ea"/>
+                <a:cs typeface="+mn-cs"/>
+              </a:defRPr>
+            </a:lvl8pPr>
+            <a:lvl9pPr marL="1882775" indent="-228600" algn="l" defTabSz="914400" rtl="0" eaLnBrk="1" latinLnBrk="0" hangingPunct="1">
+              <a:lnSpc>
+                <a:spcPct val="100000"/>
+              </a:lnSpc>
+              <a:spcBef>
+                <a:spcPts val="1000"/>
+              </a:spcBef>
+              <a:buClr>
+                <a:schemeClr val="accent2"/>
+              </a:buClr>
+              <a:buFont typeface="Arial" panose="020B0604020202020204" pitchFamily="34" charset="0"/>
+              <a:buChar char="•"/>
+              <a:defRPr sz="1600" kern="1200" baseline="0">
+                <a:solidFill>
+                  <a:schemeClr val="tx1"/>
+                </a:solidFill>
+                <a:latin typeface="+mn-lt"/>
+                <a:ea typeface="+mn-ea"/>
+                <a:cs typeface="+mn-cs"/>
+              </a:defRPr>
+            </a:lvl9pPr>
+          </a:lstStyle>
+          <a:p>
+            <a:pPr marL="0" indent="0" algn="ctr">
+              <a:buNone/>
+            </a:pPr>
+            <a:r>
+              <a:rPr lang="en-SG" sz="1600" dirty="0">
+                <a:solidFill>
+                  <a:schemeClr val="tx1"/>
+                </a:solidFill>
+              </a:rPr>
+              <a:t>Fig. 7.1. Plotted values after cleaning (with moving averages)</a:t>
+            </a:r>
+            <a:endParaRPr lang="en-GB" sz="1600" dirty="0">
+              <a:solidFill>
+                <a:schemeClr val="tx1"/>
+              </a:solidFill>
+            </a:endParaRPr>
+          </a:p>
+        </p:txBody>
+      </p:sp>
+      <p:sp>
+        <p:nvSpPr>
+          <p:cNvPr id="10" name="Content Placeholder 3">
+            <a:extLst>
+              <a:ext uri="{FF2B5EF4-FFF2-40B4-BE49-F238E27FC236}">
+                <a16:creationId xmlns:a16="http://schemas.microsoft.com/office/drawing/2014/main" id="{91C48784-6382-458E-AA3F-1E6E2578A030}"/>
+              </a:ext>
+            </a:extLst>
+          </p:cNvPr>
+          <p:cNvSpPr txBox="1">
+            <a:spLocks/>
+          </p:cNvSpPr>
+          <p:nvPr/>
+        </p:nvSpPr>
+        <p:spPr>
+          <a:xfrm>
+            <a:off x="3056684" y="6354807"/>
+            <a:ext cx="4158440" cy="338554"/>
+          </a:xfrm>
+          <a:prstGeom prst="rect">
+            <a:avLst/>
+          </a:prstGeom>
+        </p:spPr>
+        <p:txBody>
+          <a:bodyPr vert="horz" wrap="square" lIns="91440" tIns="45720" rIns="91440" bIns="45720" rtlCol="0">
+            <a:spAutoFit/>
+          </a:bodyPr>
+          <a:lstStyle>
+            <a:lvl1pPr marL="228600" indent="-228600" algn="l" defTabSz="914400" rtl="0" eaLnBrk="1" latinLnBrk="0" hangingPunct="1">
+              <a:lnSpc>
+                <a:spcPct val="100000"/>
+              </a:lnSpc>
+              <a:spcBef>
+                <a:spcPts val="1000"/>
+              </a:spcBef>
+              <a:buClr>
+                <a:schemeClr val="accent2"/>
+              </a:buClr>
+              <a:buFont typeface="Arial" panose="020B0604020202020204" pitchFamily="34" charset="0"/>
+              <a:buChar char="•"/>
+              <a:defRPr sz="1800" kern="1200">
+                <a:solidFill>
+                  <a:schemeClr val="tx1">
+                    <a:lumMod val="85000"/>
+                    <a:lumOff val="15000"/>
+                  </a:schemeClr>
+                </a:solidFill>
+                <a:latin typeface="+mn-lt"/>
+                <a:ea typeface="+mn-ea"/>
+                <a:cs typeface="+mn-cs"/>
+              </a:defRPr>
+            </a:lvl1pPr>
+            <a:lvl2pPr marL="457200" indent="-228600" algn="l" defTabSz="914400" rtl="0" eaLnBrk="1" latinLnBrk="0" hangingPunct="1">
+              <a:lnSpc>
+                <a:spcPct val="100000"/>
+              </a:lnSpc>
+              <a:spcBef>
+                <a:spcPts val="1000"/>
+              </a:spcBef>
+              <a:buClr>
+                <a:schemeClr val="accent2"/>
+              </a:buClr>
+              <a:buFont typeface="Arial" panose="020B0604020202020204" pitchFamily="34" charset="0"/>
+              <a:buChar char="•"/>
+              <a:defRPr sz="1600" kern="1200">
+                <a:solidFill>
+                  <a:schemeClr val="tx1">
+                    <a:lumMod val="85000"/>
+                    <a:lumOff val="15000"/>
+                  </a:schemeClr>
+                </a:solidFill>
+                <a:latin typeface="+mn-lt"/>
+                <a:ea typeface="+mn-ea"/>
+                <a:cs typeface="+mn-cs"/>
+              </a:defRPr>
+            </a:lvl2pPr>
+            <a:lvl3pPr marL="685800" indent="-228600" algn="l" defTabSz="914400" rtl="0" eaLnBrk="1" latinLnBrk="0" hangingPunct="1">
+              <a:lnSpc>
+                <a:spcPct val="100000"/>
+              </a:lnSpc>
+              <a:spcBef>
+                <a:spcPts val="1000"/>
+              </a:spcBef>
+              <a:buClr>
+                <a:schemeClr val="accent2"/>
+              </a:buClr>
+              <a:buFont typeface="Arial" panose="020B0604020202020204" pitchFamily="34" charset="0"/>
+              <a:buChar char="•"/>
+              <a:defRPr sz="1600" kern="1200">
+                <a:solidFill>
+                  <a:schemeClr val="tx1">
+                    <a:lumMod val="85000"/>
+                    <a:lumOff val="15000"/>
+                  </a:schemeClr>
+                </a:solidFill>
+                <a:latin typeface="+mn-lt"/>
+                <a:ea typeface="+mn-ea"/>
+                <a:cs typeface="+mn-cs"/>
+              </a:defRPr>
+            </a:lvl3pPr>
+            <a:lvl4pPr marL="914400" indent="-228600" algn="l" defTabSz="914400" rtl="0" eaLnBrk="1" latinLnBrk="0" hangingPunct="1">
+              <a:lnSpc>
+                <a:spcPct val="100000"/>
+              </a:lnSpc>
+              <a:spcBef>
+                <a:spcPts val="1000"/>
+              </a:spcBef>
+              <a:buClr>
+                <a:schemeClr val="accent2"/>
+              </a:buClr>
+              <a:buFont typeface="Arial" panose="020B0604020202020204" pitchFamily="34" charset="0"/>
+              <a:buChar char="•"/>
+              <a:defRPr sz="1600" kern="1200">
+                <a:solidFill>
+                  <a:schemeClr val="tx1">
+                    <a:lumMod val="85000"/>
+                    <a:lumOff val="15000"/>
+                  </a:schemeClr>
+                </a:solidFill>
+                <a:latin typeface="+mn-lt"/>
+                <a:ea typeface="+mn-ea"/>
+                <a:cs typeface="+mn-cs"/>
+              </a:defRPr>
+            </a:lvl4pPr>
+            <a:lvl5pPr marL="1143000" indent="-228600" algn="l" defTabSz="914400" rtl="0" eaLnBrk="1" latinLnBrk="0" hangingPunct="1">
+              <a:lnSpc>
+                <a:spcPct val="100000"/>
+              </a:lnSpc>
+              <a:spcBef>
+                <a:spcPts val="1000"/>
+              </a:spcBef>
+              <a:buClr>
+                <a:schemeClr val="accent2"/>
+              </a:buClr>
+              <a:buFont typeface="Arial" panose="020B0604020202020204" pitchFamily="34" charset="0"/>
+              <a:buChar char="•"/>
+              <a:defRPr sz="1600" kern="1200">
+                <a:solidFill>
+                  <a:schemeClr val="tx1">
+                    <a:lumMod val="85000"/>
+                    <a:lumOff val="15000"/>
+                  </a:schemeClr>
+                </a:solidFill>
+                <a:latin typeface="+mn-lt"/>
+                <a:ea typeface="+mn-ea"/>
+                <a:cs typeface="+mn-cs"/>
+              </a:defRPr>
+            </a:lvl5pPr>
+            <a:lvl6pPr marL="1312863" indent="-228600" algn="l" defTabSz="914400" rtl="0" eaLnBrk="1" latinLnBrk="0" hangingPunct="1">
+              <a:lnSpc>
+                <a:spcPct val="100000"/>
+              </a:lnSpc>
+              <a:spcBef>
+                <a:spcPts val="1000"/>
+              </a:spcBef>
+              <a:buClr>
+                <a:schemeClr val="accent2"/>
+              </a:buClr>
+              <a:buFont typeface="Arial" panose="020B0604020202020204" pitchFamily="34" charset="0"/>
+              <a:buChar char="•"/>
+              <a:defRPr sz="1600" kern="1200">
+                <a:solidFill>
+                  <a:schemeClr val="tx1"/>
+                </a:solidFill>
+                <a:latin typeface="+mn-lt"/>
+                <a:ea typeface="+mn-ea"/>
+                <a:cs typeface="+mn-cs"/>
+              </a:defRPr>
+            </a:lvl6pPr>
+            <a:lvl7pPr marL="1484313" indent="-228600" algn="l" defTabSz="914400" rtl="0" eaLnBrk="1" latinLnBrk="0" hangingPunct="1">
+              <a:lnSpc>
+                <a:spcPct val="100000"/>
+              </a:lnSpc>
+              <a:spcBef>
+                <a:spcPts val="1000"/>
+              </a:spcBef>
+              <a:buClr>
+                <a:schemeClr val="accent2"/>
+              </a:buClr>
+              <a:buFont typeface="Arial" panose="020B0604020202020204" pitchFamily="34" charset="0"/>
+              <a:buChar char="•"/>
+              <a:defRPr sz="1600" kern="1200">
+                <a:solidFill>
+                  <a:schemeClr val="tx1"/>
+                </a:solidFill>
+                <a:latin typeface="+mn-lt"/>
+                <a:ea typeface="+mn-ea"/>
+                <a:cs typeface="+mn-cs"/>
+              </a:defRPr>
+            </a:lvl7pPr>
+            <a:lvl8pPr marL="1657350" indent="-228600" algn="l" defTabSz="914400" rtl="0" eaLnBrk="1" latinLnBrk="0" hangingPunct="1">
+              <a:lnSpc>
+                <a:spcPct val="100000"/>
+              </a:lnSpc>
+              <a:spcBef>
+                <a:spcPts val="1000"/>
+              </a:spcBef>
+              <a:buClr>
+                <a:schemeClr val="accent2"/>
+              </a:buClr>
+              <a:buFont typeface="Arial" panose="020B0604020202020204" pitchFamily="34" charset="0"/>
+              <a:buChar char="•"/>
+              <a:defRPr sz="1600" kern="1200" baseline="0">
+                <a:solidFill>
+                  <a:schemeClr val="tx1"/>
+                </a:solidFill>
+                <a:latin typeface="+mn-lt"/>
+                <a:ea typeface="+mn-ea"/>
+                <a:cs typeface="+mn-cs"/>
+              </a:defRPr>
+            </a:lvl8pPr>
+            <a:lvl9pPr marL="1882775" indent="-228600" algn="l" defTabSz="914400" rtl="0" eaLnBrk="1" latinLnBrk="0" hangingPunct="1">
+              <a:lnSpc>
+                <a:spcPct val="100000"/>
+              </a:lnSpc>
+              <a:spcBef>
+                <a:spcPts val="1000"/>
+              </a:spcBef>
+              <a:buClr>
+                <a:schemeClr val="accent2"/>
+              </a:buClr>
+              <a:buFont typeface="Arial" panose="020B0604020202020204" pitchFamily="34" charset="0"/>
+              <a:buChar char="•"/>
+              <a:defRPr sz="1600" kern="1200" baseline="0">
+                <a:solidFill>
+                  <a:schemeClr val="tx1"/>
+                </a:solidFill>
+                <a:latin typeface="+mn-lt"/>
+                <a:ea typeface="+mn-ea"/>
+                <a:cs typeface="+mn-cs"/>
+              </a:defRPr>
+            </a:lvl9pPr>
+          </a:lstStyle>
+          <a:p>
+            <a:pPr marL="0" indent="0" algn="ctr">
+              <a:buNone/>
+            </a:pPr>
+            <a:r>
+              <a:rPr lang="en-SG" sz="1600" dirty="0">
+                <a:solidFill>
+                  <a:schemeClr val="tx1"/>
+                </a:solidFill>
+              </a:rPr>
+              <a:t>Fig. 7.1. Distributions of Values after cleaning</a:t>
+            </a:r>
+            <a:endParaRPr lang="en-GB" sz="1600" dirty="0">
+              <a:solidFill>
+                <a:schemeClr val="tx1"/>
+              </a:solidFill>
+            </a:endParaRPr>
+          </a:p>
+        </p:txBody>
+      </p:sp>
     </p:spTree>
     <p:extLst>
       <p:ext uri="{BB962C8B-B14F-4D97-AF65-F5344CB8AC3E}">
-        <p14:creationId xmlns:p14="http://schemas.microsoft.com/office/powerpoint/2010/main" val="1654997623"/>
+        <p14:creationId xmlns:p14="http://schemas.microsoft.com/office/powerpoint/2010/main" val="3707341051"/>
       </p:ext>
     </p:extLst>
   </p:cSld>
@@ -12385,18 +13800,13 @@
           <a:lstStyle/>
           <a:p>
             <a:r>
-              <a:rPr lang="en-US" sz="2400">
+              <a:rPr lang="en-US" sz="2400" dirty="0">
                 <a:solidFill>
                   <a:srgbClr val="FFFFFF"/>
                 </a:solidFill>
               </a:rPr>
               <a:t>Hyper-Parameter Tuning (SARIMAX)</a:t>
             </a:r>
-            <a:endParaRPr lang="en-US" sz="2400" dirty="0">
-              <a:solidFill>
-                <a:srgbClr val="FFFFFF"/>
-              </a:solidFill>
-            </a:endParaRPr>
           </a:p>
         </p:txBody>
       </p:sp>
@@ -12640,15 +14050,7 @@
                   <a:schemeClr val="bg1"/>
                 </a:solidFill>
               </a:rPr>
-              <a:t>Grid Search was used </a:t>
-            </a:r>
-            <a:r>
-              <a:rPr lang="en-SG">
-                <a:solidFill>
-                  <a:schemeClr val="bg1"/>
-                </a:solidFill>
-              </a:rPr>
-              <a:t>to determine:</a:t>
+              <a:t>Grid Search was used to determine:</a:t>
             </a:r>
             <a:endParaRPr lang="en-GB" dirty="0">
               <a:solidFill>
@@ -12656,863 +14058,56 @@
               </a:solidFill>
             </a:endParaRPr>
           </a:p>
-        </p:txBody>
-      </p:sp>
-      <p:pic>
-        <p:nvPicPr>
-          <p:cNvPr id="8" name="Picture 7" descr="Graphical user interface, chart, line chart&#10;&#10;Description automatically generated">
-            <a:extLst>
-              <a:ext uri="{FF2B5EF4-FFF2-40B4-BE49-F238E27FC236}">
-                <a16:creationId xmlns:a16="http://schemas.microsoft.com/office/drawing/2014/main" id="{B5FE22C0-5873-4FD1-AAB9-3CBF1FDB7129}"/>
-              </a:ext>
-            </a:extLst>
-          </p:cNvPr>
-          <p:cNvPicPr>
-            <a:picLocks noChangeAspect="1"/>
-          </p:cNvPicPr>
-          <p:nvPr/>
-        </p:nvPicPr>
-        <p:blipFill>
-          <a:blip r:embed="rId3"/>
-          <a:stretch>
-            <a:fillRect/>
-          </a:stretch>
-        </p:blipFill>
-        <p:spPr>
-          <a:xfrm>
-            <a:off x="4840710" y="211136"/>
-            <a:ext cx="4276711" cy="2465675"/>
-          </a:xfrm>
-          <a:prstGeom prst="rect">
-            <a:avLst/>
-          </a:prstGeom>
-          <a:ln>
-            <a:solidFill>
-              <a:schemeClr val="tx1"/>
-            </a:solidFill>
-          </a:ln>
-        </p:spPr>
-      </p:pic>
-      <p:pic>
-        <p:nvPicPr>
-          <p:cNvPr id="13" name="Picture 12" descr="Chart, box and whisker chart&#10;&#10;Description automatically generated">
-            <a:extLst>
-              <a:ext uri="{FF2B5EF4-FFF2-40B4-BE49-F238E27FC236}">
-                <a16:creationId xmlns:a16="http://schemas.microsoft.com/office/drawing/2014/main" id="{36B30FDC-83AE-4F87-B205-30F61242E580}"/>
-              </a:ext>
-            </a:extLst>
-          </p:cNvPr>
-          <p:cNvPicPr>
-            <a:picLocks noChangeAspect="1"/>
-          </p:cNvPicPr>
-          <p:nvPr/>
-        </p:nvPicPr>
-        <p:blipFill rotWithShape="1">
-          <a:blip r:embed="rId4"/>
-          <a:srcRect t="1283"/>
-          <a:stretch/>
-        </p:blipFill>
-        <p:spPr>
-          <a:xfrm>
-            <a:off x="4913333" y="3642652"/>
-            <a:ext cx="2938943" cy="2016761"/>
-          </a:xfrm>
-          <a:prstGeom prst="rect">
-            <a:avLst/>
-          </a:prstGeom>
-          <a:ln>
-            <a:solidFill>
-              <a:schemeClr val="tx1"/>
-            </a:solidFill>
-          </a:ln>
-        </p:spPr>
-      </p:pic>
-      <p:sp>
-        <p:nvSpPr>
-          <p:cNvPr id="17" name="Content Placeholder 3">
-            <a:extLst>
-              <a:ext uri="{FF2B5EF4-FFF2-40B4-BE49-F238E27FC236}">
-                <a16:creationId xmlns:a16="http://schemas.microsoft.com/office/drawing/2014/main" id="{EF88CBEE-A418-42E3-AB17-EC4A643F24CA}"/>
-              </a:ext>
-            </a:extLst>
-          </p:cNvPr>
-          <p:cNvSpPr txBox="1">
-            <a:spLocks/>
-          </p:cNvSpPr>
-          <p:nvPr/>
-        </p:nvSpPr>
-        <p:spPr>
-          <a:xfrm>
-            <a:off x="5169708" y="2887947"/>
-            <a:ext cx="3631009" cy="338554"/>
-          </a:xfrm>
-          <a:prstGeom prst="rect">
-            <a:avLst/>
-          </a:prstGeom>
-        </p:spPr>
-        <p:txBody>
-          <a:bodyPr vert="horz" wrap="square" lIns="91440" tIns="45720" rIns="91440" bIns="45720" rtlCol="0">
-            <a:spAutoFit/>
-          </a:bodyPr>
-          <a:lstStyle>
-            <a:lvl1pPr marL="228600" indent="-228600" algn="l" defTabSz="914400" rtl="0" eaLnBrk="1" latinLnBrk="0" hangingPunct="1">
-              <a:lnSpc>
-                <a:spcPct val="100000"/>
-              </a:lnSpc>
+          <a:p>
+            <a:pPr marL="571500" lvl="1" indent="-342900">
               <a:spcBef>
-                <a:spcPts val="1000"/>
+                <a:spcPts val="600"/>
               </a:spcBef>
-              <a:buClr>
-                <a:schemeClr val="accent2"/>
-              </a:buClr>
-              <a:buFont typeface="Arial" panose="020B0604020202020204" pitchFamily="34" charset="0"/>
-              <a:buChar char="•"/>
-              <a:defRPr sz="1800" kern="1200">
-                <a:solidFill>
-                  <a:schemeClr val="tx1">
-                    <a:lumMod val="85000"/>
-                    <a:lumOff val="15000"/>
-                  </a:schemeClr>
-                </a:solidFill>
-                <a:latin typeface="+mn-lt"/>
-                <a:ea typeface="+mn-ea"/>
-                <a:cs typeface="+mn-cs"/>
-              </a:defRPr>
-            </a:lvl1pPr>
-            <a:lvl2pPr marL="457200" indent="-228600" algn="l" defTabSz="914400" rtl="0" eaLnBrk="1" latinLnBrk="0" hangingPunct="1">
-              <a:lnSpc>
-                <a:spcPct val="100000"/>
-              </a:lnSpc>
-              <a:spcBef>
-                <a:spcPts val="1000"/>
-              </a:spcBef>
-              <a:buClr>
-                <a:schemeClr val="accent2"/>
-              </a:buClr>
-              <a:buFont typeface="Arial" panose="020B0604020202020204" pitchFamily="34" charset="0"/>
-              <a:buChar char="•"/>
-              <a:defRPr sz="1600" kern="1200">
-                <a:solidFill>
-                  <a:schemeClr val="tx1">
-                    <a:lumMod val="85000"/>
-                    <a:lumOff val="15000"/>
-                  </a:schemeClr>
-                </a:solidFill>
-                <a:latin typeface="+mn-lt"/>
-                <a:ea typeface="+mn-ea"/>
-                <a:cs typeface="+mn-cs"/>
-              </a:defRPr>
-            </a:lvl2pPr>
-            <a:lvl3pPr marL="685800" indent="-228600" algn="l" defTabSz="914400" rtl="0" eaLnBrk="1" latinLnBrk="0" hangingPunct="1">
-              <a:lnSpc>
-                <a:spcPct val="100000"/>
-              </a:lnSpc>
-              <a:spcBef>
-                <a:spcPts val="1000"/>
-              </a:spcBef>
-              <a:buClr>
-                <a:schemeClr val="accent2"/>
-              </a:buClr>
-              <a:buFont typeface="Arial" panose="020B0604020202020204" pitchFamily="34" charset="0"/>
-              <a:buChar char="•"/>
-              <a:defRPr sz="1600" kern="1200">
-                <a:solidFill>
-                  <a:schemeClr val="tx1">
-                    <a:lumMod val="85000"/>
-                    <a:lumOff val="15000"/>
-                  </a:schemeClr>
-                </a:solidFill>
-                <a:latin typeface="+mn-lt"/>
-                <a:ea typeface="+mn-ea"/>
-                <a:cs typeface="+mn-cs"/>
-              </a:defRPr>
-            </a:lvl3pPr>
-            <a:lvl4pPr marL="914400" indent="-228600" algn="l" defTabSz="914400" rtl="0" eaLnBrk="1" latinLnBrk="0" hangingPunct="1">
-              <a:lnSpc>
-                <a:spcPct val="100000"/>
-              </a:lnSpc>
-              <a:spcBef>
-                <a:spcPts val="1000"/>
-              </a:spcBef>
-              <a:buClr>
-                <a:schemeClr val="accent2"/>
-              </a:buClr>
-              <a:buFont typeface="Arial" panose="020B0604020202020204" pitchFamily="34" charset="0"/>
-              <a:buChar char="•"/>
-              <a:defRPr sz="1600" kern="1200">
-                <a:solidFill>
-                  <a:schemeClr val="tx1">
-                    <a:lumMod val="85000"/>
-                    <a:lumOff val="15000"/>
-                  </a:schemeClr>
-                </a:solidFill>
-                <a:latin typeface="+mn-lt"/>
-                <a:ea typeface="+mn-ea"/>
-                <a:cs typeface="+mn-cs"/>
-              </a:defRPr>
-            </a:lvl4pPr>
-            <a:lvl5pPr marL="1143000" indent="-228600" algn="l" defTabSz="914400" rtl="0" eaLnBrk="1" latinLnBrk="0" hangingPunct="1">
-              <a:lnSpc>
-                <a:spcPct val="100000"/>
-              </a:lnSpc>
-              <a:spcBef>
-                <a:spcPts val="1000"/>
-              </a:spcBef>
-              <a:buClr>
-                <a:schemeClr val="accent2"/>
-              </a:buClr>
-              <a:buFont typeface="Arial" panose="020B0604020202020204" pitchFamily="34" charset="0"/>
-              <a:buChar char="•"/>
-              <a:defRPr sz="1600" kern="1200">
-                <a:solidFill>
-                  <a:schemeClr val="tx1">
-                    <a:lumMod val="85000"/>
-                    <a:lumOff val="15000"/>
-                  </a:schemeClr>
-                </a:solidFill>
-                <a:latin typeface="+mn-lt"/>
-                <a:ea typeface="+mn-ea"/>
-                <a:cs typeface="+mn-cs"/>
-              </a:defRPr>
-            </a:lvl5pPr>
-            <a:lvl6pPr marL="1312863" indent="-228600" algn="l" defTabSz="914400" rtl="0" eaLnBrk="1" latinLnBrk="0" hangingPunct="1">
-              <a:lnSpc>
-                <a:spcPct val="100000"/>
-              </a:lnSpc>
-              <a:spcBef>
-                <a:spcPts val="1000"/>
-              </a:spcBef>
-              <a:buClr>
-                <a:schemeClr val="accent2"/>
-              </a:buClr>
-              <a:buFont typeface="Arial" panose="020B0604020202020204" pitchFamily="34" charset="0"/>
-              <a:buChar char="•"/>
-              <a:defRPr sz="1600" kern="1200">
-                <a:solidFill>
-                  <a:schemeClr val="tx1"/>
-                </a:solidFill>
-                <a:latin typeface="+mn-lt"/>
-                <a:ea typeface="+mn-ea"/>
-                <a:cs typeface="+mn-cs"/>
-              </a:defRPr>
-            </a:lvl6pPr>
-            <a:lvl7pPr marL="1484313" indent="-228600" algn="l" defTabSz="914400" rtl="0" eaLnBrk="1" latinLnBrk="0" hangingPunct="1">
-              <a:lnSpc>
-                <a:spcPct val="100000"/>
-              </a:lnSpc>
-              <a:spcBef>
-                <a:spcPts val="1000"/>
-              </a:spcBef>
-              <a:buClr>
-                <a:schemeClr val="accent2"/>
-              </a:buClr>
-              <a:buFont typeface="Arial" panose="020B0604020202020204" pitchFamily="34" charset="0"/>
-              <a:buChar char="•"/>
-              <a:defRPr sz="1600" kern="1200">
-                <a:solidFill>
-                  <a:schemeClr val="tx1"/>
-                </a:solidFill>
-                <a:latin typeface="+mn-lt"/>
-                <a:ea typeface="+mn-ea"/>
-                <a:cs typeface="+mn-cs"/>
-              </a:defRPr>
-            </a:lvl7pPr>
-            <a:lvl8pPr marL="1657350" indent="-228600" algn="l" defTabSz="914400" rtl="0" eaLnBrk="1" latinLnBrk="0" hangingPunct="1">
-              <a:lnSpc>
-                <a:spcPct val="100000"/>
-              </a:lnSpc>
-              <a:spcBef>
-                <a:spcPts val="1000"/>
-              </a:spcBef>
-              <a:buClr>
-                <a:schemeClr val="accent2"/>
-              </a:buClr>
-              <a:buFont typeface="Arial" panose="020B0604020202020204" pitchFamily="34" charset="0"/>
-              <a:buChar char="•"/>
-              <a:defRPr sz="1600" kern="1200" baseline="0">
-                <a:solidFill>
-                  <a:schemeClr val="tx1"/>
-                </a:solidFill>
-                <a:latin typeface="+mn-lt"/>
-                <a:ea typeface="+mn-ea"/>
-                <a:cs typeface="+mn-cs"/>
-              </a:defRPr>
-            </a:lvl8pPr>
-            <a:lvl9pPr marL="1882775" indent="-228600" algn="l" defTabSz="914400" rtl="0" eaLnBrk="1" latinLnBrk="0" hangingPunct="1">
-              <a:lnSpc>
-                <a:spcPct val="100000"/>
-              </a:lnSpc>
-              <a:spcBef>
-                <a:spcPts val="1000"/>
-              </a:spcBef>
-              <a:buClr>
-                <a:schemeClr val="accent2"/>
-              </a:buClr>
-              <a:buFont typeface="Arial" panose="020B0604020202020204" pitchFamily="34" charset="0"/>
-              <a:buChar char="•"/>
-              <a:defRPr sz="1600" kern="1200" baseline="0">
-                <a:solidFill>
-                  <a:schemeClr val="tx1"/>
-                </a:solidFill>
-                <a:latin typeface="+mn-lt"/>
-                <a:ea typeface="+mn-ea"/>
-                <a:cs typeface="+mn-cs"/>
-              </a:defRPr>
-            </a:lvl9pPr>
-          </a:lstStyle>
-          <a:p>
-            <a:pPr marL="0" indent="0" algn="ctr">
-              <a:buNone/>
+              <a:buFont typeface="+mj-lt"/>
+              <a:buAutoNum type="arabicPeriod"/>
             </a:pPr>
             <a:r>
-              <a:rPr lang="en-SG" sz="1600" dirty="0">
-                <a:solidFill>
-                  <a:schemeClr val="tx1"/>
+              <a:rPr lang="en-SG" dirty="0">
+                <a:solidFill>
+                  <a:schemeClr val="bg1"/>
                 </a:solidFill>
               </a:rPr>
-              <a:t>Fig. 7.1. Values after differencing</a:t>
+              <a:t>The seasonal order (P, D, Q)</a:t>
             </a:r>
-            <a:endParaRPr lang="en-GB" sz="1600" dirty="0">
-              <a:solidFill>
-                <a:schemeClr val="tx1"/>
-              </a:solidFill>
-            </a:endParaRPr>
-          </a:p>
-        </p:txBody>
-      </p:sp>
-      <p:sp>
-        <p:nvSpPr>
-          <p:cNvPr id="19" name="Content Placeholder 3">
-            <a:extLst>
-              <a:ext uri="{FF2B5EF4-FFF2-40B4-BE49-F238E27FC236}">
-                <a16:creationId xmlns:a16="http://schemas.microsoft.com/office/drawing/2014/main" id="{EAFD53E4-C663-4365-ABC7-F00A049CB9A7}"/>
-              </a:ext>
-            </a:extLst>
-          </p:cNvPr>
-          <p:cNvSpPr txBox="1">
-            <a:spLocks/>
-          </p:cNvSpPr>
-          <p:nvPr/>
-        </p:nvSpPr>
-        <p:spPr>
-          <a:xfrm>
-            <a:off x="5010162" y="5892812"/>
-            <a:ext cx="2527544" cy="584775"/>
-          </a:xfrm>
-          <a:prstGeom prst="rect">
-            <a:avLst/>
-          </a:prstGeom>
-        </p:spPr>
-        <p:txBody>
-          <a:bodyPr vert="horz" wrap="square" lIns="91440" tIns="45720" rIns="91440" bIns="45720" rtlCol="0">
-            <a:spAutoFit/>
-          </a:bodyPr>
-          <a:lstStyle>
-            <a:lvl1pPr marL="228600" indent="-228600" algn="l" defTabSz="914400" rtl="0" eaLnBrk="1" latinLnBrk="0" hangingPunct="1">
-              <a:lnSpc>
-                <a:spcPct val="100000"/>
-              </a:lnSpc>
+          </a:p>
+          <a:p>
+            <a:pPr marL="571500" lvl="1" indent="-342900">
               <a:spcBef>
-                <a:spcPts val="1000"/>
+                <a:spcPts val="600"/>
               </a:spcBef>
-              <a:buClr>
-                <a:schemeClr val="accent2"/>
-              </a:buClr>
-              <a:buFont typeface="Arial" panose="020B0604020202020204" pitchFamily="34" charset="0"/>
-              <a:buChar char="•"/>
-              <a:defRPr sz="1800" kern="1200">
-                <a:solidFill>
-                  <a:schemeClr val="tx1">
-                    <a:lumMod val="85000"/>
-                    <a:lumOff val="15000"/>
-                  </a:schemeClr>
-                </a:solidFill>
-                <a:latin typeface="+mn-lt"/>
-                <a:ea typeface="+mn-ea"/>
-                <a:cs typeface="+mn-cs"/>
-              </a:defRPr>
-            </a:lvl1pPr>
-            <a:lvl2pPr marL="457200" indent="-228600" algn="l" defTabSz="914400" rtl="0" eaLnBrk="1" latinLnBrk="0" hangingPunct="1">
-              <a:lnSpc>
-                <a:spcPct val="100000"/>
-              </a:lnSpc>
-              <a:spcBef>
-                <a:spcPts val="1000"/>
-              </a:spcBef>
-              <a:buClr>
-                <a:schemeClr val="accent2"/>
-              </a:buClr>
-              <a:buFont typeface="Arial" panose="020B0604020202020204" pitchFamily="34" charset="0"/>
-              <a:buChar char="•"/>
-              <a:defRPr sz="1600" kern="1200">
-                <a:solidFill>
-                  <a:schemeClr val="tx1">
-                    <a:lumMod val="85000"/>
-                    <a:lumOff val="15000"/>
-                  </a:schemeClr>
-                </a:solidFill>
-                <a:latin typeface="+mn-lt"/>
-                <a:ea typeface="+mn-ea"/>
-                <a:cs typeface="+mn-cs"/>
-              </a:defRPr>
-            </a:lvl2pPr>
-            <a:lvl3pPr marL="685800" indent="-228600" algn="l" defTabSz="914400" rtl="0" eaLnBrk="1" latinLnBrk="0" hangingPunct="1">
-              <a:lnSpc>
-                <a:spcPct val="100000"/>
-              </a:lnSpc>
-              <a:spcBef>
-                <a:spcPts val="1000"/>
-              </a:spcBef>
-              <a:buClr>
-                <a:schemeClr val="accent2"/>
-              </a:buClr>
-              <a:buFont typeface="Arial" panose="020B0604020202020204" pitchFamily="34" charset="0"/>
-              <a:buChar char="•"/>
-              <a:defRPr sz="1600" kern="1200">
-                <a:solidFill>
-                  <a:schemeClr val="tx1">
-                    <a:lumMod val="85000"/>
-                    <a:lumOff val="15000"/>
-                  </a:schemeClr>
-                </a:solidFill>
-                <a:latin typeface="+mn-lt"/>
-                <a:ea typeface="+mn-ea"/>
-                <a:cs typeface="+mn-cs"/>
-              </a:defRPr>
-            </a:lvl3pPr>
-            <a:lvl4pPr marL="914400" indent="-228600" algn="l" defTabSz="914400" rtl="0" eaLnBrk="1" latinLnBrk="0" hangingPunct="1">
-              <a:lnSpc>
-                <a:spcPct val="100000"/>
-              </a:lnSpc>
-              <a:spcBef>
-                <a:spcPts val="1000"/>
-              </a:spcBef>
-              <a:buClr>
-                <a:schemeClr val="accent2"/>
-              </a:buClr>
-              <a:buFont typeface="Arial" panose="020B0604020202020204" pitchFamily="34" charset="0"/>
-              <a:buChar char="•"/>
-              <a:defRPr sz="1600" kern="1200">
-                <a:solidFill>
-                  <a:schemeClr val="tx1">
-                    <a:lumMod val="85000"/>
-                    <a:lumOff val="15000"/>
-                  </a:schemeClr>
-                </a:solidFill>
-                <a:latin typeface="+mn-lt"/>
-                <a:ea typeface="+mn-ea"/>
-                <a:cs typeface="+mn-cs"/>
-              </a:defRPr>
-            </a:lvl4pPr>
-            <a:lvl5pPr marL="1143000" indent="-228600" algn="l" defTabSz="914400" rtl="0" eaLnBrk="1" latinLnBrk="0" hangingPunct="1">
-              <a:lnSpc>
-                <a:spcPct val="100000"/>
-              </a:lnSpc>
-              <a:spcBef>
-                <a:spcPts val="1000"/>
-              </a:spcBef>
-              <a:buClr>
-                <a:schemeClr val="accent2"/>
-              </a:buClr>
-              <a:buFont typeface="Arial" panose="020B0604020202020204" pitchFamily="34" charset="0"/>
-              <a:buChar char="•"/>
-              <a:defRPr sz="1600" kern="1200">
-                <a:solidFill>
-                  <a:schemeClr val="tx1">
-                    <a:lumMod val="85000"/>
-                    <a:lumOff val="15000"/>
-                  </a:schemeClr>
-                </a:solidFill>
-                <a:latin typeface="+mn-lt"/>
-                <a:ea typeface="+mn-ea"/>
-                <a:cs typeface="+mn-cs"/>
-              </a:defRPr>
-            </a:lvl5pPr>
-            <a:lvl6pPr marL="1312863" indent="-228600" algn="l" defTabSz="914400" rtl="0" eaLnBrk="1" latinLnBrk="0" hangingPunct="1">
-              <a:lnSpc>
-                <a:spcPct val="100000"/>
-              </a:lnSpc>
-              <a:spcBef>
-                <a:spcPts val="1000"/>
-              </a:spcBef>
-              <a:buClr>
-                <a:schemeClr val="accent2"/>
-              </a:buClr>
-              <a:buFont typeface="Arial" panose="020B0604020202020204" pitchFamily="34" charset="0"/>
-              <a:buChar char="•"/>
-              <a:defRPr sz="1600" kern="1200">
-                <a:solidFill>
-                  <a:schemeClr val="tx1"/>
-                </a:solidFill>
-                <a:latin typeface="+mn-lt"/>
-                <a:ea typeface="+mn-ea"/>
-                <a:cs typeface="+mn-cs"/>
-              </a:defRPr>
-            </a:lvl6pPr>
-            <a:lvl7pPr marL="1484313" indent="-228600" algn="l" defTabSz="914400" rtl="0" eaLnBrk="1" latinLnBrk="0" hangingPunct="1">
-              <a:lnSpc>
-                <a:spcPct val="100000"/>
-              </a:lnSpc>
-              <a:spcBef>
-                <a:spcPts val="1000"/>
-              </a:spcBef>
-              <a:buClr>
-                <a:schemeClr val="accent2"/>
-              </a:buClr>
-              <a:buFont typeface="Arial" panose="020B0604020202020204" pitchFamily="34" charset="0"/>
-              <a:buChar char="•"/>
-              <a:defRPr sz="1600" kern="1200">
-                <a:solidFill>
-                  <a:schemeClr val="tx1"/>
-                </a:solidFill>
-                <a:latin typeface="+mn-lt"/>
-                <a:ea typeface="+mn-ea"/>
-                <a:cs typeface="+mn-cs"/>
-              </a:defRPr>
-            </a:lvl7pPr>
-            <a:lvl8pPr marL="1657350" indent="-228600" algn="l" defTabSz="914400" rtl="0" eaLnBrk="1" latinLnBrk="0" hangingPunct="1">
-              <a:lnSpc>
-                <a:spcPct val="100000"/>
-              </a:lnSpc>
-              <a:spcBef>
-                <a:spcPts val="1000"/>
-              </a:spcBef>
-              <a:buClr>
-                <a:schemeClr val="accent2"/>
-              </a:buClr>
-              <a:buFont typeface="Arial" panose="020B0604020202020204" pitchFamily="34" charset="0"/>
-              <a:buChar char="•"/>
-              <a:defRPr sz="1600" kern="1200" baseline="0">
-                <a:solidFill>
-                  <a:schemeClr val="tx1"/>
-                </a:solidFill>
-                <a:latin typeface="+mn-lt"/>
-                <a:ea typeface="+mn-ea"/>
-                <a:cs typeface="+mn-cs"/>
-              </a:defRPr>
-            </a:lvl8pPr>
-            <a:lvl9pPr marL="1882775" indent="-228600" algn="l" defTabSz="914400" rtl="0" eaLnBrk="1" latinLnBrk="0" hangingPunct="1">
-              <a:lnSpc>
-                <a:spcPct val="100000"/>
-              </a:lnSpc>
-              <a:spcBef>
-                <a:spcPts val="1000"/>
-              </a:spcBef>
-              <a:buClr>
-                <a:schemeClr val="accent2"/>
-              </a:buClr>
-              <a:buFont typeface="Arial" panose="020B0604020202020204" pitchFamily="34" charset="0"/>
-              <a:buChar char="•"/>
-              <a:defRPr sz="1600" kern="1200" baseline="0">
-                <a:solidFill>
-                  <a:schemeClr val="tx1"/>
-                </a:solidFill>
-                <a:latin typeface="+mn-lt"/>
-                <a:ea typeface="+mn-ea"/>
-                <a:cs typeface="+mn-cs"/>
-              </a:defRPr>
-            </a:lvl9pPr>
-          </a:lstStyle>
-          <a:p>
-            <a:pPr marL="0" indent="0" algn="ctr">
-              <a:buNone/>
+              <a:buFont typeface="+mj-lt"/>
+              <a:buAutoNum type="arabicPeriod"/>
             </a:pPr>
             <a:r>
-              <a:rPr lang="en-SG" sz="1600" dirty="0">
-                <a:solidFill>
-                  <a:schemeClr val="tx1"/>
+              <a:rPr lang="en-SG" dirty="0">
+                <a:solidFill>
+                  <a:schemeClr val="bg1"/>
                 </a:solidFill>
               </a:rPr>
-              <a:t>Fig. 7.2. Example PACF plot after differencing</a:t>
+              <a:t>The trend polynomial (trend)</a:t>
             </a:r>
-            <a:endParaRPr lang="en-GB" sz="1600" dirty="0">
-              <a:solidFill>
-                <a:schemeClr val="tx1"/>
-              </a:solidFill>
-            </a:endParaRPr>
-          </a:p>
-        </p:txBody>
-      </p:sp>
-      <p:pic>
-        <p:nvPicPr>
-          <p:cNvPr id="16" name="Picture 15" descr="Text&#10;&#10;Description automatically generated">
-            <a:extLst>
-              <a:ext uri="{FF2B5EF4-FFF2-40B4-BE49-F238E27FC236}">
-                <a16:creationId xmlns:a16="http://schemas.microsoft.com/office/drawing/2014/main" id="{C84D5016-ADC4-4757-9BDF-1E1DF80D1335}"/>
-              </a:ext>
-            </a:extLst>
-          </p:cNvPr>
-          <p:cNvPicPr>
-            <a:picLocks noChangeAspect="1"/>
-          </p:cNvPicPr>
-          <p:nvPr/>
-        </p:nvPicPr>
-        <p:blipFill>
-          <a:blip r:embed="rId5"/>
-          <a:stretch>
-            <a:fillRect/>
-          </a:stretch>
-        </p:blipFill>
-        <p:spPr>
-          <a:xfrm>
-            <a:off x="8800716" y="3166511"/>
-            <a:ext cx="2970701" cy="3129513"/>
-          </a:xfrm>
-          <a:prstGeom prst="rect">
-            <a:avLst/>
-          </a:prstGeom>
-        </p:spPr>
-      </p:pic>
-      <p:sp>
-        <p:nvSpPr>
-          <p:cNvPr id="21" name="Content Placeholder 3">
-            <a:extLst>
-              <a:ext uri="{FF2B5EF4-FFF2-40B4-BE49-F238E27FC236}">
-                <a16:creationId xmlns:a16="http://schemas.microsoft.com/office/drawing/2014/main" id="{7A5C45AE-1C1F-417B-9C49-F45716DFB30B}"/>
-              </a:ext>
-            </a:extLst>
-          </p:cNvPr>
-          <p:cNvSpPr txBox="1">
-            <a:spLocks/>
-          </p:cNvSpPr>
-          <p:nvPr/>
-        </p:nvSpPr>
-        <p:spPr>
-          <a:xfrm>
-            <a:off x="9032188" y="6257680"/>
-            <a:ext cx="2527544" cy="584775"/>
-          </a:xfrm>
-          <a:prstGeom prst="rect">
-            <a:avLst/>
-          </a:prstGeom>
-        </p:spPr>
-        <p:txBody>
-          <a:bodyPr vert="horz" wrap="square" lIns="91440" tIns="45720" rIns="91440" bIns="45720" rtlCol="0">
-            <a:spAutoFit/>
-          </a:bodyPr>
-          <a:lstStyle>
-            <a:lvl1pPr marL="228600" indent="-228600" algn="l" defTabSz="914400" rtl="0" eaLnBrk="1" latinLnBrk="0" hangingPunct="1">
-              <a:lnSpc>
-                <a:spcPct val="100000"/>
-              </a:lnSpc>
+          </a:p>
+          <a:p>
+            <a:pPr marL="571500" lvl="1" indent="-342900">
               <a:spcBef>
-                <a:spcPts val="1000"/>
+                <a:spcPts val="600"/>
               </a:spcBef>
-              <a:buClr>
-                <a:schemeClr val="accent2"/>
-              </a:buClr>
-              <a:buFont typeface="Arial" panose="020B0604020202020204" pitchFamily="34" charset="0"/>
-              <a:buChar char="•"/>
-              <a:defRPr sz="1800" kern="1200">
-                <a:solidFill>
-                  <a:schemeClr val="tx1">
-                    <a:lumMod val="85000"/>
-                    <a:lumOff val="15000"/>
-                  </a:schemeClr>
-                </a:solidFill>
-                <a:latin typeface="+mn-lt"/>
-                <a:ea typeface="+mn-ea"/>
-                <a:cs typeface="+mn-cs"/>
-              </a:defRPr>
-            </a:lvl1pPr>
-            <a:lvl2pPr marL="457200" indent="-228600" algn="l" defTabSz="914400" rtl="0" eaLnBrk="1" latinLnBrk="0" hangingPunct="1">
-              <a:lnSpc>
-                <a:spcPct val="100000"/>
-              </a:lnSpc>
-              <a:spcBef>
-                <a:spcPts val="1000"/>
-              </a:spcBef>
-              <a:buClr>
-                <a:schemeClr val="accent2"/>
-              </a:buClr>
-              <a:buFont typeface="Arial" panose="020B0604020202020204" pitchFamily="34" charset="0"/>
-              <a:buChar char="•"/>
-              <a:defRPr sz="1600" kern="1200">
-                <a:solidFill>
-                  <a:schemeClr val="tx1">
-                    <a:lumMod val="85000"/>
-                    <a:lumOff val="15000"/>
-                  </a:schemeClr>
-                </a:solidFill>
-                <a:latin typeface="+mn-lt"/>
-                <a:ea typeface="+mn-ea"/>
-                <a:cs typeface="+mn-cs"/>
-              </a:defRPr>
-            </a:lvl2pPr>
-            <a:lvl3pPr marL="685800" indent="-228600" algn="l" defTabSz="914400" rtl="0" eaLnBrk="1" latinLnBrk="0" hangingPunct="1">
-              <a:lnSpc>
-                <a:spcPct val="100000"/>
-              </a:lnSpc>
-              <a:spcBef>
-                <a:spcPts val="1000"/>
-              </a:spcBef>
-              <a:buClr>
-                <a:schemeClr val="accent2"/>
-              </a:buClr>
-              <a:buFont typeface="Arial" panose="020B0604020202020204" pitchFamily="34" charset="0"/>
-              <a:buChar char="•"/>
-              <a:defRPr sz="1600" kern="1200">
-                <a:solidFill>
-                  <a:schemeClr val="tx1">
-                    <a:lumMod val="85000"/>
-                    <a:lumOff val="15000"/>
-                  </a:schemeClr>
-                </a:solidFill>
-                <a:latin typeface="+mn-lt"/>
-                <a:ea typeface="+mn-ea"/>
-                <a:cs typeface="+mn-cs"/>
-              </a:defRPr>
-            </a:lvl3pPr>
-            <a:lvl4pPr marL="914400" indent="-228600" algn="l" defTabSz="914400" rtl="0" eaLnBrk="1" latinLnBrk="0" hangingPunct="1">
-              <a:lnSpc>
-                <a:spcPct val="100000"/>
-              </a:lnSpc>
-              <a:spcBef>
-                <a:spcPts val="1000"/>
-              </a:spcBef>
-              <a:buClr>
-                <a:schemeClr val="accent2"/>
-              </a:buClr>
-              <a:buFont typeface="Arial" panose="020B0604020202020204" pitchFamily="34" charset="0"/>
-              <a:buChar char="•"/>
-              <a:defRPr sz="1600" kern="1200">
-                <a:solidFill>
-                  <a:schemeClr val="tx1">
-                    <a:lumMod val="85000"/>
-                    <a:lumOff val="15000"/>
-                  </a:schemeClr>
-                </a:solidFill>
-                <a:latin typeface="+mn-lt"/>
-                <a:ea typeface="+mn-ea"/>
-                <a:cs typeface="+mn-cs"/>
-              </a:defRPr>
-            </a:lvl4pPr>
-            <a:lvl5pPr marL="1143000" indent="-228600" algn="l" defTabSz="914400" rtl="0" eaLnBrk="1" latinLnBrk="0" hangingPunct="1">
-              <a:lnSpc>
-                <a:spcPct val="100000"/>
-              </a:lnSpc>
-              <a:spcBef>
-                <a:spcPts val="1000"/>
-              </a:spcBef>
-              <a:buClr>
-                <a:schemeClr val="accent2"/>
-              </a:buClr>
-              <a:buFont typeface="Arial" panose="020B0604020202020204" pitchFamily="34" charset="0"/>
-              <a:buChar char="•"/>
-              <a:defRPr sz="1600" kern="1200">
-                <a:solidFill>
-                  <a:schemeClr val="tx1">
-                    <a:lumMod val="85000"/>
-                    <a:lumOff val="15000"/>
-                  </a:schemeClr>
-                </a:solidFill>
-                <a:latin typeface="+mn-lt"/>
-                <a:ea typeface="+mn-ea"/>
-                <a:cs typeface="+mn-cs"/>
-              </a:defRPr>
-            </a:lvl5pPr>
-            <a:lvl6pPr marL="1312863" indent="-228600" algn="l" defTabSz="914400" rtl="0" eaLnBrk="1" latinLnBrk="0" hangingPunct="1">
-              <a:lnSpc>
-                <a:spcPct val="100000"/>
-              </a:lnSpc>
-              <a:spcBef>
-                <a:spcPts val="1000"/>
-              </a:spcBef>
-              <a:buClr>
-                <a:schemeClr val="accent2"/>
-              </a:buClr>
-              <a:buFont typeface="Arial" panose="020B0604020202020204" pitchFamily="34" charset="0"/>
-              <a:buChar char="•"/>
-              <a:defRPr sz="1600" kern="1200">
-                <a:solidFill>
-                  <a:schemeClr val="tx1"/>
-                </a:solidFill>
-                <a:latin typeface="+mn-lt"/>
-                <a:ea typeface="+mn-ea"/>
-                <a:cs typeface="+mn-cs"/>
-              </a:defRPr>
-            </a:lvl6pPr>
-            <a:lvl7pPr marL="1484313" indent="-228600" algn="l" defTabSz="914400" rtl="0" eaLnBrk="1" latinLnBrk="0" hangingPunct="1">
-              <a:lnSpc>
-                <a:spcPct val="100000"/>
-              </a:lnSpc>
-              <a:spcBef>
-                <a:spcPts val="1000"/>
-              </a:spcBef>
-              <a:buClr>
-                <a:schemeClr val="accent2"/>
-              </a:buClr>
-              <a:buFont typeface="Arial" panose="020B0604020202020204" pitchFamily="34" charset="0"/>
-              <a:buChar char="•"/>
-              <a:defRPr sz="1600" kern="1200">
-                <a:solidFill>
-                  <a:schemeClr val="tx1"/>
-                </a:solidFill>
-                <a:latin typeface="+mn-lt"/>
-                <a:ea typeface="+mn-ea"/>
-                <a:cs typeface="+mn-cs"/>
-              </a:defRPr>
-            </a:lvl7pPr>
-            <a:lvl8pPr marL="1657350" indent="-228600" algn="l" defTabSz="914400" rtl="0" eaLnBrk="1" latinLnBrk="0" hangingPunct="1">
-              <a:lnSpc>
-                <a:spcPct val="100000"/>
-              </a:lnSpc>
-              <a:spcBef>
-                <a:spcPts val="1000"/>
-              </a:spcBef>
-              <a:buClr>
-                <a:schemeClr val="accent2"/>
-              </a:buClr>
-              <a:buFont typeface="Arial" panose="020B0604020202020204" pitchFamily="34" charset="0"/>
-              <a:buChar char="•"/>
-              <a:defRPr sz="1600" kern="1200" baseline="0">
-                <a:solidFill>
-                  <a:schemeClr val="tx1"/>
-                </a:solidFill>
-                <a:latin typeface="+mn-lt"/>
-                <a:ea typeface="+mn-ea"/>
-                <a:cs typeface="+mn-cs"/>
-              </a:defRPr>
-            </a:lvl8pPr>
-            <a:lvl9pPr marL="1882775" indent="-228600" algn="l" defTabSz="914400" rtl="0" eaLnBrk="1" latinLnBrk="0" hangingPunct="1">
-              <a:lnSpc>
-                <a:spcPct val="100000"/>
-              </a:lnSpc>
-              <a:spcBef>
-                <a:spcPts val="1000"/>
-              </a:spcBef>
-              <a:buClr>
-                <a:schemeClr val="accent2"/>
-              </a:buClr>
-              <a:buFont typeface="Arial" panose="020B0604020202020204" pitchFamily="34" charset="0"/>
-              <a:buChar char="•"/>
-              <a:defRPr sz="1600" kern="1200" baseline="0">
-                <a:solidFill>
-                  <a:schemeClr val="tx1"/>
-                </a:solidFill>
-                <a:latin typeface="+mn-lt"/>
-                <a:ea typeface="+mn-ea"/>
-                <a:cs typeface="+mn-cs"/>
-              </a:defRPr>
-            </a:lvl9pPr>
-          </a:lstStyle>
-          <a:p>
-            <a:pPr marL="0" indent="0" algn="ctr">
-              <a:buNone/>
+              <a:buFont typeface="+mj-lt"/>
+              <a:buAutoNum type="arabicPeriod"/>
             </a:pPr>
             <a:r>
-              <a:rPr lang="en-SG" sz="1600" dirty="0">
-                <a:solidFill>
-                  <a:schemeClr val="tx1"/>
+              <a:rPr lang="en-SG" dirty="0">
+                <a:solidFill>
+                  <a:schemeClr val="bg1"/>
                 </a:solidFill>
               </a:rPr>
-              <a:t>Fig. 7.3. Selected p, d, q values</a:t>
+              <a:t>Which exogenous variables to use</a:t>
             </a:r>
-            <a:endParaRPr lang="en-GB" sz="1600" dirty="0">
-              <a:solidFill>
-                <a:schemeClr val="tx1"/>
-              </a:solidFill>
-            </a:endParaRPr>
           </a:p>
         </p:txBody>
       </p:sp>
@@ -14380,24 +14975,6 @@
 </file>
 
 <file path=customXml/item1.xml><?xml version="1.0" encoding="utf-8"?>
-<?mso-contentType ?>
-<FormTemplates xmlns="http://schemas.microsoft.com/sharepoint/v3/contenttype/forms">
-  <Display>DocumentLibraryForm</Display>
-  <Edit>DocumentLibraryForm</Edit>
-  <New>DocumentLibraryForm</New>
-</FormTemplates>
-</file>
-
-<file path=customXml/item2.xml><?xml version="1.0" encoding="utf-8"?>
-<p:properties xmlns:p="http://schemas.microsoft.com/office/2006/metadata/properties" xmlns:xsi="http://www.w3.org/2001/XMLSchema-instance" xmlns:pc="http://schemas.microsoft.com/office/infopath/2007/PartnerControls">
-  <documentManagement>
-    <Status xmlns="71af3243-3dd4-4a8d-8c0d-dd76da1f02a5">Not started</Status>
-    <MediaServiceKeyPoints xmlns="71af3243-3dd4-4a8d-8c0d-dd76da1f02a5" xsi:nil="true"/>
-  </documentManagement>
-</p:properties>
-</file>
-
-<file path=customXml/item3.xml><?xml version="1.0" encoding="utf-8"?>
 <ct:contentTypeSchema xmlns:ct="http://schemas.microsoft.com/office/2006/metadata/contentType" xmlns:ma="http://schemas.microsoft.com/office/2006/metadata/properties/metaAttributes" ct:_="" ma:_="" ma:contentTypeName="Document" ma:contentTypeID="0x01010079F111ED35F8CC479449609E8A0923A6" ma:contentTypeVersion="12" ma:contentTypeDescription="Create a new document." ma:contentTypeScope="" ma:versionID="93813dd7ca6ad654711aa0ab317e03a3">
   <xsd:schema xmlns:xsd="http://www.w3.org/2001/XMLSchema" xmlns:xs="http://www.w3.org/2001/XMLSchema" xmlns:p="http://schemas.microsoft.com/office/2006/metadata/properties" xmlns:ns2="71af3243-3dd4-4a8d-8c0d-dd76da1f02a5" xmlns:ns3="16c05727-aa75-4e4a-9b5f-8a80a1165891" targetNamespace="http://schemas.microsoft.com/office/2006/metadata/properties" ma:root="true" ma:fieldsID="f11dc0ce689dd3925e84e4e35398c6e7" ns2:_="" ns3:_="">
     <xsd:import namespace="71af3243-3dd4-4a8d-8c0d-dd76da1f02a5"/>
@@ -14618,25 +15195,25 @@
 </ct:contentTypeSchema>
 </file>
 
-<file path=customXml/itemProps1.xml><?xml version="1.0" encoding="utf-8"?>
-<ds:datastoreItem xmlns:ds="http://schemas.openxmlformats.org/officeDocument/2006/customXml" ds:itemID="{C28223DC-4748-4F7F-8D8D-E4EA5A6C1882}">
-  <ds:schemaRefs>
-    <ds:schemaRef ds:uri="http://schemas.microsoft.com/sharepoint/v3/contenttype/forms"/>
-  </ds:schemaRefs>
-</ds:datastoreItem>
+<file path=customXml/item2.xml><?xml version="1.0" encoding="utf-8"?>
+<p:properties xmlns:p="http://schemas.microsoft.com/office/2006/metadata/properties" xmlns:xsi="http://www.w3.org/2001/XMLSchema-instance" xmlns:pc="http://schemas.microsoft.com/office/infopath/2007/PartnerControls">
+  <documentManagement>
+    <Status xmlns="71af3243-3dd4-4a8d-8c0d-dd76da1f02a5">Not started</Status>
+    <MediaServiceKeyPoints xmlns="71af3243-3dd4-4a8d-8c0d-dd76da1f02a5" xsi:nil="true"/>
+  </documentManagement>
+</p:properties>
 </file>
 
-<file path=customXml/itemProps2.xml><?xml version="1.0" encoding="utf-8"?>
-<ds:datastoreItem xmlns:ds="http://schemas.openxmlformats.org/officeDocument/2006/customXml" ds:itemID="{1F4D5ADA-BB6C-46F4-9A97-3A3D44A9A8A6}">
-  <ds:schemaRefs>
-    <ds:schemaRef ds:uri="http://schemas.microsoft.com/office/2006/metadata/properties"/>
-    <ds:schemaRef ds:uri="http://schemas.microsoft.com/office/infopath/2007/PartnerControls"/>
-    <ds:schemaRef ds:uri="71af3243-3dd4-4a8d-8c0d-dd76da1f02a5"/>
-  </ds:schemaRefs>
-</ds:datastoreItem>
+<file path=customXml/item3.xml><?xml version="1.0" encoding="utf-8"?>
+<?mso-contentType ?>
+<FormTemplates xmlns="http://schemas.microsoft.com/sharepoint/v3/contenttype/forms">
+  <Display>DocumentLibraryForm</Display>
+  <Edit>DocumentLibraryForm</Edit>
+  <New>DocumentLibraryForm</New>
+</FormTemplates>
 </file>
 
-<file path=customXml/itemProps3.xml><?xml version="1.0" encoding="utf-8"?>
+<file path=customXml/itemProps1.xml><?xml version="1.0" encoding="utf-8"?>
 <ds:datastoreItem xmlns:ds="http://schemas.openxmlformats.org/officeDocument/2006/customXml" ds:itemID="{1612D154-BCA4-47A9-881C-4EFB9658D8AB}">
   <ds:schemaRefs>
     <ds:schemaRef ds:uri="http://schemas.microsoft.com/office/2006/metadata/contentType"/>
@@ -14653,4 +15230,22 @@
     <ds:schemaRef ds:uri="http://schemas.microsoft.com/internal/obd"/>
   </ds:schemaRefs>
 </ds:datastoreItem>
+</file>
+
+<file path=customXml/itemProps2.xml><?xml version="1.0" encoding="utf-8"?>
+<ds:datastoreItem xmlns:ds="http://schemas.openxmlformats.org/officeDocument/2006/customXml" ds:itemID="{1F4D5ADA-BB6C-46F4-9A97-3A3D44A9A8A6}">
+  <ds:schemaRefs>
+    <ds:schemaRef ds:uri="http://schemas.microsoft.com/office/2006/metadata/properties"/>
+    <ds:schemaRef ds:uri="http://schemas.microsoft.com/office/infopath/2007/PartnerControls"/>
+    <ds:schemaRef ds:uri="71af3243-3dd4-4a8d-8c0d-dd76da1f02a5"/>
+  </ds:schemaRefs>
+</ds:datastoreItem>
+</file>
+
+<file path=customXml/itemProps3.xml><?xml version="1.0" encoding="utf-8"?>
+<ds:datastoreItem xmlns:ds="http://schemas.openxmlformats.org/officeDocument/2006/customXml" ds:itemID="{C28223DC-4748-4F7F-8D8D-E4EA5A6C1882}">
+  <ds:schemaRefs>
+    <ds:schemaRef ds:uri="http://schemas.microsoft.com/sharepoint/v3/contenttype/forms"/>
+  </ds:schemaRefs>
+</ds:datastoreItem>
 </file>
--- a/doc/part-a.pptx
+++ b/doc/part-a.pptx
@@ -5,10 +5,10 @@
     <p:sldMasterId id="2147483828" r:id="rId4"/>
   </p:sldMasterIdLst>
   <p:notesMasterIdLst>
-    <p:notesMasterId r:id="rId16"/>
+    <p:notesMasterId r:id="rId19"/>
   </p:notesMasterIdLst>
   <p:handoutMasterIdLst>
-    <p:handoutMasterId r:id="rId17"/>
+    <p:handoutMasterId r:id="rId20"/>
   </p:handoutMasterIdLst>
   <p:sldIdLst>
     <p:sldId id="256" r:id="rId5"/>
@@ -21,7 +21,10 @@
     <p:sldId id="264" r:id="rId12"/>
     <p:sldId id="265" r:id="rId13"/>
     <p:sldId id="267" r:id="rId14"/>
-    <p:sldId id="260" r:id="rId15"/>
+    <p:sldId id="268" r:id="rId15"/>
+    <p:sldId id="269" r:id="rId16"/>
+    <p:sldId id="270" r:id="rId17"/>
+    <p:sldId id="260" r:id="rId18"/>
   </p:sldIdLst>
   <p:sldSz cx="12192000" cy="6858000"/>
   <p:notesSz cx="6858000" cy="9144000"/>
@@ -4117,6 +4120,258 @@
     </p:spTree>
     <p:extLst>
       <p:ext uri="{BB962C8B-B14F-4D97-AF65-F5344CB8AC3E}">
+        <p14:creationId xmlns:p14="http://schemas.microsoft.com/office/powerpoint/2010/main" val="775111656"/>
+      </p:ext>
+    </p:extLst>
+  </p:cSld>
+  <p:clrMapOvr>
+    <a:masterClrMapping/>
+  </p:clrMapOvr>
+</p:notes>
+</file>
+
+<file path=ppt/notesSlides/notesSlide12.xml><?xml version="1.0" encoding="utf-8"?>
+<p:notes xmlns:a="http://schemas.openxmlformats.org/drawingml/2006/main" xmlns:r="http://schemas.openxmlformats.org/officeDocument/2006/relationships" xmlns:p="http://schemas.openxmlformats.org/presentationml/2006/main">
+  <p:cSld>
+    <p:spTree>
+      <p:nvGrpSpPr>
+        <p:cNvPr id="1" name=""/>
+        <p:cNvGrpSpPr/>
+        <p:nvPr/>
+      </p:nvGrpSpPr>
+      <p:grpSpPr>
+        <a:xfrm>
+          <a:off x="0" y="0"/>
+          <a:ext cx="0" cy="0"/>
+          <a:chOff x="0" y="0"/>
+          <a:chExt cx="0" cy="0"/>
+        </a:xfrm>
+      </p:grpSpPr>
+      <p:sp>
+        <p:nvSpPr>
+          <p:cNvPr id="2" name="Slide Image Placeholder 1"/>
+          <p:cNvSpPr>
+            <a:spLocks noGrp="1" noRot="1" noChangeAspect="1"/>
+          </p:cNvSpPr>
+          <p:nvPr>
+            <p:ph type="sldImg"/>
+          </p:nvPr>
+        </p:nvSpPr>
+        <p:spPr/>
+      </p:sp>
+      <p:sp>
+        <p:nvSpPr>
+          <p:cNvPr id="3" name="Notes Placeholder 2"/>
+          <p:cNvSpPr>
+            <a:spLocks noGrp="1"/>
+          </p:cNvSpPr>
+          <p:nvPr>
+            <p:ph type="body" idx="1"/>
+          </p:nvPr>
+        </p:nvSpPr>
+        <p:spPr/>
+        <p:txBody>
+          <a:bodyPr/>
+          <a:lstStyle/>
+          <a:p>
+            <a:endParaRPr lang="en-US" dirty="0"/>
+          </a:p>
+        </p:txBody>
+      </p:sp>
+      <p:sp>
+        <p:nvSpPr>
+          <p:cNvPr id="4" name="Slide Number Placeholder 3"/>
+          <p:cNvSpPr>
+            <a:spLocks noGrp="1"/>
+          </p:cNvSpPr>
+          <p:nvPr>
+            <p:ph type="sldNum" sz="quarter" idx="5"/>
+          </p:nvPr>
+        </p:nvSpPr>
+        <p:spPr/>
+        <p:txBody>
+          <a:bodyPr/>
+          <a:lstStyle/>
+          <a:p>
+            <a:fld id="{CFED664B-377C-4B68-AF4E-EBDA643118DF}" type="slidenum">
+              <a:rPr lang="en-US" smtClean="0"/>
+              <a:t>12</a:t>
+            </a:fld>
+            <a:endParaRPr lang="en-US" dirty="0"/>
+          </a:p>
+        </p:txBody>
+      </p:sp>
+    </p:spTree>
+    <p:extLst>
+      <p:ext uri="{BB962C8B-B14F-4D97-AF65-F5344CB8AC3E}">
+        <p14:creationId xmlns:p14="http://schemas.microsoft.com/office/powerpoint/2010/main" val="421342233"/>
+      </p:ext>
+    </p:extLst>
+  </p:cSld>
+  <p:clrMapOvr>
+    <a:masterClrMapping/>
+  </p:clrMapOvr>
+</p:notes>
+</file>
+
+<file path=ppt/notesSlides/notesSlide13.xml><?xml version="1.0" encoding="utf-8"?>
+<p:notes xmlns:a="http://schemas.openxmlformats.org/drawingml/2006/main" xmlns:r="http://schemas.openxmlformats.org/officeDocument/2006/relationships" xmlns:p="http://schemas.openxmlformats.org/presentationml/2006/main">
+  <p:cSld>
+    <p:spTree>
+      <p:nvGrpSpPr>
+        <p:cNvPr id="1" name=""/>
+        <p:cNvGrpSpPr/>
+        <p:nvPr/>
+      </p:nvGrpSpPr>
+      <p:grpSpPr>
+        <a:xfrm>
+          <a:off x="0" y="0"/>
+          <a:ext cx="0" cy="0"/>
+          <a:chOff x="0" y="0"/>
+          <a:chExt cx="0" cy="0"/>
+        </a:xfrm>
+      </p:grpSpPr>
+      <p:sp>
+        <p:nvSpPr>
+          <p:cNvPr id="2" name="Slide Image Placeholder 1"/>
+          <p:cNvSpPr>
+            <a:spLocks noGrp="1" noRot="1" noChangeAspect="1"/>
+          </p:cNvSpPr>
+          <p:nvPr>
+            <p:ph type="sldImg"/>
+          </p:nvPr>
+        </p:nvSpPr>
+        <p:spPr/>
+      </p:sp>
+      <p:sp>
+        <p:nvSpPr>
+          <p:cNvPr id="3" name="Notes Placeholder 2"/>
+          <p:cNvSpPr>
+            <a:spLocks noGrp="1"/>
+          </p:cNvSpPr>
+          <p:nvPr>
+            <p:ph type="body" idx="1"/>
+          </p:nvPr>
+        </p:nvSpPr>
+        <p:spPr/>
+        <p:txBody>
+          <a:bodyPr/>
+          <a:lstStyle/>
+          <a:p>
+            <a:endParaRPr lang="en-US" dirty="0"/>
+          </a:p>
+        </p:txBody>
+      </p:sp>
+      <p:sp>
+        <p:nvSpPr>
+          <p:cNvPr id="4" name="Slide Number Placeholder 3"/>
+          <p:cNvSpPr>
+            <a:spLocks noGrp="1"/>
+          </p:cNvSpPr>
+          <p:nvPr>
+            <p:ph type="sldNum" sz="quarter" idx="5"/>
+          </p:nvPr>
+        </p:nvSpPr>
+        <p:spPr/>
+        <p:txBody>
+          <a:bodyPr/>
+          <a:lstStyle/>
+          <a:p>
+            <a:fld id="{CFED664B-377C-4B68-AF4E-EBDA643118DF}" type="slidenum">
+              <a:rPr lang="en-US" smtClean="0"/>
+              <a:t>13</a:t>
+            </a:fld>
+            <a:endParaRPr lang="en-US" dirty="0"/>
+          </a:p>
+        </p:txBody>
+      </p:sp>
+    </p:spTree>
+    <p:extLst>
+      <p:ext uri="{BB962C8B-B14F-4D97-AF65-F5344CB8AC3E}">
+        <p14:creationId xmlns:p14="http://schemas.microsoft.com/office/powerpoint/2010/main" val="4014688059"/>
+      </p:ext>
+    </p:extLst>
+  </p:cSld>
+  <p:clrMapOvr>
+    <a:masterClrMapping/>
+  </p:clrMapOvr>
+</p:notes>
+</file>
+
+<file path=ppt/notesSlides/notesSlide14.xml><?xml version="1.0" encoding="utf-8"?>
+<p:notes xmlns:a="http://schemas.openxmlformats.org/drawingml/2006/main" xmlns:r="http://schemas.openxmlformats.org/officeDocument/2006/relationships" xmlns:p="http://schemas.openxmlformats.org/presentationml/2006/main">
+  <p:cSld>
+    <p:spTree>
+      <p:nvGrpSpPr>
+        <p:cNvPr id="1" name=""/>
+        <p:cNvGrpSpPr/>
+        <p:nvPr/>
+      </p:nvGrpSpPr>
+      <p:grpSpPr>
+        <a:xfrm>
+          <a:off x="0" y="0"/>
+          <a:ext cx="0" cy="0"/>
+          <a:chOff x="0" y="0"/>
+          <a:chExt cx="0" cy="0"/>
+        </a:xfrm>
+      </p:grpSpPr>
+      <p:sp>
+        <p:nvSpPr>
+          <p:cNvPr id="2" name="Slide Image Placeholder 1"/>
+          <p:cNvSpPr>
+            <a:spLocks noGrp="1" noRot="1" noChangeAspect="1"/>
+          </p:cNvSpPr>
+          <p:nvPr>
+            <p:ph type="sldImg"/>
+          </p:nvPr>
+        </p:nvSpPr>
+        <p:spPr/>
+      </p:sp>
+      <p:sp>
+        <p:nvSpPr>
+          <p:cNvPr id="3" name="Notes Placeholder 2"/>
+          <p:cNvSpPr>
+            <a:spLocks noGrp="1"/>
+          </p:cNvSpPr>
+          <p:nvPr>
+            <p:ph type="body" idx="1"/>
+          </p:nvPr>
+        </p:nvSpPr>
+        <p:spPr/>
+        <p:txBody>
+          <a:bodyPr/>
+          <a:lstStyle/>
+          <a:p>
+            <a:endParaRPr lang="en-US" dirty="0"/>
+          </a:p>
+        </p:txBody>
+      </p:sp>
+      <p:sp>
+        <p:nvSpPr>
+          <p:cNvPr id="4" name="Slide Number Placeholder 3"/>
+          <p:cNvSpPr>
+            <a:spLocks noGrp="1"/>
+          </p:cNvSpPr>
+          <p:nvPr>
+            <p:ph type="sldNum" sz="quarter" idx="5"/>
+          </p:nvPr>
+        </p:nvSpPr>
+        <p:spPr/>
+        <p:txBody>
+          <a:bodyPr/>
+          <a:lstStyle/>
+          <a:p>
+            <a:fld id="{CFED664B-377C-4B68-AF4E-EBDA643118DF}" type="slidenum">
+              <a:rPr lang="en-US" smtClean="0"/>
+              <a:t>14</a:t>
+            </a:fld>
+            <a:endParaRPr lang="en-US" dirty="0"/>
+          </a:p>
+        </p:txBody>
+      </p:sp>
+    </p:spTree>
+    <p:extLst>
+      <p:ext uri="{BB962C8B-B14F-4D97-AF65-F5344CB8AC3E}">
         <p14:creationId xmlns:p14="http://schemas.microsoft.com/office/powerpoint/2010/main" val="3050018501"/>
       </p:ext>
     </p:extLst>
@@ -8586,6 +8841,1211 @@
 </file>
 
 <file path=ppt/slides/slide11.xml><?xml version="1.0" encoding="utf-8"?>
+<p:sld xmlns:a="http://schemas.openxmlformats.org/drawingml/2006/main" xmlns:r="http://schemas.openxmlformats.org/officeDocument/2006/relationships" xmlns:p="http://schemas.openxmlformats.org/presentationml/2006/main">
+  <p:cSld>
+    <p:bg>
+      <p:bgPr>
+        <a:solidFill>
+          <a:schemeClr val="bg1"/>
+        </a:solidFill>
+        <a:effectLst/>
+      </p:bgPr>
+    </p:bg>
+    <p:spTree>
+      <p:nvGrpSpPr>
+        <p:cNvPr id="1" name=""/>
+        <p:cNvGrpSpPr/>
+        <p:nvPr/>
+      </p:nvGrpSpPr>
+      <p:grpSpPr>
+        <a:xfrm>
+          <a:off x="0" y="0"/>
+          <a:ext cx="0" cy="0"/>
+          <a:chOff x="0" y="0"/>
+          <a:chExt cx="0" cy="0"/>
+        </a:xfrm>
+      </p:grpSpPr>
+      <p:sp useBgFill="1">
+        <p:nvSpPr>
+          <p:cNvPr id="18" name="Rectangle 17">
+            <a:extLst>
+              <a:ext uri="{FF2B5EF4-FFF2-40B4-BE49-F238E27FC236}">
+                <a16:creationId xmlns:a16="http://schemas.microsoft.com/office/drawing/2014/main" id="{0AF33C27-9C85-4B30-9AD7-879D48AFE4FF}"/>
+              </a:ext>
+              <a:ext uri="{C183D7F6-B498-43B3-948B-1728B52AA6E4}">
+                <adec:decorative xmlns:adec="http://schemas.microsoft.com/office/drawing/2017/decorative" val="1"/>
+              </a:ext>
+            </a:extLst>
+          </p:cNvPr>
+          <p:cNvSpPr>
+            <a:spLocks noGrp="1" noRot="1" noChangeAspect="1" noMove="1" noResize="1" noEditPoints="1" noAdjustHandles="1" noChangeArrowheads="1" noChangeShapeType="1" noTextEdit="1"/>
+          </p:cNvSpPr>
+          <p:nvPr>
+            <p:extLst>
+              <p:ext uri="{386F3935-93C4-4BCD-93E2-E3B085C9AB24}">
+                <p16:designElem xmlns:p16="http://schemas.microsoft.com/office/powerpoint/2015/main" val="1"/>
+              </p:ext>
+            </p:extLst>
+          </p:nvPr>
+        </p:nvSpPr>
+        <p:spPr>
+          <a:xfrm>
+            <a:off x="0" y="0"/>
+            <a:ext cx="12191999" cy="6858000"/>
+          </a:xfrm>
+          <a:prstGeom prst="rect">
+            <a:avLst/>
+          </a:prstGeom>
+          <a:ln>
+            <a:noFill/>
+          </a:ln>
+        </p:spPr>
+        <p:style>
+          <a:lnRef idx="2">
+            <a:schemeClr val="accent1">
+              <a:shade val="50000"/>
+            </a:schemeClr>
+          </a:lnRef>
+          <a:fillRef idx="1">
+            <a:schemeClr val="accent1"/>
+          </a:fillRef>
+          <a:effectRef idx="0">
+            <a:schemeClr val="accent1"/>
+          </a:effectRef>
+          <a:fontRef idx="minor">
+            <a:schemeClr val="lt1"/>
+          </a:fontRef>
+        </p:style>
+        <p:txBody>
+          <a:bodyPr rtlCol="0" anchor="ctr"/>
+          <a:lstStyle/>
+          <a:p>
+            <a:pPr algn="ctr"/>
+            <a:endParaRPr lang="en-US" dirty="0"/>
+          </a:p>
+        </p:txBody>
+      </p:sp>
+      <p:sp>
+        <p:nvSpPr>
+          <p:cNvPr id="20" name="Rectangle 19">
+            <a:extLst>
+              <a:ext uri="{FF2B5EF4-FFF2-40B4-BE49-F238E27FC236}">
+                <a16:creationId xmlns:a16="http://schemas.microsoft.com/office/drawing/2014/main" id="{6D5089DD-882D-4413-B8BF-4798BFD84A98}"/>
+              </a:ext>
+              <a:ext uri="{C183D7F6-B498-43B3-948B-1728B52AA6E4}">
+                <adec:decorative xmlns:adec="http://schemas.microsoft.com/office/drawing/2017/decorative" val="1"/>
+              </a:ext>
+            </a:extLst>
+          </p:cNvPr>
+          <p:cNvSpPr>
+            <a:spLocks noGrp="1" noRot="1" noChangeAspect="1" noMove="1" noResize="1" noEditPoints="1" noAdjustHandles="1" noChangeArrowheads="1" noChangeShapeType="1" noTextEdit="1"/>
+          </p:cNvSpPr>
+          <p:nvPr>
+            <p:extLst>
+              <p:ext uri="{386F3935-93C4-4BCD-93E2-E3B085C9AB24}">
+                <p16:designElem xmlns:p16="http://schemas.microsoft.com/office/powerpoint/2015/main" val="1"/>
+              </p:ext>
+            </p:extLst>
+          </p:nvPr>
+        </p:nvSpPr>
+        <p:spPr>
+          <a:xfrm>
+            <a:off x="7537704" y="0"/>
+            <a:ext cx="4654296" cy="6858000"/>
+          </a:xfrm>
+          <a:prstGeom prst="rect">
+            <a:avLst/>
+          </a:prstGeom>
+          <a:solidFill>
+            <a:schemeClr val="tx1">
+              <a:lumMod val="95000"/>
+              <a:lumOff val="5000"/>
+            </a:schemeClr>
+          </a:solidFill>
+          <a:ln>
+            <a:noFill/>
+          </a:ln>
+        </p:spPr>
+        <p:style>
+          <a:lnRef idx="2">
+            <a:schemeClr val="accent1">
+              <a:shade val="50000"/>
+            </a:schemeClr>
+          </a:lnRef>
+          <a:fillRef idx="1">
+            <a:schemeClr val="accent1"/>
+          </a:fillRef>
+          <a:effectRef idx="0">
+            <a:schemeClr val="accent1"/>
+          </a:effectRef>
+          <a:fontRef idx="minor">
+            <a:schemeClr val="lt1"/>
+          </a:fontRef>
+        </p:style>
+        <p:txBody>
+          <a:bodyPr rtlCol="0" anchor="ctr"/>
+          <a:lstStyle/>
+          <a:p>
+            <a:pPr algn="ctr"/>
+            <a:endParaRPr lang="en-US" dirty="0"/>
+          </a:p>
+        </p:txBody>
+      </p:sp>
+      <p:sp>
+        <p:nvSpPr>
+          <p:cNvPr id="2" name="Title 1">
+            <a:extLst>
+              <a:ext uri="{FF2B5EF4-FFF2-40B4-BE49-F238E27FC236}">
+                <a16:creationId xmlns:a16="http://schemas.microsoft.com/office/drawing/2014/main" id="{8EB78894-19E5-4916-B37E-B4A80B9B8D52}"/>
+              </a:ext>
+            </a:extLst>
+          </p:cNvPr>
+          <p:cNvSpPr>
+            <a:spLocks noGrp="1"/>
+          </p:cNvSpPr>
+          <p:nvPr>
+            <p:ph type="title"/>
+          </p:nvPr>
+        </p:nvSpPr>
+        <p:spPr>
+          <a:xfrm>
+            <a:off x="8112697" y="370076"/>
+            <a:ext cx="3504310" cy="1495794"/>
+          </a:xfrm>
+          <a:noFill/>
+          <a:ln>
+            <a:solidFill>
+              <a:srgbClr val="FFFFFF"/>
+            </a:solidFill>
+          </a:ln>
+          <a:effectLst>
+            <a:glow rad="152400">
+              <a:schemeClr val="bg1">
+                <a:alpha val="13000"/>
+              </a:schemeClr>
+            </a:glow>
+          </a:effectLst>
+        </p:spPr>
+        <p:txBody>
+          <a:bodyPr wrap="square">
+            <a:noAutofit/>
+          </a:bodyPr>
+          <a:lstStyle/>
+          <a:p>
+            <a:r>
+              <a:rPr lang="en-US" sz="2400" dirty="0">
+                <a:solidFill>
+                  <a:srgbClr val="FFFFFF"/>
+                </a:solidFill>
+              </a:rPr>
+              <a:t>Hyper-Parameter Tuning</a:t>
+            </a:r>
+            <a:br>
+              <a:rPr lang="en-US" sz="2400" dirty="0">
+                <a:solidFill>
+                  <a:srgbClr val="FFFFFF"/>
+                </a:solidFill>
+              </a:rPr>
+            </a:br>
+            <a:r>
+              <a:rPr lang="en-US" sz="2400" dirty="0">
+                <a:solidFill>
+                  <a:srgbClr val="FFFFFF"/>
+                </a:solidFill>
+              </a:rPr>
+              <a:t>(Exp. Smoothing)</a:t>
+            </a:r>
+          </a:p>
+        </p:txBody>
+      </p:sp>
+      <p:sp>
+        <p:nvSpPr>
+          <p:cNvPr id="4" name="Content Placeholder 3">
+            <a:extLst>
+              <a:ext uri="{FF2B5EF4-FFF2-40B4-BE49-F238E27FC236}">
+                <a16:creationId xmlns:a16="http://schemas.microsoft.com/office/drawing/2014/main" id="{B9E66009-32AF-427B-B506-CFFBEB51AFFE}"/>
+              </a:ext>
+            </a:extLst>
+          </p:cNvPr>
+          <p:cNvSpPr>
+            <a:spLocks noGrp="1"/>
+          </p:cNvSpPr>
+          <p:nvPr>
+            <p:ph idx="1"/>
+          </p:nvPr>
+        </p:nvSpPr>
+        <p:spPr>
+          <a:xfrm>
+            <a:off x="8112697" y="2235947"/>
+            <a:ext cx="3504310" cy="4251978"/>
+          </a:xfrm>
+        </p:spPr>
+        <p:txBody>
+          <a:bodyPr>
+            <a:normAutofit/>
+          </a:bodyPr>
+          <a:lstStyle/>
+          <a:p>
+            <a:r>
+              <a:rPr lang="en-SG" dirty="0">
+                <a:solidFill>
+                  <a:schemeClr val="bg1"/>
+                </a:solidFill>
+              </a:rPr>
+              <a:t>I also tested using the </a:t>
+            </a:r>
+            <a:r>
+              <a:rPr lang="en-SG" dirty="0" err="1">
+                <a:solidFill>
+                  <a:schemeClr val="bg1"/>
+                </a:solidFill>
+              </a:rPr>
+              <a:t>ExponentialSmoothing</a:t>
+            </a:r>
+            <a:r>
+              <a:rPr lang="en-SG" dirty="0">
+                <a:solidFill>
+                  <a:schemeClr val="bg1"/>
+                </a:solidFill>
+              </a:rPr>
+              <a:t> model to model the data</a:t>
+            </a:r>
+            <a:endParaRPr lang="en-GB" dirty="0">
+              <a:solidFill>
+                <a:schemeClr val="bg1"/>
+              </a:solidFill>
+            </a:endParaRPr>
+          </a:p>
+        </p:txBody>
+      </p:sp>
+    </p:spTree>
+    <p:extLst>
+      <p:ext uri="{BB962C8B-B14F-4D97-AF65-F5344CB8AC3E}">
+        <p14:creationId xmlns:p14="http://schemas.microsoft.com/office/powerpoint/2010/main" val="967430470"/>
+      </p:ext>
+    </p:extLst>
+  </p:cSld>
+  <p:clrMapOvr>
+    <a:masterClrMapping/>
+  </p:clrMapOvr>
+</p:sld>
+</file>
+
+<file path=ppt/slides/slide12.xml><?xml version="1.0" encoding="utf-8"?>
+<p:sld xmlns:a="http://schemas.openxmlformats.org/drawingml/2006/main" xmlns:r="http://schemas.openxmlformats.org/officeDocument/2006/relationships" xmlns:p="http://schemas.openxmlformats.org/presentationml/2006/main">
+  <p:cSld>
+    <p:bg>
+      <p:bgPr>
+        <a:solidFill>
+          <a:schemeClr val="bg1"/>
+        </a:solidFill>
+        <a:effectLst/>
+      </p:bgPr>
+    </p:bg>
+    <p:spTree>
+      <p:nvGrpSpPr>
+        <p:cNvPr id="1" name=""/>
+        <p:cNvGrpSpPr/>
+        <p:nvPr/>
+      </p:nvGrpSpPr>
+      <p:grpSpPr>
+        <a:xfrm>
+          <a:off x="0" y="0"/>
+          <a:ext cx="0" cy="0"/>
+          <a:chOff x="0" y="0"/>
+          <a:chExt cx="0" cy="0"/>
+        </a:xfrm>
+      </p:grpSpPr>
+      <p:sp useBgFill="1">
+        <p:nvSpPr>
+          <p:cNvPr id="18" name="Rectangle 17">
+            <a:extLst>
+              <a:ext uri="{FF2B5EF4-FFF2-40B4-BE49-F238E27FC236}">
+                <a16:creationId xmlns:a16="http://schemas.microsoft.com/office/drawing/2014/main" id="{93F0ADB5-A0B4-4B01-A8C4-FDC34CE22BD4}"/>
+              </a:ext>
+              <a:ext uri="{C183D7F6-B498-43B3-948B-1728B52AA6E4}">
+                <adec:decorative xmlns:adec="http://schemas.microsoft.com/office/drawing/2017/decorative" val="1"/>
+              </a:ext>
+            </a:extLst>
+          </p:cNvPr>
+          <p:cNvSpPr>
+            <a:spLocks noGrp="1" noRot="1" noChangeAspect="1" noMove="1" noResize="1" noEditPoints="1" noAdjustHandles="1" noChangeArrowheads="1" noChangeShapeType="1" noTextEdit="1"/>
+          </p:cNvSpPr>
+          <p:nvPr>
+            <p:extLst>
+              <p:ext uri="{386F3935-93C4-4BCD-93E2-E3B085C9AB24}">
+                <p16:designElem xmlns:p16="http://schemas.microsoft.com/office/powerpoint/2015/main" val="1"/>
+              </p:ext>
+            </p:extLst>
+          </p:nvPr>
+        </p:nvSpPr>
+        <p:spPr>
+          <a:xfrm>
+            <a:off x="0" y="0"/>
+            <a:ext cx="12191999" cy="6858000"/>
+          </a:xfrm>
+          <a:prstGeom prst="rect">
+            <a:avLst/>
+          </a:prstGeom>
+          <a:ln>
+            <a:noFill/>
+          </a:ln>
+        </p:spPr>
+        <p:style>
+          <a:lnRef idx="2">
+            <a:schemeClr val="accent1">
+              <a:shade val="50000"/>
+            </a:schemeClr>
+          </a:lnRef>
+          <a:fillRef idx="1">
+            <a:schemeClr val="accent1"/>
+          </a:fillRef>
+          <a:effectRef idx="0">
+            <a:schemeClr val="accent1"/>
+          </a:effectRef>
+          <a:fontRef idx="minor">
+            <a:schemeClr val="lt1"/>
+          </a:fontRef>
+        </p:style>
+        <p:txBody>
+          <a:bodyPr rtlCol="0" anchor="ctr"/>
+          <a:lstStyle/>
+          <a:p>
+            <a:pPr algn="ctr"/>
+            <a:endParaRPr lang="en-US" dirty="0"/>
+          </a:p>
+        </p:txBody>
+      </p:sp>
+      <p:sp>
+        <p:nvSpPr>
+          <p:cNvPr id="20" name="Rectangle 19">
+            <a:extLst>
+              <a:ext uri="{FF2B5EF4-FFF2-40B4-BE49-F238E27FC236}">
+                <a16:creationId xmlns:a16="http://schemas.microsoft.com/office/drawing/2014/main" id="{AA6D0FDE-0241-4C21-A720-A69475358235}"/>
+              </a:ext>
+              <a:ext uri="{C183D7F6-B498-43B3-948B-1728B52AA6E4}">
+                <adec:decorative xmlns:adec="http://schemas.microsoft.com/office/drawing/2017/decorative" val="1"/>
+              </a:ext>
+            </a:extLst>
+          </p:cNvPr>
+          <p:cNvSpPr>
+            <a:spLocks noGrp="1" noRot="1" noChangeAspect="1" noMove="1" noResize="1" noEditPoints="1" noAdjustHandles="1" noChangeArrowheads="1" noChangeShapeType="1" noTextEdit="1"/>
+          </p:cNvSpPr>
+          <p:nvPr>
+            <p:extLst>
+              <p:ext uri="{386F3935-93C4-4BCD-93E2-E3B085C9AB24}">
+                <p16:designElem xmlns:p16="http://schemas.microsoft.com/office/powerpoint/2015/main" val="1"/>
+              </p:ext>
+            </p:extLst>
+          </p:nvPr>
+        </p:nvSpPr>
+        <p:spPr>
+          <a:xfrm>
+            <a:off x="0" y="0"/>
+            <a:ext cx="4654296" cy="6858000"/>
+          </a:xfrm>
+          <a:prstGeom prst="rect">
+            <a:avLst/>
+          </a:prstGeom>
+          <a:solidFill>
+            <a:schemeClr val="tx1">
+              <a:lumMod val="95000"/>
+              <a:lumOff val="5000"/>
+            </a:schemeClr>
+          </a:solidFill>
+          <a:ln>
+            <a:noFill/>
+          </a:ln>
+        </p:spPr>
+        <p:style>
+          <a:lnRef idx="0">
+            <a:scrgbClr r="0" g="0" b="0"/>
+          </a:lnRef>
+          <a:fillRef idx="0">
+            <a:scrgbClr r="0" g="0" b="0"/>
+          </a:fillRef>
+          <a:effectRef idx="0">
+            <a:scrgbClr r="0" g="0" b="0"/>
+          </a:effectRef>
+          <a:fontRef idx="minor">
+            <a:schemeClr val="lt1"/>
+          </a:fontRef>
+        </p:style>
+        <p:txBody>
+          <a:bodyPr rtlCol="0" anchor="ctr"/>
+          <a:lstStyle/>
+          <a:p>
+            <a:pPr algn="ctr"/>
+            <a:endParaRPr lang="en-US" dirty="0"/>
+          </a:p>
+        </p:txBody>
+      </p:sp>
+      <p:sp>
+        <p:nvSpPr>
+          <p:cNvPr id="2" name="Title 1">
+            <a:extLst>
+              <a:ext uri="{FF2B5EF4-FFF2-40B4-BE49-F238E27FC236}">
+                <a16:creationId xmlns:a16="http://schemas.microsoft.com/office/drawing/2014/main" id="{15115107-5DA3-4397-A1DA-67705DAE1EC2}"/>
+              </a:ext>
+            </a:extLst>
+          </p:cNvPr>
+          <p:cNvSpPr>
+            <a:spLocks noGrp="1"/>
+          </p:cNvSpPr>
+          <p:nvPr>
+            <p:ph type="title"/>
+          </p:nvPr>
+        </p:nvSpPr>
+        <p:spPr>
+          <a:xfrm>
+            <a:off x="473711" y="377948"/>
+            <a:ext cx="3745864" cy="1690884"/>
+          </a:xfrm>
+          <a:noFill/>
+          <a:ln w="31750" cap="sq">
+            <a:solidFill>
+              <a:srgbClr val="FFFFFF"/>
+            </a:solidFill>
+            <a:miter lim="800000"/>
+          </a:ln>
+          <a:effectLst>
+            <a:glow rad="152400">
+              <a:schemeClr val="bg1">
+                <a:alpha val="13000"/>
+              </a:schemeClr>
+            </a:glow>
+          </a:effectLst>
+        </p:spPr>
+        <p:txBody>
+          <a:bodyPr vert="horz" wrap="square" lIns="182880" tIns="182880" rIns="182880" bIns="182880" rtlCol="0" anchor="ctr">
+            <a:normAutofit/>
+          </a:bodyPr>
+          <a:lstStyle/>
+          <a:p>
+            <a:r>
+              <a:rPr lang="en-US" sz="2000" dirty="0">
+                <a:solidFill>
+                  <a:srgbClr val="FFFFFF"/>
+                </a:solidFill>
+              </a:rPr>
+              <a:t>Evaluating In-Sample Predictions</a:t>
+            </a:r>
+          </a:p>
+        </p:txBody>
+      </p:sp>
+      <p:sp>
+        <p:nvSpPr>
+          <p:cNvPr id="11" name="Content Placeholder 3">
+            <a:extLst>
+              <a:ext uri="{FF2B5EF4-FFF2-40B4-BE49-F238E27FC236}">
+                <a16:creationId xmlns:a16="http://schemas.microsoft.com/office/drawing/2014/main" id="{043A6377-C753-49FB-8F35-17EBFCC706D6}"/>
+              </a:ext>
+            </a:extLst>
+          </p:cNvPr>
+          <p:cNvSpPr txBox="1">
+            <a:spLocks/>
+          </p:cNvSpPr>
+          <p:nvPr/>
+        </p:nvSpPr>
+        <p:spPr>
+          <a:xfrm>
+            <a:off x="473710" y="2306426"/>
+            <a:ext cx="3745863" cy="4303924"/>
+          </a:xfrm>
+          <a:prstGeom prst="rect">
+            <a:avLst/>
+          </a:prstGeom>
+        </p:spPr>
+        <p:txBody>
+          <a:bodyPr vert="horz" lIns="91440" tIns="45720" rIns="91440" bIns="45720" rtlCol="0">
+            <a:normAutofit/>
+          </a:bodyPr>
+          <a:lstStyle>
+            <a:lvl1pPr marL="228600" indent="-228600" algn="l" defTabSz="914400" rtl="0" eaLnBrk="1" latinLnBrk="0" hangingPunct="1">
+              <a:lnSpc>
+                <a:spcPct val="100000"/>
+              </a:lnSpc>
+              <a:spcBef>
+                <a:spcPts val="1000"/>
+              </a:spcBef>
+              <a:buClr>
+                <a:schemeClr val="accent2"/>
+              </a:buClr>
+              <a:buFont typeface="Arial" panose="020B0604020202020204" pitchFamily="34" charset="0"/>
+              <a:buChar char="•"/>
+              <a:defRPr sz="1800" kern="1200">
+                <a:solidFill>
+                  <a:schemeClr val="tx1">
+                    <a:lumMod val="85000"/>
+                    <a:lumOff val="15000"/>
+                  </a:schemeClr>
+                </a:solidFill>
+                <a:latin typeface="+mn-lt"/>
+                <a:ea typeface="+mn-ea"/>
+                <a:cs typeface="+mn-cs"/>
+              </a:defRPr>
+            </a:lvl1pPr>
+            <a:lvl2pPr marL="457200" indent="-228600" algn="l" defTabSz="914400" rtl="0" eaLnBrk="1" latinLnBrk="0" hangingPunct="1">
+              <a:lnSpc>
+                <a:spcPct val="100000"/>
+              </a:lnSpc>
+              <a:spcBef>
+                <a:spcPts val="1000"/>
+              </a:spcBef>
+              <a:buClr>
+                <a:schemeClr val="accent2"/>
+              </a:buClr>
+              <a:buFont typeface="Arial" panose="020B0604020202020204" pitchFamily="34" charset="0"/>
+              <a:buChar char="•"/>
+              <a:defRPr sz="1600" kern="1200">
+                <a:solidFill>
+                  <a:schemeClr val="tx1">
+                    <a:lumMod val="85000"/>
+                    <a:lumOff val="15000"/>
+                  </a:schemeClr>
+                </a:solidFill>
+                <a:latin typeface="+mn-lt"/>
+                <a:ea typeface="+mn-ea"/>
+                <a:cs typeface="+mn-cs"/>
+              </a:defRPr>
+            </a:lvl2pPr>
+            <a:lvl3pPr marL="685800" indent="-228600" algn="l" defTabSz="914400" rtl="0" eaLnBrk="1" latinLnBrk="0" hangingPunct="1">
+              <a:lnSpc>
+                <a:spcPct val="100000"/>
+              </a:lnSpc>
+              <a:spcBef>
+                <a:spcPts val="1000"/>
+              </a:spcBef>
+              <a:buClr>
+                <a:schemeClr val="accent2"/>
+              </a:buClr>
+              <a:buFont typeface="Arial" panose="020B0604020202020204" pitchFamily="34" charset="0"/>
+              <a:buChar char="•"/>
+              <a:defRPr sz="1600" kern="1200">
+                <a:solidFill>
+                  <a:schemeClr val="tx1">
+                    <a:lumMod val="85000"/>
+                    <a:lumOff val="15000"/>
+                  </a:schemeClr>
+                </a:solidFill>
+                <a:latin typeface="+mn-lt"/>
+                <a:ea typeface="+mn-ea"/>
+                <a:cs typeface="+mn-cs"/>
+              </a:defRPr>
+            </a:lvl3pPr>
+            <a:lvl4pPr marL="914400" indent="-228600" algn="l" defTabSz="914400" rtl="0" eaLnBrk="1" latinLnBrk="0" hangingPunct="1">
+              <a:lnSpc>
+                <a:spcPct val="100000"/>
+              </a:lnSpc>
+              <a:spcBef>
+                <a:spcPts val="1000"/>
+              </a:spcBef>
+              <a:buClr>
+                <a:schemeClr val="accent2"/>
+              </a:buClr>
+              <a:buFont typeface="Arial" panose="020B0604020202020204" pitchFamily="34" charset="0"/>
+              <a:buChar char="•"/>
+              <a:defRPr sz="1600" kern="1200">
+                <a:solidFill>
+                  <a:schemeClr val="tx1">
+                    <a:lumMod val="85000"/>
+                    <a:lumOff val="15000"/>
+                  </a:schemeClr>
+                </a:solidFill>
+                <a:latin typeface="+mn-lt"/>
+                <a:ea typeface="+mn-ea"/>
+                <a:cs typeface="+mn-cs"/>
+              </a:defRPr>
+            </a:lvl4pPr>
+            <a:lvl5pPr marL="1143000" indent="-228600" algn="l" defTabSz="914400" rtl="0" eaLnBrk="1" latinLnBrk="0" hangingPunct="1">
+              <a:lnSpc>
+                <a:spcPct val="100000"/>
+              </a:lnSpc>
+              <a:spcBef>
+                <a:spcPts val="1000"/>
+              </a:spcBef>
+              <a:buClr>
+                <a:schemeClr val="accent2"/>
+              </a:buClr>
+              <a:buFont typeface="Arial" panose="020B0604020202020204" pitchFamily="34" charset="0"/>
+              <a:buChar char="•"/>
+              <a:defRPr sz="1600" kern="1200">
+                <a:solidFill>
+                  <a:schemeClr val="tx1">
+                    <a:lumMod val="85000"/>
+                    <a:lumOff val="15000"/>
+                  </a:schemeClr>
+                </a:solidFill>
+                <a:latin typeface="+mn-lt"/>
+                <a:ea typeface="+mn-ea"/>
+                <a:cs typeface="+mn-cs"/>
+              </a:defRPr>
+            </a:lvl5pPr>
+            <a:lvl6pPr marL="1312863" indent="-228600" algn="l" defTabSz="914400" rtl="0" eaLnBrk="1" latinLnBrk="0" hangingPunct="1">
+              <a:lnSpc>
+                <a:spcPct val="100000"/>
+              </a:lnSpc>
+              <a:spcBef>
+                <a:spcPts val="1000"/>
+              </a:spcBef>
+              <a:buClr>
+                <a:schemeClr val="accent2"/>
+              </a:buClr>
+              <a:buFont typeface="Arial" panose="020B0604020202020204" pitchFamily="34" charset="0"/>
+              <a:buChar char="•"/>
+              <a:defRPr sz="1600" kern="1200">
+                <a:solidFill>
+                  <a:schemeClr val="tx1"/>
+                </a:solidFill>
+                <a:latin typeface="+mn-lt"/>
+                <a:ea typeface="+mn-ea"/>
+                <a:cs typeface="+mn-cs"/>
+              </a:defRPr>
+            </a:lvl6pPr>
+            <a:lvl7pPr marL="1484313" indent="-228600" algn="l" defTabSz="914400" rtl="0" eaLnBrk="1" latinLnBrk="0" hangingPunct="1">
+              <a:lnSpc>
+                <a:spcPct val="100000"/>
+              </a:lnSpc>
+              <a:spcBef>
+                <a:spcPts val="1000"/>
+              </a:spcBef>
+              <a:buClr>
+                <a:schemeClr val="accent2"/>
+              </a:buClr>
+              <a:buFont typeface="Arial" panose="020B0604020202020204" pitchFamily="34" charset="0"/>
+              <a:buChar char="•"/>
+              <a:defRPr sz="1600" kern="1200">
+                <a:solidFill>
+                  <a:schemeClr val="tx1"/>
+                </a:solidFill>
+                <a:latin typeface="+mn-lt"/>
+                <a:ea typeface="+mn-ea"/>
+                <a:cs typeface="+mn-cs"/>
+              </a:defRPr>
+            </a:lvl7pPr>
+            <a:lvl8pPr marL="1657350" indent="-228600" algn="l" defTabSz="914400" rtl="0" eaLnBrk="1" latinLnBrk="0" hangingPunct="1">
+              <a:lnSpc>
+                <a:spcPct val="100000"/>
+              </a:lnSpc>
+              <a:spcBef>
+                <a:spcPts val="1000"/>
+              </a:spcBef>
+              <a:buClr>
+                <a:schemeClr val="accent2"/>
+              </a:buClr>
+              <a:buFont typeface="Arial" panose="020B0604020202020204" pitchFamily="34" charset="0"/>
+              <a:buChar char="•"/>
+              <a:defRPr sz="1600" kern="1200" baseline="0">
+                <a:solidFill>
+                  <a:schemeClr val="tx1"/>
+                </a:solidFill>
+                <a:latin typeface="+mn-lt"/>
+                <a:ea typeface="+mn-ea"/>
+                <a:cs typeface="+mn-cs"/>
+              </a:defRPr>
+            </a:lvl8pPr>
+            <a:lvl9pPr marL="1882775" indent="-228600" algn="l" defTabSz="914400" rtl="0" eaLnBrk="1" latinLnBrk="0" hangingPunct="1">
+              <a:lnSpc>
+                <a:spcPct val="100000"/>
+              </a:lnSpc>
+              <a:spcBef>
+                <a:spcPts val="1000"/>
+              </a:spcBef>
+              <a:buClr>
+                <a:schemeClr val="accent2"/>
+              </a:buClr>
+              <a:buFont typeface="Arial" panose="020B0604020202020204" pitchFamily="34" charset="0"/>
+              <a:buChar char="•"/>
+              <a:defRPr sz="1600" kern="1200" baseline="0">
+                <a:solidFill>
+                  <a:schemeClr val="tx1"/>
+                </a:solidFill>
+                <a:latin typeface="+mn-lt"/>
+                <a:ea typeface="+mn-ea"/>
+                <a:cs typeface="+mn-cs"/>
+              </a:defRPr>
+            </a:lvl9pPr>
+          </a:lstStyle>
+          <a:p>
+            <a:endParaRPr lang="en-SG" dirty="0">
+              <a:solidFill>
+                <a:schemeClr val="bg1"/>
+              </a:solidFill>
+            </a:endParaRPr>
+          </a:p>
+        </p:txBody>
+      </p:sp>
+    </p:spTree>
+    <p:extLst>
+      <p:ext uri="{BB962C8B-B14F-4D97-AF65-F5344CB8AC3E}">
+        <p14:creationId xmlns:p14="http://schemas.microsoft.com/office/powerpoint/2010/main" val="4079912809"/>
+      </p:ext>
+    </p:extLst>
+  </p:cSld>
+  <p:clrMapOvr>
+    <a:masterClrMapping/>
+  </p:clrMapOvr>
+</p:sld>
+</file>
+
+<file path=ppt/slides/slide13.xml><?xml version="1.0" encoding="utf-8"?>
+<p:sld xmlns:a="http://schemas.openxmlformats.org/drawingml/2006/main" xmlns:r="http://schemas.openxmlformats.org/officeDocument/2006/relationships" xmlns:p="http://schemas.openxmlformats.org/presentationml/2006/main">
+  <p:cSld>
+    <p:bg>
+      <p:bgPr>
+        <a:solidFill>
+          <a:schemeClr val="bg1"/>
+        </a:solidFill>
+        <a:effectLst/>
+      </p:bgPr>
+    </p:bg>
+    <p:spTree>
+      <p:nvGrpSpPr>
+        <p:cNvPr id="1" name=""/>
+        <p:cNvGrpSpPr/>
+        <p:nvPr/>
+      </p:nvGrpSpPr>
+      <p:grpSpPr>
+        <a:xfrm>
+          <a:off x="0" y="0"/>
+          <a:ext cx="0" cy="0"/>
+          <a:chOff x="0" y="0"/>
+          <a:chExt cx="0" cy="0"/>
+        </a:xfrm>
+      </p:grpSpPr>
+      <p:sp useBgFill="1">
+        <p:nvSpPr>
+          <p:cNvPr id="18" name="Rectangle 17">
+            <a:extLst>
+              <a:ext uri="{FF2B5EF4-FFF2-40B4-BE49-F238E27FC236}">
+                <a16:creationId xmlns:a16="http://schemas.microsoft.com/office/drawing/2014/main" id="{93F0ADB5-A0B4-4B01-A8C4-FDC34CE22BD4}"/>
+              </a:ext>
+              <a:ext uri="{C183D7F6-B498-43B3-948B-1728B52AA6E4}">
+                <adec:decorative xmlns:adec="http://schemas.microsoft.com/office/drawing/2017/decorative" val="1"/>
+              </a:ext>
+            </a:extLst>
+          </p:cNvPr>
+          <p:cNvSpPr>
+            <a:spLocks noGrp="1" noRot="1" noChangeAspect="1" noMove="1" noResize="1" noEditPoints="1" noAdjustHandles="1" noChangeArrowheads="1" noChangeShapeType="1" noTextEdit="1"/>
+          </p:cNvSpPr>
+          <p:nvPr>
+            <p:extLst>
+              <p:ext uri="{386F3935-93C4-4BCD-93E2-E3B085C9AB24}">
+                <p16:designElem xmlns:p16="http://schemas.microsoft.com/office/powerpoint/2015/main" val="1"/>
+              </p:ext>
+            </p:extLst>
+          </p:nvPr>
+        </p:nvSpPr>
+        <p:spPr>
+          <a:xfrm>
+            <a:off x="0" y="0"/>
+            <a:ext cx="12191999" cy="6858000"/>
+          </a:xfrm>
+          <a:prstGeom prst="rect">
+            <a:avLst/>
+          </a:prstGeom>
+          <a:ln>
+            <a:noFill/>
+          </a:ln>
+        </p:spPr>
+        <p:style>
+          <a:lnRef idx="2">
+            <a:schemeClr val="accent1">
+              <a:shade val="50000"/>
+            </a:schemeClr>
+          </a:lnRef>
+          <a:fillRef idx="1">
+            <a:schemeClr val="accent1"/>
+          </a:fillRef>
+          <a:effectRef idx="0">
+            <a:schemeClr val="accent1"/>
+          </a:effectRef>
+          <a:fontRef idx="minor">
+            <a:schemeClr val="lt1"/>
+          </a:fontRef>
+        </p:style>
+        <p:txBody>
+          <a:bodyPr rtlCol="0" anchor="ctr"/>
+          <a:lstStyle/>
+          <a:p>
+            <a:pPr algn="ctr"/>
+            <a:endParaRPr lang="en-US" dirty="0"/>
+          </a:p>
+        </p:txBody>
+      </p:sp>
+      <p:sp>
+        <p:nvSpPr>
+          <p:cNvPr id="20" name="Rectangle 19">
+            <a:extLst>
+              <a:ext uri="{FF2B5EF4-FFF2-40B4-BE49-F238E27FC236}">
+                <a16:creationId xmlns:a16="http://schemas.microsoft.com/office/drawing/2014/main" id="{AA6D0FDE-0241-4C21-A720-A69475358235}"/>
+              </a:ext>
+              <a:ext uri="{C183D7F6-B498-43B3-948B-1728B52AA6E4}">
+                <adec:decorative xmlns:adec="http://schemas.microsoft.com/office/drawing/2017/decorative" val="1"/>
+              </a:ext>
+            </a:extLst>
+          </p:cNvPr>
+          <p:cNvSpPr>
+            <a:spLocks noGrp="1" noRot="1" noChangeAspect="1" noMove="1" noResize="1" noEditPoints="1" noAdjustHandles="1" noChangeArrowheads="1" noChangeShapeType="1" noTextEdit="1"/>
+          </p:cNvSpPr>
+          <p:nvPr>
+            <p:extLst>
+              <p:ext uri="{386F3935-93C4-4BCD-93E2-E3B085C9AB24}">
+                <p16:designElem xmlns:p16="http://schemas.microsoft.com/office/powerpoint/2015/main" val="1"/>
+              </p:ext>
+            </p:extLst>
+          </p:nvPr>
+        </p:nvSpPr>
+        <p:spPr>
+          <a:xfrm>
+            <a:off x="0" y="0"/>
+            <a:ext cx="4654296" cy="6858000"/>
+          </a:xfrm>
+          <a:prstGeom prst="rect">
+            <a:avLst/>
+          </a:prstGeom>
+          <a:solidFill>
+            <a:schemeClr val="tx1">
+              <a:lumMod val="95000"/>
+              <a:lumOff val="5000"/>
+            </a:schemeClr>
+          </a:solidFill>
+          <a:ln>
+            <a:noFill/>
+          </a:ln>
+        </p:spPr>
+        <p:style>
+          <a:lnRef idx="0">
+            <a:scrgbClr r="0" g="0" b="0"/>
+          </a:lnRef>
+          <a:fillRef idx="0">
+            <a:scrgbClr r="0" g="0" b="0"/>
+          </a:fillRef>
+          <a:effectRef idx="0">
+            <a:scrgbClr r="0" g="0" b="0"/>
+          </a:effectRef>
+          <a:fontRef idx="minor">
+            <a:schemeClr val="lt1"/>
+          </a:fontRef>
+        </p:style>
+        <p:txBody>
+          <a:bodyPr rtlCol="0" anchor="ctr"/>
+          <a:lstStyle/>
+          <a:p>
+            <a:pPr algn="ctr"/>
+            <a:endParaRPr lang="en-US" dirty="0"/>
+          </a:p>
+        </p:txBody>
+      </p:sp>
+      <p:sp>
+        <p:nvSpPr>
+          <p:cNvPr id="2" name="Title 1">
+            <a:extLst>
+              <a:ext uri="{FF2B5EF4-FFF2-40B4-BE49-F238E27FC236}">
+                <a16:creationId xmlns:a16="http://schemas.microsoft.com/office/drawing/2014/main" id="{15115107-5DA3-4397-A1DA-67705DAE1EC2}"/>
+              </a:ext>
+            </a:extLst>
+          </p:cNvPr>
+          <p:cNvSpPr>
+            <a:spLocks noGrp="1"/>
+          </p:cNvSpPr>
+          <p:nvPr>
+            <p:ph type="title"/>
+          </p:nvPr>
+        </p:nvSpPr>
+        <p:spPr>
+          <a:xfrm>
+            <a:off x="473711" y="377948"/>
+            <a:ext cx="3745864" cy="1690884"/>
+          </a:xfrm>
+          <a:noFill/>
+          <a:ln w="31750" cap="sq">
+            <a:solidFill>
+              <a:srgbClr val="FFFFFF"/>
+            </a:solidFill>
+            <a:miter lim="800000"/>
+          </a:ln>
+          <a:effectLst>
+            <a:glow rad="152400">
+              <a:schemeClr val="bg1">
+                <a:alpha val="13000"/>
+              </a:schemeClr>
+            </a:glow>
+          </a:effectLst>
+        </p:spPr>
+        <p:txBody>
+          <a:bodyPr vert="horz" wrap="square" lIns="182880" tIns="182880" rIns="182880" bIns="182880" rtlCol="0" anchor="ctr">
+            <a:normAutofit/>
+          </a:bodyPr>
+          <a:lstStyle/>
+          <a:p>
+            <a:r>
+              <a:rPr lang="en-US" sz="2000" dirty="0">
+                <a:solidFill>
+                  <a:srgbClr val="FFFFFF"/>
+                </a:solidFill>
+              </a:rPr>
+              <a:t>Evaluating In-Sample Predictions</a:t>
+            </a:r>
+          </a:p>
+        </p:txBody>
+      </p:sp>
+      <p:sp>
+        <p:nvSpPr>
+          <p:cNvPr id="11" name="Content Placeholder 3">
+            <a:extLst>
+              <a:ext uri="{FF2B5EF4-FFF2-40B4-BE49-F238E27FC236}">
+                <a16:creationId xmlns:a16="http://schemas.microsoft.com/office/drawing/2014/main" id="{043A6377-C753-49FB-8F35-17EBFCC706D6}"/>
+              </a:ext>
+            </a:extLst>
+          </p:cNvPr>
+          <p:cNvSpPr txBox="1">
+            <a:spLocks/>
+          </p:cNvSpPr>
+          <p:nvPr/>
+        </p:nvSpPr>
+        <p:spPr>
+          <a:xfrm>
+            <a:off x="473710" y="2306426"/>
+            <a:ext cx="3745863" cy="4303924"/>
+          </a:xfrm>
+          <a:prstGeom prst="rect">
+            <a:avLst/>
+          </a:prstGeom>
+        </p:spPr>
+        <p:txBody>
+          <a:bodyPr vert="horz" lIns="91440" tIns="45720" rIns="91440" bIns="45720" rtlCol="0">
+            <a:normAutofit/>
+          </a:bodyPr>
+          <a:lstStyle>
+            <a:lvl1pPr marL="228600" indent="-228600" algn="l" defTabSz="914400" rtl="0" eaLnBrk="1" latinLnBrk="0" hangingPunct="1">
+              <a:lnSpc>
+                <a:spcPct val="100000"/>
+              </a:lnSpc>
+              <a:spcBef>
+                <a:spcPts val="1000"/>
+              </a:spcBef>
+              <a:buClr>
+                <a:schemeClr val="accent2"/>
+              </a:buClr>
+              <a:buFont typeface="Arial" panose="020B0604020202020204" pitchFamily="34" charset="0"/>
+              <a:buChar char="•"/>
+              <a:defRPr sz="1800" kern="1200">
+                <a:solidFill>
+                  <a:schemeClr val="tx1">
+                    <a:lumMod val="85000"/>
+                    <a:lumOff val="15000"/>
+                  </a:schemeClr>
+                </a:solidFill>
+                <a:latin typeface="+mn-lt"/>
+                <a:ea typeface="+mn-ea"/>
+                <a:cs typeface="+mn-cs"/>
+              </a:defRPr>
+            </a:lvl1pPr>
+            <a:lvl2pPr marL="457200" indent="-228600" algn="l" defTabSz="914400" rtl="0" eaLnBrk="1" latinLnBrk="0" hangingPunct="1">
+              <a:lnSpc>
+                <a:spcPct val="100000"/>
+              </a:lnSpc>
+              <a:spcBef>
+                <a:spcPts val="1000"/>
+              </a:spcBef>
+              <a:buClr>
+                <a:schemeClr val="accent2"/>
+              </a:buClr>
+              <a:buFont typeface="Arial" panose="020B0604020202020204" pitchFamily="34" charset="0"/>
+              <a:buChar char="•"/>
+              <a:defRPr sz="1600" kern="1200">
+                <a:solidFill>
+                  <a:schemeClr val="tx1">
+                    <a:lumMod val="85000"/>
+                    <a:lumOff val="15000"/>
+                  </a:schemeClr>
+                </a:solidFill>
+                <a:latin typeface="+mn-lt"/>
+                <a:ea typeface="+mn-ea"/>
+                <a:cs typeface="+mn-cs"/>
+              </a:defRPr>
+            </a:lvl2pPr>
+            <a:lvl3pPr marL="685800" indent="-228600" algn="l" defTabSz="914400" rtl="0" eaLnBrk="1" latinLnBrk="0" hangingPunct="1">
+              <a:lnSpc>
+                <a:spcPct val="100000"/>
+              </a:lnSpc>
+              <a:spcBef>
+                <a:spcPts val="1000"/>
+              </a:spcBef>
+              <a:buClr>
+                <a:schemeClr val="accent2"/>
+              </a:buClr>
+              <a:buFont typeface="Arial" panose="020B0604020202020204" pitchFamily="34" charset="0"/>
+              <a:buChar char="•"/>
+              <a:defRPr sz="1600" kern="1200">
+                <a:solidFill>
+                  <a:schemeClr val="tx1">
+                    <a:lumMod val="85000"/>
+                    <a:lumOff val="15000"/>
+                  </a:schemeClr>
+                </a:solidFill>
+                <a:latin typeface="+mn-lt"/>
+                <a:ea typeface="+mn-ea"/>
+                <a:cs typeface="+mn-cs"/>
+              </a:defRPr>
+            </a:lvl3pPr>
+            <a:lvl4pPr marL="914400" indent="-228600" algn="l" defTabSz="914400" rtl="0" eaLnBrk="1" latinLnBrk="0" hangingPunct="1">
+              <a:lnSpc>
+                <a:spcPct val="100000"/>
+              </a:lnSpc>
+              <a:spcBef>
+                <a:spcPts val="1000"/>
+              </a:spcBef>
+              <a:buClr>
+                <a:schemeClr val="accent2"/>
+              </a:buClr>
+              <a:buFont typeface="Arial" panose="020B0604020202020204" pitchFamily="34" charset="0"/>
+              <a:buChar char="•"/>
+              <a:defRPr sz="1600" kern="1200">
+                <a:solidFill>
+                  <a:schemeClr val="tx1">
+                    <a:lumMod val="85000"/>
+                    <a:lumOff val="15000"/>
+                  </a:schemeClr>
+                </a:solidFill>
+                <a:latin typeface="+mn-lt"/>
+                <a:ea typeface="+mn-ea"/>
+                <a:cs typeface="+mn-cs"/>
+              </a:defRPr>
+            </a:lvl4pPr>
+            <a:lvl5pPr marL="1143000" indent="-228600" algn="l" defTabSz="914400" rtl="0" eaLnBrk="1" latinLnBrk="0" hangingPunct="1">
+              <a:lnSpc>
+                <a:spcPct val="100000"/>
+              </a:lnSpc>
+              <a:spcBef>
+                <a:spcPts val="1000"/>
+              </a:spcBef>
+              <a:buClr>
+                <a:schemeClr val="accent2"/>
+              </a:buClr>
+              <a:buFont typeface="Arial" panose="020B0604020202020204" pitchFamily="34" charset="0"/>
+              <a:buChar char="•"/>
+              <a:defRPr sz="1600" kern="1200">
+                <a:solidFill>
+                  <a:schemeClr val="tx1">
+                    <a:lumMod val="85000"/>
+                    <a:lumOff val="15000"/>
+                  </a:schemeClr>
+                </a:solidFill>
+                <a:latin typeface="+mn-lt"/>
+                <a:ea typeface="+mn-ea"/>
+                <a:cs typeface="+mn-cs"/>
+              </a:defRPr>
+            </a:lvl5pPr>
+            <a:lvl6pPr marL="1312863" indent="-228600" algn="l" defTabSz="914400" rtl="0" eaLnBrk="1" latinLnBrk="0" hangingPunct="1">
+              <a:lnSpc>
+                <a:spcPct val="100000"/>
+              </a:lnSpc>
+              <a:spcBef>
+                <a:spcPts val="1000"/>
+              </a:spcBef>
+              <a:buClr>
+                <a:schemeClr val="accent2"/>
+              </a:buClr>
+              <a:buFont typeface="Arial" panose="020B0604020202020204" pitchFamily="34" charset="0"/>
+              <a:buChar char="•"/>
+              <a:defRPr sz="1600" kern="1200">
+                <a:solidFill>
+                  <a:schemeClr val="tx1"/>
+                </a:solidFill>
+                <a:latin typeface="+mn-lt"/>
+                <a:ea typeface="+mn-ea"/>
+                <a:cs typeface="+mn-cs"/>
+              </a:defRPr>
+            </a:lvl6pPr>
+            <a:lvl7pPr marL="1484313" indent="-228600" algn="l" defTabSz="914400" rtl="0" eaLnBrk="1" latinLnBrk="0" hangingPunct="1">
+              <a:lnSpc>
+                <a:spcPct val="100000"/>
+              </a:lnSpc>
+              <a:spcBef>
+                <a:spcPts val="1000"/>
+              </a:spcBef>
+              <a:buClr>
+                <a:schemeClr val="accent2"/>
+              </a:buClr>
+              <a:buFont typeface="Arial" panose="020B0604020202020204" pitchFamily="34" charset="0"/>
+              <a:buChar char="•"/>
+              <a:defRPr sz="1600" kern="1200">
+                <a:solidFill>
+                  <a:schemeClr val="tx1"/>
+                </a:solidFill>
+                <a:latin typeface="+mn-lt"/>
+                <a:ea typeface="+mn-ea"/>
+                <a:cs typeface="+mn-cs"/>
+              </a:defRPr>
+            </a:lvl7pPr>
+            <a:lvl8pPr marL="1657350" indent="-228600" algn="l" defTabSz="914400" rtl="0" eaLnBrk="1" latinLnBrk="0" hangingPunct="1">
+              <a:lnSpc>
+                <a:spcPct val="100000"/>
+              </a:lnSpc>
+              <a:spcBef>
+                <a:spcPts val="1000"/>
+              </a:spcBef>
+              <a:buClr>
+                <a:schemeClr val="accent2"/>
+              </a:buClr>
+              <a:buFont typeface="Arial" panose="020B0604020202020204" pitchFamily="34" charset="0"/>
+              <a:buChar char="•"/>
+              <a:defRPr sz="1600" kern="1200" baseline="0">
+                <a:solidFill>
+                  <a:schemeClr val="tx1"/>
+                </a:solidFill>
+                <a:latin typeface="+mn-lt"/>
+                <a:ea typeface="+mn-ea"/>
+                <a:cs typeface="+mn-cs"/>
+              </a:defRPr>
+            </a:lvl8pPr>
+            <a:lvl9pPr marL="1882775" indent="-228600" algn="l" defTabSz="914400" rtl="0" eaLnBrk="1" latinLnBrk="0" hangingPunct="1">
+              <a:lnSpc>
+                <a:spcPct val="100000"/>
+              </a:lnSpc>
+              <a:spcBef>
+                <a:spcPts val="1000"/>
+              </a:spcBef>
+              <a:buClr>
+                <a:schemeClr val="accent2"/>
+              </a:buClr>
+              <a:buFont typeface="Arial" panose="020B0604020202020204" pitchFamily="34" charset="0"/>
+              <a:buChar char="•"/>
+              <a:defRPr sz="1600" kern="1200" baseline="0">
+                <a:solidFill>
+                  <a:schemeClr val="tx1"/>
+                </a:solidFill>
+                <a:latin typeface="+mn-lt"/>
+                <a:ea typeface="+mn-ea"/>
+                <a:cs typeface="+mn-cs"/>
+              </a:defRPr>
+            </a:lvl9pPr>
+          </a:lstStyle>
+          <a:p>
+            <a:endParaRPr lang="en-SG" dirty="0">
+              <a:solidFill>
+                <a:schemeClr val="bg1"/>
+              </a:solidFill>
+            </a:endParaRPr>
+          </a:p>
+        </p:txBody>
+      </p:sp>
+    </p:spTree>
+    <p:extLst>
+      <p:ext uri="{BB962C8B-B14F-4D97-AF65-F5344CB8AC3E}">
+        <p14:creationId xmlns:p14="http://schemas.microsoft.com/office/powerpoint/2010/main" val="3823575967"/>
+      </p:ext>
+    </p:extLst>
+  </p:cSld>
+  <p:clrMapOvr>
+    <a:masterClrMapping/>
+  </p:clrMapOvr>
+</p:sld>
+</file>
+
+<file path=ppt/slides/slide14.xml><?xml version="1.0" encoding="utf-8"?>
 <p:sld xmlns:a="http://schemas.openxmlformats.org/drawingml/2006/main" xmlns:r="http://schemas.openxmlformats.org/officeDocument/2006/relationships" xmlns:p="http://schemas.openxmlformats.org/presentationml/2006/main" show="0">
   <p:cSld>
     <p:bg>
@@ -12100,7 +13560,7 @@
           </a:lstStyle>
           <a:p>
             <a:r>
-              <a:rPr lang="en-SG">
+              <a:rPr lang="en-SG" dirty="0">
                 <a:solidFill>
                   <a:schemeClr val="bg1"/>
                 </a:solidFill>
@@ -12114,7 +13574,7 @@
               <a:buAutoNum type="romanLcPeriod"/>
             </a:pPr>
             <a:r>
-              <a:rPr lang="en-SG">
+              <a:rPr lang="en-SG" dirty="0">
                 <a:solidFill>
                   <a:schemeClr val="bg1"/>
                 </a:solidFill>
@@ -12131,7 +13591,7 @@
               <a:buAutoNum type="romanLcPeriod"/>
             </a:pPr>
             <a:r>
-              <a:rPr lang="en-SG">
+              <a:rPr lang="en-SG" dirty="0">
                 <a:solidFill>
                   <a:schemeClr val="bg1"/>
                 </a:solidFill>
@@ -12148,7 +13608,7 @@
               <a:buAutoNum type="romanLcPeriod"/>
             </a:pPr>
             <a:r>
-              <a:rPr lang="en-SG">
+              <a:rPr lang="en-SG" dirty="0">
                 <a:solidFill>
                   <a:schemeClr val="bg1"/>
                 </a:solidFill>
@@ -12165,7 +13625,7 @@
               <a:buAutoNum type="romanLcPeriod"/>
             </a:pPr>
             <a:r>
-              <a:rPr lang="en-GB">
+              <a:rPr lang="en-GB" dirty="0">
                 <a:solidFill>
                   <a:schemeClr val="bg1"/>
                 </a:solidFill>
@@ -12180,7 +13640,7 @@
               </a:spcBef>
             </a:pPr>
             <a:r>
-              <a:rPr lang="en-GB">
+              <a:rPr lang="en-GB" dirty="0">
                 <a:solidFill>
                   <a:schemeClr val="bg1"/>
                 </a:solidFill>
@@ -12195,18 +13655,13 @@
               </a:spcBef>
             </a:pPr>
             <a:r>
-              <a:rPr lang="en-GB">
+              <a:rPr lang="en-GB" dirty="0">
                 <a:solidFill>
                   <a:schemeClr val="bg1"/>
                 </a:solidFill>
               </a:rPr>
               <a:t>(P, D, Q) can be selected using a Grid Search</a:t>
             </a:r>
-            <a:endParaRPr lang="en-GB" dirty="0">
-              <a:solidFill>
-                <a:schemeClr val="bg1"/>
-              </a:solidFill>
-            </a:endParaRPr>
           </a:p>
         </p:txBody>
       </p:sp>
@@ -14108,6 +15563,66 @@
               </a:rPr>
               <a:t>Which exogenous variables to use</a:t>
             </a:r>
+          </a:p>
+          <a:p>
+            <a:pPr>
+              <a:spcBef>
+                <a:spcPts val="600"/>
+              </a:spcBef>
+            </a:pPr>
+            <a:r>
+              <a:rPr lang="en-SG" dirty="0">
+                <a:solidFill>
+                  <a:schemeClr val="bg1"/>
+                </a:solidFill>
+              </a:rPr>
+              <a:t>The metric employed for comparison is a weighted sum of the train </a:t>
+            </a:r>
+            <a:r>
+              <a:rPr lang="en-SG" dirty="0" err="1">
+                <a:solidFill>
+                  <a:schemeClr val="bg1"/>
+                </a:solidFill>
+              </a:rPr>
+              <a:t>rmse</a:t>
+            </a:r>
+            <a:r>
+              <a:rPr lang="en-SG" dirty="0">
+                <a:solidFill>
+                  <a:schemeClr val="bg1"/>
+                </a:solidFill>
+              </a:rPr>
+              <a:t>, test </a:t>
+            </a:r>
+            <a:r>
+              <a:rPr lang="en-SG" dirty="0" err="1">
+                <a:solidFill>
+                  <a:schemeClr val="bg1"/>
+                </a:solidFill>
+              </a:rPr>
+              <a:t>rmse</a:t>
+            </a:r>
+            <a:r>
+              <a:rPr lang="en-SG" dirty="0">
+                <a:solidFill>
+                  <a:schemeClr val="bg1"/>
+                </a:solidFill>
+              </a:rPr>
+              <a:t> and </a:t>
+            </a:r>
+            <a:r>
+              <a:rPr lang="en-SG" dirty="0" err="1">
+                <a:solidFill>
+                  <a:schemeClr val="bg1"/>
+                </a:solidFill>
+              </a:rPr>
+              <a:t>aic</a:t>
+            </a:r>
+            <a:endParaRPr lang="en-SG" dirty="0">
+              <a:solidFill>
+                <a:schemeClr val="bg1"/>
+              </a:solidFill>
+            </a:endParaRPr>
           </a:p>
         </p:txBody>
       </p:sp>
@@ -14975,6 +16490,24 @@
 </file>
 
 <file path=customXml/item1.xml><?xml version="1.0" encoding="utf-8"?>
+<?mso-contentType ?>
+<FormTemplates xmlns="http://schemas.microsoft.com/sharepoint/v3/contenttype/forms">
+  <Display>DocumentLibraryForm</Display>
+  <Edit>DocumentLibraryForm</Edit>
+  <New>DocumentLibraryForm</New>
+</FormTemplates>
+</file>
+
+<file path=customXml/item2.xml><?xml version="1.0" encoding="utf-8"?>
+<p:properties xmlns:p="http://schemas.microsoft.com/office/2006/metadata/properties" xmlns:xsi="http://www.w3.org/2001/XMLSchema-instance" xmlns:pc="http://schemas.microsoft.com/office/infopath/2007/PartnerControls">
+  <documentManagement>
+    <Status xmlns="71af3243-3dd4-4a8d-8c0d-dd76da1f02a5">Not started</Status>
+    <MediaServiceKeyPoints xmlns="71af3243-3dd4-4a8d-8c0d-dd76da1f02a5" xsi:nil="true"/>
+  </documentManagement>
+</p:properties>
+</file>
+
+<file path=customXml/item3.xml><?xml version="1.0" encoding="utf-8"?>
 <ct:contentTypeSchema xmlns:ct="http://schemas.microsoft.com/office/2006/metadata/contentType" xmlns:ma="http://schemas.microsoft.com/office/2006/metadata/properties/metaAttributes" ct:_="" ma:_="" ma:contentTypeName="Document" ma:contentTypeID="0x01010079F111ED35F8CC479449609E8A0923A6" ma:contentTypeVersion="12" ma:contentTypeDescription="Create a new document." ma:contentTypeScope="" ma:versionID="93813dd7ca6ad654711aa0ab317e03a3">
   <xsd:schema xmlns:xsd="http://www.w3.org/2001/XMLSchema" xmlns:xs="http://www.w3.org/2001/XMLSchema" xmlns:p="http://schemas.microsoft.com/office/2006/metadata/properties" xmlns:ns2="71af3243-3dd4-4a8d-8c0d-dd76da1f02a5" xmlns:ns3="16c05727-aa75-4e4a-9b5f-8a80a1165891" targetNamespace="http://schemas.microsoft.com/office/2006/metadata/properties" ma:root="true" ma:fieldsID="f11dc0ce689dd3925e84e4e35398c6e7" ns2:_="" ns3:_="">
     <xsd:import namespace="71af3243-3dd4-4a8d-8c0d-dd76da1f02a5"/>
@@ -15195,25 +16728,25 @@
 </ct:contentTypeSchema>
 </file>
 
-<file path=customXml/item2.xml><?xml version="1.0" encoding="utf-8"?>
-<p:properties xmlns:p="http://schemas.microsoft.com/office/2006/metadata/properties" xmlns:xsi="http://www.w3.org/2001/XMLSchema-instance" xmlns:pc="http://schemas.microsoft.com/office/infopath/2007/PartnerControls">
-  <documentManagement>
-    <Status xmlns="71af3243-3dd4-4a8d-8c0d-dd76da1f02a5">Not started</Status>
-    <MediaServiceKeyPoints xmlns="71af3243-3dd4-4a8d-8c0d-dd76da1f02a5" xsi:nil="true"/>
-  </documentManagement>
-</p:properties>
+<file path=customXml/itemProps1.xml><?xml version="1.0" encoding="utf-8"?>
+<ds:datastoreItem xmlns:ds="http://schemas.openxmlformats.org/officeDocument/2006/customXml" ds:itemID="{C28223DC-4748-4F7F-8D8D-E4EA5A6C1882}">
+  <ds:schemaRefs>
+    <ds:schemaRef ds:uri="http://schemas.microsoft.com/sharepoint/v3/contenttype/forms"/>
+  </ds:schemaRefs>
+</ds:datastoreItem>
 </file>
 
-<file path=customXml/item3.xml><?xml version="1.0" encoding="utf-8"?>
-<?mso-contentType ?>
-<FormTemplates xmlns="http://schemas.microsoft.com/sharepoint/v3/contenttype/forms">
-  <Display>DocumentLibraryForm</Display>
-  <Edit>DocumentLibraryForm</Edit>
-  <New>DocumentLibraryForm</New>
-</FormTemplates>
+<file path=customXml/itemProps2.xml><?xml version="1.0" encoding="utf-8"?>
+<ds:datastoreItem xmlns:ds="http://schemas.openxmlformats.org/officeDocument/2006/customXml" ds:itemID="{1F4D5ADA-BB6C-46F4-9A97-3A3D44A9A8A6}">
+  <ds:schemaRefs>
+    <ds:schemaRef ds:uri="http://schemas.microsoft.com/office/2006/metadata/properties"/>
+    <ds:schemaRef ds:uri="http://schemas.microsoft.com/office/infopath/2007/PartnerControls"/>
+    <ds:schemaRef ds:uri="71af3243-3dd4-4a8d-8c0d-dd76da1f02a5"/>
+  </ds:schemaRefs>
+</ds:datastoreItem>
 </file>
 
-<file path=customXml/itemProps1.xml><?xml version="1.0" encoding="utf-8"?>
+<file path=customXml/itemProps3.xml><?xml version="1.0" encoding="utf-8"?>
 <ds:datastoreItem xmlns:ds="http://schemas.openxmlformats.org/officeDocument/2006/customXml" ds:itemID="{1612D154-BCA4-47A9-881C-4EFB9658D8AB}">
   <ds:schemaRefs>
     <ds:schemaRef ds:uri="http://schemas.microsoft.com/office/2006/metadata/contentType"/>
@@ -15230,22 +16763,4 @@
     <ds:schemaRef ds:uri="http://schemas.microsoft.com/internal/obd"/>
   </ds:schemaRefs>
 </ds:datastoreItem>
-</file>
-
-<file path=customXml/itemProps2.xml><?xml version="1.0" encoding="utf-8"?>
-<ds:datastoreItem xmlns:ds="http://schemas.openxmlformats.org/officeDocument/2006/customXml" ds:itemID="{1F4D5ADA-BB6C-46F4-9A97-3A3D44A9A8A6}">
-  <ds:schemaRefs>
-    <ds:schemaRef ds:uri="http://schemas.microsoft.com/office/2006/metadata/properties"/>
-    <ds:schemaRef ds:uri="http://schemas.microsoft.com/office/infopath/2007/PartnerControls"/>
-    <ds:schemaRef ds:uri="71af3243-3dd4-4a8d-8c0d-dd76da1f02a5"/>
-  </ds:schemaRefs>
-</ds:datastoreItem>
-</file>
-
-<file path=customXml/itemProps3.xml><?xml version="1.0" encoding="utf-8"?>
-<ds:datastoreItem xmlns:ds="http://schemas.openxmlformats.org/officeDocument/2006/customXml" ds:itemID="{C28223DC-4748-4F7F-8D8D-E4EA5A6C1882}">
-  <ds:schemaRefs>
-    <ds:schemaRef ds:uri="http://schemas.microsoft.com/sharepoint/v3/contenttype/forms"/>
-  </ds:schemaRefs>
-</ds:datastoreItem>
 </file>
--- a/doc/part-a.pptx
+++ b/doc/part-a.pptx
@@ -9785,7 +9785,7 @@
                   <a:srgbClr val="FFFFFF"/>
                 </a:solidFill>
               </a:rPr>
-              <a:t>Evaluating In-Sample Predictions</a:t>
+              <a:t>Evaluating Out-of-Sample Predictions</a:t>
             </a:r>
           </a:p>
         </p:txBody>
@@ -10746,6 +10746,9 @@
               <a:spcBef>
                 <a:spcPts val="600"/>
               </a:spcBef>
+              <a:buClr>
+                <a:schemeClr val="bg1"/>
+              </a:buClr>
               <a:buFont typeface="+mj-lt"/>
               <a:buAutoNum type="alphaLcParenR"/>
             </a:pPr>
@@ -10755,7 +10758,7 @@
                   <a:schemeClr val="bg1"/>
                 </a:solidFill>
               </a:rPr>
-              <a:t>Positively skewed</a:t>
+              <a:t>Negatively skewed</a:t>
             </a:r>
           </a:p>
           <a:p>
@@ -10763,6 +10766,9 @@
               <a:spcBef>
                 <a:spcPts val="600"/>
               </a:spcBef>
+              <a:buClr>
+                <a:schemeClr val="bg1"/>
+              </a:buClr>
               <a:buFont typeface="+mj-lt"/>
               <a:buAutoNum type="alphaLcParenR"/>
             </a:pPr>
@@ -10780,6 +10786,9 @@
               <a:spcBef>
                 <a:spcPts val="600"/>
               </a:spcBef>
+              <a:buClr>
+                <a:schemeClr val="bg1"/>
+              </a:buClr>
               <a:buFont typeface="+mj-lt"/>
               <a:buAutoNum type="alphaLcParenR"/>
             </a:pPr>
@@ -11142,7 +11151,7 @@
                   <a:schemeClr val="tx1"/>
                 </a:solidFill>
               </a:rPr>
-              <a:t>Fig. 7.1. Plotted values before cleaning (with moving averages)</a:t>
+              <a:t>Fig. 1.1. Plotted values before cleaning (with moving averages)</a:t>
             </a:r>
             <a:endParaRPr lang="en-GB" sz="1600" dirty="0">
               <a:solidFill>
@@ -11395,7 +11404,7 @@
                   <a:schemeClr val="tx1"/>
                 </a:solidFill>
               </a:rPr>
-              <a:t>Fig. 7.1. Distributions of Values before cleaning</a:t>
+              <a:t>Fig. 1.2. Distributions of Values before cleaning</a:t>
             </a:r>
             <a:endParaRPr lang="en-GB" sz="1600" dirty="0">
               <a:solidFill>
@@ -11657,6 +11666,26 @@
               </a:rPr>
               <a:t>After data cleaning, all the values conform to more normal distributions.</a:t>
             </a:r>
+          </a:p>
+          <a:p>
+            <a:r>
+              <a:rPr lang="en-SG" dirty="0">
+                <a:solidFill>
+                  <a:schemeClr val="bg1"/>
+                </a:solidFill>
+              </a:rPr>
+              <a:t>With the data more stable, it will be easier for the models to pick up on any trends within the time series, if any.</a:t>
+            </a:r>
+          </a:p>
+          <a:p>
+            <a:r>
+              <a:rPr lang="en-SG" dirty="0">
+                <a:solidFill>
+                  <a:schemeClr val="bg1"/>
+                </a:solidFill>
+              </a:rPr>
+              <a:t>This would be better </a:t>
+            </a:r>
             <a:endParaRPr lang="en-GB" dirty="0">
               <a:solidFill>
                 <a:schemeClr val="bg1"/>
@@ -11681,8 +11710,8 @@
         </p:nvSpPr>
         <p:spPr>
           <a:xfrm>
-            <a:off x="161925" y="3004058"/>
-            <a:ext cx="5457825" cy="338554"/>
+            <a:off x="778656" y="3080066"/>
+            <a:ext cx="3505201" cy="584775"/>
           </a:xfrm>
           <a:prstGeom prst="rect">
             <a:avLst/>
@@ -11908,7 +11937,7 @@
                   <a:schemeClr val="tx1"/>
                 </a:solidFill>
               </a:rPr>
-              <a:t>Fig. 7.1. Plotted values after cleaning (with moving averages)</a:t>
+              <a:t>Fig. 1.3. Plotted values after cleaning (with moving averages)</a:t>
             </a:r>
             <a:endParaRPr lang="en-GB" sz="1600" dirty="0">
               <a:solidFill>
@@ -11934,7 +11963,7 @@
         </p:nvSpPr>
         <p:spPr>
           <a:xfrm>
-            <a:off x="3056684" y="6354807"/>
+            <a:off x="2821370" y="6368039"/>
             <a:ext cx="4158440" cy="338554"/>
           </a:xfrm>
           <a:prstGeom prst="rect">
@@ -12161,7 +12190,7 @@
                   <a:schemeClr val="tx1"/>
                 </a:solidFill>
               </a:rPr>
-              <a:t>Fig. 7.1. Distributions of Values after cleaning</a:t>
+              <a:t>Fig. 1.4. Distributions of Values after cleaning</a:t>
             </a:r>
             <a:endParaRPr lang="en-GB" sz="1600" dirty="0">
               <a:solidFill>
@@ -12171,6 +12200,76 @@
           </a:p>
         </p:txBody>
       </p:sp>
+      <p:pic>
+        <p:nvPicPr>
+          <p:cNvPr id="5" name="Picture 4" descr="Chart, histogram&#10;&#10;Description automatically generated">
+            <a:extLst>
+              <a:ext uri="{FF2B5EF4-FFF2-40B4-BE49-F238E27FC236}">
+                <a16:creationId xmlns:a16="http://schemas.microsoft.com/office/drawing/2014/main" id="{5C1DA904-7BF8-4402-B404-BCDE0BB0A5D0}"/>
+              </a:ext>
+            </a:extLst>
+          </p:cNvPr>
+          <p:cNvPicPr>
+            <a:picLocks noChangeAspect="1"/>
+          </p:cNvPicPr>
+          <p:nvPr/>
+        </p:nvPicPr>
+        <p:blipFill>
+          <a:blip r:embed="rId3"/>
+          <a:stretch>
+            <a:fillRect/>
+          </a:stretch>
+        </p:blipFill>
+        <p:spPr>
+          <a:xfrm>
+            <a:off x="2776177" y="3829754"/>
+            <a:ext cx="4248826" cy="2507633"/>
+          </a:xfrm>
+          <a:prstGeom prst="rect">
+            <a:avLst/>
+          </a:prstGeom>
+          <a:ln>
+            <a:solidFill>
+              <a:schemeClr val="tx1"/>
+            </a:solidFill>
+          </a:ln>
+        </p:spPr>
+      </p:pic>
+      <p:pic>
+        <p:nvPicPr>
+          <p:cNvPr id="7" name="Picture 6" descr="Graphical user interface, chart&#10;&#10;Description automatically generated">
+            <a:extLst>
+              <a:ext uri="{FF2B5EF4-FFF2-40B4-BE49-F238E27FC236}">
+                <a16:creationId xmlns:a16="http://schemas.microsoft.com/office/drawing/2014/main" id="{DC3EF830-F297-4909-B434-04A0EA78B724}"/>
+              </a:ext>
+            </a:extLst>
+          </p:cNvPr>
+          <p:cNvPicPr>
+            <a:picLocks noChangeAspect="1"/>
+          </p:cNvPicPr>
+          <p:nvPr/>
+        </p:nvPicPr>
+        <p:blipFill>
+          <a:blip r:embed="rId4"/>
+          <a:stretch>
+            <a:fillRect/>
+          </a:stretch>
+        </p:blipFill>
+        <p:spPr>
+          <a:xfrm>
+            <a:off x="161924" y="129061"/>
+            <a:ext cx="4738666" cy="2874997"/>
+          </a:xfrm>
+          <a:prstGeom prst="rect">
+            <a:avLst/>
+          </a:prstGeom>
+          <a:ln>
+            <a:solidFill>
+              <a:schemeClr val="tx1"/>
+            </a:solidFill>
+          </a:ln>
+        </p:spPr>
+      </p:pic>
     </p:spTree>
     <p:extLst>
       <p:ext uri="{BB962C8B-B14F-4D97-AF65-F5344CB8AC3E}">
@@ -12405,8 +12504,8 @@
         </p:nvSpPr>
         <p:spPr>
           <a:xfrm>
-            <a:off x="8182865" y="2334643"/>
-            <a:ext cx="3363974" cy="4153281"/>
+            <a:off x="8182865" y="2095501"/>
+            <a:ext cx="3363974" cy="4392424"/>
           </a:xfrm>
         </p:spPr>
         <p:txBody>
@@ -12483,7 +12582,7 @@
         </p:blipFill>
         <p:spPr>
           <a:xfrm>
-            <a:off x="315150" y="577573"/>
+            <a:off x="315150" y="282298"/>
             <a:ext cx="6899974" cy="5702854"/>
           </a:xfrm>
           <a:prstGeom prst="rect">
@@ -12494,6 +12593,259 @@
           </a:ln>
         </p:spPr>
       </p:pic>
+      <p:sp>
+        <p:nvSpPr>
+          <p:cNvPr id="7" name="Content Placeholder 3">
+            <a:extLst>
+              <a:ext uri="{FF2B5EF4-FFF2-40B4-BE49-F238E27FC236}">
+                <a16:creationId xmlns:a16="http://schemas.microsoft.com/office/drawing/2014/main" id="{FC98A269-A8F2-497A-9B7B-B382FF112E18}"/>
+              </a:ext>
+            </a:extLst>
+          </p:cNvPr>
+          <p:cNvSpPr txBox="1">
+            <a:spLocks/>
+          </p:cNvSpPr>
+          <p:nvPr/>
+        </p:nvSpPr>
+        <p:spPr>
+          <a:xfrm>
+            <a:off x="1441704" y="6083022"/>
+            <a:ext cx="4654296" cy="338554"/>
+          </a:xfrm>
+          <a:prstGeom prst="rect">
+            <a:avLst/>
+          </a:prstGeom>
+        </p:spPr>
+        <p:txBody>
+          <a:bodyPr vert="horz" wrap="square" lIns="91440" tIns="45720" rIns="91440" bIns="45720" rtlCol="0">
+            <a:spAutoFit/>
+          </a:bodyPr>
+          <a:lstStyle>
+            <a:lvl1pPr marL="228600" indent="-228600" algn="l" defTabSz="914400" rtl="0" eaLnBrk="1" latinLnBrk="0" hangingPunct="1">
+              <a:lnSpc>
+                <a:spcPct val="100000"/>
+              </a:lnSpc>
+              <a:spcBef>
+                <a:spcPts val="1000"/>
+              </a:spcBef>
+              <a:buClr>
+                <a:schemeClr val="accent2"/>
+              </a:buClr>
+              <a:buFont typeface="Arial" panose="020B0604020202020204" pitchFamily="34" charset="0"/>
+              <a:buChar char="•"/>
+              <a:defRPr sz="1800" kern="1200">
+                <a:solidFill>
+                  <a:schemeClr val="tx1">
+                    <a:lumMod val="85000"/>
+                    <a:lumOff val="15000"/>
+                  </a:schemeClr>
+                </a:solidFill>
+                <a:latin typeface="+mn-lt"/>
+                <a:ea typeface="+mn-ea"/>
+                <a:cs typeface="+mn-cs"/>
+              </a:defRPr>
+            </a:lvl1pPr>
+            <a:lvl2pPr marL="457200" indent="-228600" algn="l" defTabSz="914400" rtl="0" eaLnBrk="1" latinLnBrk="0" hangingPunct="1">
+              <a:lnSpc>
+                <a:spcPct val="100000"/>
+              </a:lnSpc>
+              <a:spcBef>
+                <a:spcPts val="1000"/>
+              </a:spcBef>
+              <a:buClr>
+                <a:schemeClr val="accent2"/>
+              </a:buClr>
+              <a:buFont typeface="Arial" panose="020B0604020202020204" pitchFamily="34" charset="0"/>
+              <a:buChar char="•"/>
+              <a:defRPr sz="1600" kern="1200">
+                <a:solidFill>
+                  <a:schemeClr val="tx1">
+                    <a:lumMod val="85000"/>
+                    <a:lumOff val="15000"/>
+                  </a:schemeClr>
+                </a:solidFill>
+                <a:latin typeface="+mn-lt"/>
+                <a:ea typeface="+mn-ea"/>
+                <a:cs typeface="+mn-cs"/>
+              </a:defRPr>
+            </a:lvl2pPr>
+            <a:lvl3pPr marL="685800" indent="-228600" algn="l" defTabSz="914400" rtl="0" eaLnBrk="1" latinLnBrk="0" hangingPunct="1">
+              <a:lnSpc>
+                <a:spcPct val="100000"/>
+              </a:lnSpc>
+              <a:spcBef>
+                <a:spcPts val="1000"/>
+              </a:spcBef>
+              <a:buClr>
+                <a:schemeClr val="accent2"/>
+              </a:buClr>
+              <a:buFont typeface="Arial" panose="020B0604020202020204" pitchFamily="34" charset="0"/>
+              <a:buChar char="•"/>
+              <a:defRPr sz="1600" kern="1200">
+                <a:solidFill>
+                  <a:schemeClr val="tx1">
+                    <a:lumMod val="85000"/>
+                    <a:lumOff val="15000"/>
+                  </a:schemeClr>
+                </a:solidFill>
+                <a:latin typeface="+mn-lt"/>
+                <a:ea typeface="+mn-ea"/>
+                <a:cs typeface="+mn-cs"/>
+              </a:defRPr>
+            </a:lvl3pPr>
+            <a:lvl4pPr marL="914400" indent="-228600" algn="l" defTabSz="914400" rtl="0" eaLnBrk="1" latinLnBrk="0" hangingPunct="1">
+              <a:lnSpc>
+                <a:spcPct val="100000"/>
+              </a:lnSpc>
+              <a:spcBef>
+                <a:spcPts val="1000"/>
+              </a:spcBef>
+              <a:buClr>
+                <a:schemeClr val="accent2"/>
+              </a:buClr>
+              <a:buFont typeface="Arial" panose="020B0604020202020204" pitchFamily="34" charset="0"/>
+              <a:buChar char="•"/>
+              <a:defRPr sz="1600" kern="1200">
+                <a:solidFill>
+                  <a:schemeClr val="tx1">
+                    <a:lumMod val="85000"/>
+                    <a:lumOff val="15000"/>
+                  </a:schemeClr>
+                </a:solidFill>
+                <a:latin typeface="+mn-lt"/>
+                <a:ea typeface="+mn-ea"/>
+                <a:cs typeface="+mn-cs"/>
+              </a:defRPr>
+            </a:lvl4pPr>
+            <a:lvl5pPr marL="1143000" indent="-228600" algn="l" defTabSz="914400" rtl="0" eaLnBrk="1" latinLnBrk="0" hangingPunct="1">
+              <a:lnSpc>
+                <a:spcPct val="100000"/>
+              </a:lnSpc>
+              <a:spcBef>
+                <a:spcPts val="1000"/>
+              </a:spcBef>
+              <a:buClr>
+                <a:schemeClr val="accent2"/>
+              </a:buClr>
+              <a:buFont typeface="Arial" panose="020B0604020202020204" pitchFamily="34" charset="0"/>
+              <a:buChar char="•"/>
+              <a:defRPr sz="1600" kern="1200">
+                <a:solidFill>
+                  <a:schemeClr val="tx1">
+                    <a:lumMod val="85000"/>
+                    <a:lumOff val="15000"/>
+                  </a:schemeClr>
+                </a:solidFill>
+                <a:latin typeface="+mn-lt"/>
+                <a:ea typeface="+mn-ea"/>
+                <a:cs typeface="+mn-cs"/>
+              </a:defRPr>
+            </a:lvl5pPr>
+            <a:lvl6pPr marL="1312863" indent="-228600" algn="l" defTabSz="914400" rtl="0" eaLnBrk="1" latinLnBrk="0" hangingPunct="1">
+              <a:lnSpc>
+                <a:spcPct val="100000"/>
+              </a:lnSpc>
+              <a:spcBef>
+                <a:spcPts val="1000"/>
+              </a:spcBef>
+              <a:buClr>
+                <a:schemeClr val="accent2"/>
+              </a:buClr>
+              <a:buFont typeface="Arial" panose="020B0604020202020204" pitchFamily="34" charset="0"/>
+              <a:buChar char="•"/>
+              <a:defRPr sz="1600" kern="1200">
+                <a:solidFill>
+                  <a:schemeClr val="tx1"/>
+                </a:solidFill>
+                <a:latin typeface="+mn-lt"/>
+                <a:ea typeface="+mn-ea"/>
+                <a:cs typeface="+mn-cs"/>
+              </a:defRPr>
+            </a:lvl6pPr>
+            <a:lvl7pPr marL="1484313" indent="-228600" algn="l" defTabSz="914400" rtl="0" eaLnBrk="1" latinLnBrk="0" hangingPunct="1">
+              <a:lnSpc>
+                <a:spcPct val="100000"/>
+              </a:lnSpc>
+              <a:spcBef>
+                <a:spcPts val="1000"/>
+              </a:spcBef>
+              <a:buClr>
+                <a:schemeClr val="accent2"/>
+              </a:buClr>
+              <a:buFont typeface="Arial" panose="020B0604020202020204" pitchFamily="34" charset="0"/>
+              <a:buChar char="•"/>
+              <a:defRPr sz="1600" kern="1200">
+                <a:solidFill>
+                  <a:schemeClr val="tx1"/>
+                </a:solidFill>
+                <a:latin typeface="+mn-lt"/>
+                <a:ea typeface="+mn-ea"/>
+                <a:cs typeface="+mn-cs"/>
+              </a:defRPr>
+            </a:lvl7pPr>
+            <a:lvl8pPr marL="1657350" indent="-228600" algn="l" defTabSz="914400" rtl="0" eaLnBrk="1" latinLnBrk="0" hangingPunct="1">
+              <a:lnSpc>
+                <a:spcPct val="100000"/>
+              </a:lnSpc>
+              <a:spcBef>
+                <a:spcPts val="1000"/>
+              </a:spcBef>
+              <a:buClr>
+                <a:schemeClr val="accent2"/>
+              </a:buClr>
+              <a:buFont typeface="Arial" panose="020B0604020202020204" pitchFamily="34" charset="0"/>
+              <a:buChar char="•"/>
+              <a:defRPr sz="1600" kern="1200" baseline="0">
+                <a:solidFill>
+                  <a:schemeClr val="tx1"/>
+                </a:solidFill>
+                <a:latin typeface="+mn-lt"/>
+                <a:ea typeface="+mn-ea"/>
+                <a:cs typeface="+mn-cs"/>
+              </a:defRPr>
+            </a:lvl8pPr>
+            <a:lvl9pPr marL="1882775" indent="-228600" algn="l" defTabSz="914400" rtl="0" eaLnBrk="1" latinLnBrk="0" hangingPunct="1">
+              <a:lnSpc>
+                <a:spcPct val="100000"/>
+              </a:lnSpc>
+              <a:spcBef>
+                <a:spcPts val="1000"/>
+              </a:spcBef>
+              <a:buClr>
+                <a:schemeClr val="accent2"/>
+              </a:buClr>
+              <a:buFont typeface="Arial" panose="020B0604020202020204" pitchFamily="34" charset="0"/>
+              <a:buChar char="•"/>
+              <a:defRPr sz="1600" kern="1200" baseline="0">
+                <a:solidFill>
+                  <a:schemeClr val="tx1"/>
+                </a:solidFill>
+                <a:latin typeface="+mn-lt"/>
+                <a:ea typeface="+mn-ea"/>
+                <a:cs typeface="+mn-cs"/>
+              </a:defRPr>
+            </a:lvl9pPr>
+          </a:lstStyle>
+          <a:p>
+            <a:pPr marL="0" indent="0" algn="ctr">
+              <a:buNone/>
+            </a:pPr>
+            <a:r>
+              <a:rPr lang="en-SG" sz="1600" dirty="0">
+                <a:solidFill>
+                  <a:schemeClr val="tx1"/>
+                </a:solidFill>
+              </a:rPr>
+              <a:t>Fig. 1.5. Correlations between variables after cleaning</a:t>
+            </a:r>
+            <a:endParaRPr lang="en-GB" sz="1600" dirty="0">
+              <a:solidFill>
+                <a:schemeClr val="tx1"/>
+              </a:solidFill>
+            </a:endParaRPr>
+          </a:p>
+        </p:txBody>
+      </p:sp>
     </p:spTree>
     <p:extLst>
       <p:ext uri="{BB962C8B-B14F-4D97-AF65-F5344CB8AC3E}">
@@ -12508,7 +12860,7 @@
 </file>
 
 <file path=ppt/slides/slide6.xml><?xml version="1.0" encoding="utf-8"?>
-<p:sld xmlns:a="http://schemas.openxmlformats.org/drawingml/2006/main" xmlns:r="http://schemas.openxmlformats.org/officeDocument/2006/relationships" xmlns:p="http://schemas.openxmlformats.org/presentationml/2006/main">
+<p:sld xmlns:a="http://schemas.openxmlformats.org/drawingml/2006/main" xmlns:r="http://schemas.openxmlformats.org/officeDocument/2006/relationships" xmlns:p="http://schemas.openxmlformats.org/presentationml/2006/main" show="0">
   <p:cSld>
     <p:bg>
       <p:bgPr>
@@ -12741,7 +13093,7 @@
                   <a:schemeClr val="bg1"/>
                 </a:solidFill>
               </a:rPr>
-              <a:t>For this time series problem, I considered the SARIMAX and Exponential Smoothing models. </a:t>
+              <a:t>For this time series problem, I considered the SARIMA, SARIMAX and Exponential Smoothing models.</a:t>
             </a:r>
           </a:p>
           <a:p>
@@ -12995,24 +13347,9 @@
             </a:lvl9pPr>
           </a:lstStyle>
           <a:p>
-            <a:r>
-              <a:rPr lang="en-SG" dirty="0">
-                <a:solidFill>
-                  <a:schemeClr val="tx1"/>
-                </a:solidFill>
-              </a:rPr>
-              <a:t>For this time series problem, I considered the SARIMAX and Exponential Smoothing models. </a:t>
-            </a:r>
-          </a:p>
-          <a:p>
-            <a:r>
-              <a:rPr lang="en-SG" dirty="0">
-                <a:solidFill>
-                  <a:schemeClr val="tx1"/>
-                </a:solidFill>
-              </a:rPr>
-              <a:t>Instead of settling on an algorithm and tuning its hyperparameters afterwards, I decided to tune and compare the algorithms in parallel, as 4 models are required.</a:t>
-            </a:r>
+            <a:pPr marL="0" indent="0">
+              <a:buNone/>
+            </a:pPr>
             <a:endParaRPr lang="en-GB" dirty="0">
               <a:solidFill>
                 <a:schemeClr val="tx1"/>
@@ -13226,18 +13563,13 @@
           <a:lstStyle/>
           <a:p>
             <a:r>
-              <a:rPr lang="en-US" sz="2400">
+              <a:rPr lang="en-US" sz="2400" dirty="0">
                 <a:solidFill>
                   <a:srgbClr val="FFFFFF"/>
                 </a:solidFill>
               </a:rPr>
-              <a:t>Hyper-Parameter Tuning (SARIMAX)</a:t>
+              <a:t>Hyper-Parameter Tuning (SARIMA)</a:t>
             </a:r>
-            <a:endParaRPr lang="en-US" sz="2400" dirty="0">
-              <a:solidFill>
-                <a:srgbClr val="FFFFFF"/>
-              </a:solidFill>
-            </a:endParaRPr>
           </a:p>
         </p:txBody>
       </p:sp>
@@ -13259,18 +13591,18 @@
         </p:nvSpPr>
         <p:spPr>
           <a:xfrm>
-            <a:off x="4926435" y="4957788"/>
-            <a:ext cx="6993425" cy="1728761"/>
+            <a:off x="4852277" y="5024463"/>
+            <a:ext cx="7141740" cy="1728761"/>
           </a:xfrm>
         </p:spPr>
         <p:txBody>
           <a:bodyPr>
-            <a:normAutofit fontScale="92500" lnSpcReduction="10000"/>
+            <a:noAutofit/>
           </a:bodyPr>
           <a:lstStyle/>
           <a:p>
             <a:r>
-              <a:rPr lang="en-SG" dirty="0">
+              <a:rPr lang="en-SG" sz="1400" dirty="0">
                 <a:solidFill>
                   <a:schemeClr val="tx1"/>
                 </a:solidFill>
@@ -13280,14 +13612,30 @@
           </a:p>
           <a:p>
             <a:r>
-              <a:rPr lang="en-SG" dirty="0">
+              <a:rPr lang="en-SG" sz="1400" dirty="0">
                 <a:solidFill>
                   <a:schemeClr val="tx1"/>
                 </a:solidFill>
               </a:rPr>
-              <a:t>Using the seasonal_decompose function and applying ACF on the seasonal component, m = 7 for all the gases. This suggests some form of weekly seasonality (perhaps more pollutive gases are emitted on weekends).</a:t>
+              <a:t>Using the </a:t>
             </a:r>
-            <a:endParaRPr lang="en-GB" dirty="0">
+            <a:r>
+              <a:rPr lang="en-SG" sz="1400" dirty="0" err="1">
+                <a:solidFill>
+                  <a:schemeClr val="tx1"/>
+                </a:solidFill>
+              </a:rPr>
+              <a:t>seasonal_decompose</a:t>
+            </a:r>
+            <a:r>
+              <a:rPr lang="en-SG" sz="1400" dirty="0">
+                <a:solidFill>
+                  <a:schemeClr val="tx1"/>
+                </a:solidFill>
+              </a:rPr>
+              <a:t> function and applying ACF on the seasonal component, m = 7 for all the gases. This can be confirmed visually as the plots above are all indicative of a 7-day cycle. This suggests some form of weekly seasonality (perhaps more pollutive gases are emitted on weekends).</a:t>
+            </a:r>
+            <a:endParaRPr lang="en-GB" sz="1400" dirty="0">
               <a:solidFill>
                 <a:schemeClr val="tx1"/>
               </a:solidFill>
@@ -13317,8 +13665,8 @@
         </p:blipFill>
         <p:spPr>
           <a:xfrm>
-            <a:off x="4926435" y="171451"/>
-            <a:ext cx="6993425" cy="4614886"/>
+            <a:off x="5040735" y="171451"/>
+            <a:ext cx="6560715" cy="4329345"/>
           </a:xfrm>
           <a:prstGeom prst="rect">
             <a:avLst/>
@@ -13341,8 +13689,8 @@
         </p:nvSpPr>
         <p:spPr>
           <a:xfrm>
-            <a:off x="626111" y="2523744"/>
-            <a:ext cx="3745863" cy="3986790"/>
+            <a:off x="473711" y="2493262"/>
+            <a:ext cx="3745864" cy="3986790"/>
           </a:xfrm>
           <a:prstGeom prst="rect">
             <a:avLst/>
@@ -13570,6 +13918,9 @@
           </a:p>
           <a:p>
             <a:pPr marL="628650" lvl="1" indent="-400050">
+              <a:buClr>
+                <a:schemeClr val="bg1"/>
+              </a:buClr>
               <a:buFont typeface="+mj-lt"/>
               <a:buAutoNum type="romanLcPeriod"/>
             </a:pPr>
@@ -13587,6 +13938,9 @@
               <a:spcBef>
                 <a:spcPts val="600"/>
               </a:spcBef>
+              <a:buClr>
+                <a:schemeClr val="bg1"/>
+              </a:buClr>
               <a:buFont typeface="+mj-lt"/>
               <a:buAutoNum type="romanLcPeriod"/>
             </a:pPr>
@@ -13604,6 +13958,9 @@
               <a:spcBef>
                 <a:spcPts val="600"/>
               </a:spcBef>
+              <a:buClr>
+                <a:schemeClr val="bg1"/>
+              </a:buClr>
               <a:buFont typeface="+mj-lt"/>
               <a:buAutoNum type="romanLcPeriod"/>
             </a:pPr>
@@ -13614,23 +13971,6 @@
                 </a:solidFill>
               </a:rPr>
               <a:t>the trend type (no trend/constant)</a:t>
-            </a:r>
-          </a:p>
-          <a:p>
-            <a:pPr marL="628650" lvl="1" indent="-400050">
-              <a:spcBef>
-                <a:spcPts val="600"/>
-              </a:spcBef>
-              <a:buFont typeface="+mj-lt"/>
-              <a:buAutoNum type="romanLcPeriod"/>
-            </a:pPr>
-            <a:r>
-              <a:rPr lang="en-GB" dirty="0">
-                <a:solidFill>
-                  <a:schemeClr val="bg1"/>
-                </a:solidFill>
-              </a:rPr>
-              <a:t>which exogenous variables to be used</a:t>
             </a:r>
           </a:p>
           <a:p>
@@ -13662,6 +14002,259 @@
               </a:rPr>
               <a:t>(P, D, Q) can be selected using a Grid Search</a:t>
             </a:r>
+          </a:p>
+        </p:txBody>
+      </p:sp>
+      <p:sp>
+        <p:nvSpPr>
+          <p:cNvPr id="8" name="Content Placeholder 3">
+            <a:extLst>
+              <a:ext uri="{FF2B5EF4-FFF2-40B4-BE49-F238E27FC236}">
+                <a16:creationId xmlns:a16="http://schemas.microsoft.com/office/drawing/2014/main" id="{07D23BB8-9DA2-483F-9527-4C4BFE860BC4}"/>
+              </a:ext>
+            </a:extLst>
+          </p:cNvPr>
+          <p:cNvSpPr txBox="1">
+            <a:spLocks/>
+          </p:cNvSpPr>
+          <p:nvPr/>
+        </p:nvSpPr>
+        <p:spPr>
+          <a:xfrm>
+            <a:off x="5993944" y="4581133"/>
+            <a:ext cx="4654296" cy="338554"/>
+          </a:xfrm>
+          <a:prstGeom prst="rect">
+            <a:avLst/>
+          </a:prstGeom>
+        </p:spPr>
+        <p:txBody>
+          <a:bodyPr vert="horz" wrap="square" lIns="91440" tIns="45720" rIns="91440" bIns="45720" rtlCol="0">
+            <a:spAutoFit/>
+          </a:bodyPr>
+          <a:lstStyle>
+            <a:lvl1pPr marL="228600" indent="-228600" algn="l" defTabSz="914400" rtl="0" eaLnBrk="1" latinLnBrk="0" hangingPunct="1">
+              <a:lnSpc>
+                <a:spcPct val="100000"/>
+              </a:lnSpc>
+              <a:spcBef>
+                <a:spcPts val="1000"/>
+              </a:spcBef>
+              <a:buClr>
+                <a:schemeClr val="accent2"/>
+              </a:buClr>
+              <a:buFont typeface="Arial" panose="020B0604020202020204" pitchFamily="34" charset="0"/>
+              <a:buChar char="•"/>
+              <a:defRPr sz="1800" kern="1200">
+                <a:solidFill>
+                  <a:schemeClr val="tx1">
+                    <a:lumMod val="85000"/>
+                    <a:lumOff val="15000"/>
+                  </a:schemeClr>
+                </a:solidFill>
+                <a:latin typeface="+mn-lt"/>
+                <a:ea typeface="+mn-ea"/>
+                <a:cs typeface="+mn-cs"/>
+              </a:defRPr>
+            </a:lvl1pPr>
+            <a:lvl2pPr marL="457200" indent="-228600" algn="l" defTabSz="914400" rtl="0" eaLnBrk="1" latinLnBrk="0" hangingPunct="1">
+              <a:lnSpc>
+                <a:spcPct val="100000"/>
+              </a:lnSpc>
+              <a:spcBef>
+                <a:spcPts val="1000"/>
+              </a:spcBef>
+              <a:buClr>
+                <a:schemeClr val="accent2"/>
+              </a:buClr>
+              <a:buFont typeface="Arial" panose="020B0604020202020204" pitchFamily="34" charset="0"/>
+              <a:buChar char="•"/>
+              <a:defRPr sz="1600" kern="1200">
+                <a:solidFill>
+                  <a:schemeClr val="tx1">
+                    <a:lumMod val="85000"/>
+                    <a:lumOff val="15000"/>
+                  </a:schemeClr>
+                </a:solidFill>
+                <a:latin typeface="+mn-lt"/>
+                <a:ea typeface="+mn-ea"/>
+                <a:cs typeface="+mn-cs"/>
+              </a:defRPr>
+            </a:lvl2pPr>
+            <a:lvl3pPr marL="685800" indent="-228600" algn="l" defTabSz="914400" rtl="0" eaLnBrk="1" latinLnBrk="0" hangingPunct="1">
+              <a:lnSpc>
+                <a:spcPct val="100000"/>
+              </a:lnSpc>
+              <a:spcBef>
+                <a:spcPts val="1000"/>
+              </a:spcBef>
+              <a:buClr>
+                <a:schemeClr val="accent2"/>
+              </a:buClr>
+              <a:buFont typeface="Arial" panose="020B0604020202020204" pitchFamily="34" charset="0"/>
+              <a:buChar char="•"/>
+              <a:defRPr sz="1600" kern="1200">
+                <a:solidFill>
+                  <a:schemeClr val="tx1">
+                    <a:lumMod val="85000"/>
+                    <a:lumOff val="15000"/>
+                  </a:schemeClr>
+                </a:solidFill>
+                <a:latin typeface="+mn-lt"/>
+                <a:ea typeface="+mn-ea"/>
+                <a:cs typeface="+mn-cs"/>
+              </a:defRPr>
+            </a:lvl3pPr>
+            <a:lvl4pPr marL="914400" indent="-228600" algn="l" defTabSz="914400" rtl="0" eaLnBrk="1" latinLnBrk="0" hangingPunct="1">
+              <a:lnSpc>
+                <a:spcPct val="100000"/>
+              </a:lnSpc>
+              <a:spcBef>
+                <a:spcPts val="1000"/>
+              </a:spcBef>
+              <a:buClr>
+                <a:schemeClr val="accent2"/>
+              </a:buClr>
+              <a:buFont typeface="Arial" panose="020B0604020202020204" pitchFamily="34" charset="0"/>
+              <a:buChar char="•"/>
+              <a:defRPr sz="1600" kern="1200">
+                <a:solidFill>
+                  <a:schemeClr val="tx1">
+                    <a:lumMod val="85000"/>
+                    <a:lumOff val="15000"/>
+                  </a:schemeClr>
+                </a:solidFill>
+                <a:latin typeface="+mn-lt"/>
+                <a:ea typeface="+mn-ea"/>
+                <a:cs typeface="+mn-cs"/>
+              </a:defRPr>
+            </a:lvl4pPr>
+            <a:lvl5pPr marL="1143000" indent="-228600" algn="l" defTabSz="914400" rtl="0" eaLnBrk="1" latinLnBrk="0" hangingPunct="1">
+              <a:lnSpc>
+                <a:spcPct val="100000"/>
+              </a:lnSpc>
+              <a:spcBef>
+                <a:spcPts val="1000"/>
+              </a:spcBef>
+              <a:buClr>
+                <a:schemeClr val="accent2"/>
+              </a:buClr>
+              <a:buFont typeface="Arial" panose="020B0604020202020204" pitchFamily="34" charset="0"/>
+              <a:buChar char="•"/>
+              <a:defRPr sz="1600" kern="1200">
+                <a:solidFill>
+                  <a:schemeClr val="tx1">
+                    <a:lumMod val="85000"/>
+                    <a:lumOff val="15000"/>
+                  </a:schemeClr>
+                </a:solidFill>
+                <a:latin typeface="+mn-lt"/>
+                <a:ea typeface="+mn-ea"/>
+                <a:cs typeface="+mn-cs"/>
+              </a:defRPr>
+            </a:lvl5pPr>
+            <a:lvl6pPr marL="1312863" indent="-228600" algn="l" defTabSz="914400" rtl="0" eaLnBrk="1" latinLnBrk="0" hangingPunct="1">
+              <a:lnSpc>
+                <a:spcPct val="100000"/>
+              </a:lnSpc>
+              <a:spcBef>
+                <a:spcPts val="1000"/>
+              </a:spcBef>
+              <a:buClr>
+                <a:schemeClr val="accent2"/>
+              </a:buClr>
+              <a:buFont typeface="Arial" panose="020B0604020202020204" pitchFamily="34" charset="0"/>
+              <a:buChar char="•"/>
+              <a:defRPr sz="1600" kern="1200">
+                <a:solidFill>
+                  <a:schemeClr val="tx1"/>
+                </a:solidFill>
+                <a:latin typeface="+mn-lt"/>
+                <a:ea typeface="+mn-ea"/>
+                <a:cs typeface="+mn-cs"/>
+              </a:defRPr>
+            </a:lvl6pPr>
+            <a:lvl7pPr marL="1484313" indent="-228600" algn="l" defTabSz="914400" rtl="0" eaLnBrk="1" latinLnBrk="0" hangingPunct="1">
+              <a:lnSpc>
+                <a:spcPct val="100000"/>
+              </a:lnSpc>
+              <a:spcBef>
+                <a:spcPts val="1000"/>
+              </a:spcBef>
+              <a:buClr>
+                <a:schemeClr val="accent2"/>
+              </a:buClr>
+              <a:buFont typeface="Arial" panose="020B0604020202020204" pitchFamily="34" charset="0"/>
+              <a:buChar char="•"/>
+              <a:defRPr sz="1600" kern="1200">
+                <a:solidFill>
+                  <a:schemeClr val="tx1"/>
+                </a:solidFill>
+                <a:latin typeface="+mn-lt"/>
+                <a:ea typeface="+mn-ea"/>
+                <a:cs typeface="+mn-cs"/>
+              </a:defRPr>
+            </a:lvl7pPr>
+            <a:lvl8pPr marL="1657350" indent="-228600" algn="l" defTabSz="914400" rtl="0" eaLnBrk="1" latinLnBrk="0" hangingPunct="1">
+              <a:lnSpc>
+                <a:spcPct val="100000"/>
+              </a:lnSpc>
+              <a:spcBef>
+                <a:spcPts val="1000"/>
+              </a:spcBef>
+              <a:buClr>
+                <a:schemeClr val="accent2"/>
+              </a:buClr>
+              <a:buFont typeface="Arial" panose="020B0604020202020204" pitchFamily="34" charset="0"/>
+              <a:buChar char="•"/>
+              <a:defRPr sz="1600" kern="1200" baseline="0">
+                <a:solidFill>
+                  <a:schemeClr val="tx1"/>
+                </a:solidFill>
+                <a:latin typeface="+mn-lt"/>
+                <a:ea typeface="+mn-ea"/>
+                <a:cs typeface="+mn-cs"/>
+              </a:defRPr>
+            </a:lvl8pPr>
+            <a:lvl9pPr marL="1882775" indent="-228600" algn="l" defTabSz="914400" rtl="0" eaLnBrk="1" latinLnBrk="0" hangingPunct="1">
+              <a:lnSpc>
+                <a:spcPct val="100000"/>
+              </a:lnSpc>
+              <a:spcBef>
+                <a:spcPts val="1000"/>
+              </a:spcBef>
+              <a:buClr>
+                <a:schemeClr val="accent2"/>
+              </a:buClr>
+              <a:buFont typeface="Arial" panose="020B0604020202020204" pitchFamily="34" charset="0"/>
+              <a:buChar char="•"/>
+              <a:defRPr sz="1600" kern="1200" baseline="0">
+                <a:solidFill>
+                  <a:schemeClr val="tx1"/>
+                </a:solidFill>
+                <a:latin typeface="+mn-lt"/>
+                <a:ea typeface="+mn-ea"/>
+                <a:cs typeface="+mn-cs"/>
+              </a:defRPr>
+            </a:lvl9pPr>
+          </a:lstStyle>
+          <a:p>
+            <a:pPr marL="0" indent="0" algn="ctr">
+              <a:buNone/>
+            </a:pPr>
+            <a:r>
+              <a:rPr lang="en-SG" sz="1600" dirty="0">
+                <a:solidFill>
+                  <a:schemeClr val="tx1"/>
+                </a:solidFill>
+              </a:rPr>
+              <a:t>Fig. 2.1. Line plots of the seasonal components</a:t>
+            </a:r>
+            <a:endParaRPr lang="en-GB" sz="1600" dirty="0">
+              <a:solidFill>
+                <a:schemeClr val="tx1"/>
+              </a:solidFill>
+            </a:endParaRPr>
           </a:p>
         </p:txBody>
       </p:sp>
@@ -13870,18 +14463,13 @@
           <a:lstStyle/>
           <a:p>
             <a:r>
-              <a:rPr lang="en-US" sz="2400">
+              <a:rPr lang="en-US" sz="2400" dirty="0">
                 <a:solidFill>
                   <a:srgbClr val="FFFFFF"/>
                 </a:solidFill>
               </a:rPr>
-              <a:t>Hyper-Parameter Tuning (SARIMAX)</a:t>
+              <a:t>Hyper-Parameter Tuning (SARIMA)</a:t>
             </a:r>
-            <a:endParaRPr lang="en-US" sz="2400" dirty="0">
-              <a:solidFill>
-                <a:srgbClr val="FFFFFF"/>
-              </a:solidFill>
-            </a:endParaRPr>
           </a:p>
         </p:txBody>
       </p:sp>
@@ -14192,75 +14780,6 @@
           </a:p>
         </p:txBody>
       </p:sp>
-      <p:pic>
-        <p:nvPicPr>
-          <p:cNvPr id="8" name="Picture 7" descr="Graphical user interface, chart, line chart&#10;&#10;Description automatically generated">
-            <a:extLst>
-              <a:ext uri="{FF2B5EF4-FFF2-40B4-BE49-F238E27FC236}">
-                <a16:creationId xmlns:a16="http://schemas.microsoft.com/office/drawing/2014/main" id="{B5FE22C0-5873-4FD1-AAB9-3CBF1FDB7129}"/>
-              </a:ext>
-            </a:extLst>
-          </p:cNvPr>
-          <p:cNvPicPr>
-            <a:picLocks noChangeAspect="1"/>
-          </p:cNvPicPr>
-          <p:nvPr/>
-        </p:nvPicPr>
-        <p:blipFill>
-          <a:blip r:embed="rId3"/>
-          <a:stretch>
-            <a:fillRect/>
-          </a:stretch>
-        </p:blipFill>
-        <p:spPr>
-          <a:xfrm>
-            <a:off x="4840710" y="211136"/>
-            <a:ext cx="4276711" cy="2465675"/>
-          </a:xfrm>
-          <a:prstGeom prst="rect">
-            <a:avLst/>
-          </a:prstGeom>
-          <a:ln>
-            <a:solidFill>
-              <a:schemeClr val="tx1"/>
-            </a:solidFill>
-          </a:ln>
-        </p:spPr>
-      </p:pic>
-      <p:pic>
-        <p:nvPicPr>
-          <p:cNvPr id="13" name="Picture 12" descr="Chart, box and whisker chart&#10;&#10;Description automatically generated">
-            <a:extLst>
-              <a:ext uri="{FF2B5EF4-FFF2-40B4-BE49-F238E27FC236}">
-                <a16:creationId xmlns:a16="http://schemas.microsoft.com/office/drawing/2014/main" id="{36B30FDC-83AE-4F87-B205-30F61242E580}"/>
-              </a:ext>
-            </a:extLst>
-          </p:cNvPr>
-          <p:cNvPicPr>
-            <a:picLocks noChangeAspect="1"/>
-          </p:cNvPicPr>
-          <p:nvPr/>
-        </p:nvPicPr>
-        <p:blipFill rotWithShape="1">
-          <a:blip r:embed="rId4"/>
-          <a:srcRect t="1283"/>
-          <a:stretch/>
-        </p:blipFill>
-        <p:spPr>
-          <a:xfrm>
-            <a:off x="4913333" y="3642652"/>
-            <a:ext cx="2938943" cy="2016761"/>
-          </a:xfrm>
-          <a:prstGeom prst="rect">
-            <a:avLst/>
-          </a:prstGeom>
-          <a:ln>
-            <a:solidFill>
-              <a:schemeClr val="tx1"/>
-            </a:solidFill>
-          </a:ln>
-        </p:spPr>
-      </p:pic>
       <p:sp>
         <p:nvSpPr>
           <p:cNvPr id="17" name="Content Placeholder 3">
@@ -14277,8 +14796,8 @@
         </p:nvSpPr>
         <p:spPr>
           <a:xfrm>
-            <a:off x="5169708" y="2887947"/>
-            <a:ext cx="3631009" cy="338554"/>
+            <a:off x="5010162" y="2641895"/>
+            <a:ext cx="3319152" cy="338554"/>
           </a:xfrm>
           <a:prstGeom prst="rect">
             <a:avLst/>
@@ -14530,8 +15049,8 @@
         </p:nvSpPr>
         <p:spPr>
           <a:xfrm>
-            <a:off x="5010162" y="5892812"/>
-            <a:ext cx="2527544" cy="584775"/>
+            <a:off x="8900419" y="2612352"/>
+            <a:ext cx="2433936" cy="584775"/>
           </a:xfrm>
           <a:prstGeom prst="rect">
             <a:avLst/>
@@ -14769,10 +15288,74 @@
       </p:sp>
       <p:pic>
         <p:nvPicPr>
-          <p:cNvPr id="16" name="Picture 15" descr="Text&#10;&#10;Description automatically generated">
+          <p:cNvPr id="6" name="Picture 5" descr="Text&#10;&#10;Description automatically generated">
             <a:extLst>
               <a:ext uri="{FF2B5EF4-FFF2-40B4-BE49-F238E27FC236}">
-                <a16:creationId xmlns:a16="http://schemas.microsoft.com/office/drawing/2014/main" id="{C84D5016-ADC4-4757-9BDF-1E1DF80D1335}"/>
+                <a16:creationId xmlns:a16="http://schemas.microsoft.com/office/drawing/2014/main" id="{026BC80D-BD4F-4B1B-AFD2-5D676CE5AF7B}"/>
+              </a:ext>
+            </a:extLst>
+          </p:cNvPr>
+          <p:cNvPicPr>
+            <a:picLocks noChangeAspect="1"/>
+          </p:cNvPicPr>
+          <p:nvPr/>
+        </p:nvPicPr>
+        <p:blipFill>
+          <a:blip r:embed="rId3"/>
+          <a:stretch>
+            <a:fillRect/>
+          </a:stretch>
+        </p:blipFill>
+        <p:spPr>
+          <a:xfrm>
+            <a:off x="4837441" y="3411107"/>
+            <a:ext cx="3879833" cy="932890"/>
+          </a:xfrm>
+          <a:prstGeom prst="rect">
+            <a:avLst/>
+          </a:prstGeom>
+        </p:spPr>
+      </p:pic>
+      <p:pic>
+        <p:nvPicPr>
+          <p:cNvPr id="9" name="Picture 8" descr="Graphical user interface, chart&#10;&#10;Description automatically generated">
+            <a:extLst>
+              <a:ext uri="{FF2B5EF4-FFF2-40B4-BE49-F238E27FC236}">
+                <a16:creationId xmlns:a16="http://schemas.microsoft.com/office/drawing/2014/main" id="{60282E8B-303E-4510-B3AD-7CC0A0566C49}"/>
+              </a:ext>
+            </a:extLst>
+          </p:cNvPr>
+          <p:cNvPicPr>
+            <a:picLocks noChangeAspect="1"/>
+          </p:cNvPicPr>
+          <p:nvPr/>
+        </p:nvPicPr>
+        <p:blipFill rotWithShape="1">
+          <a:blip r:embed="rId4"/>
+          <a:srcRect t="980"/>
+          <a:stretch/>
+        </p:blipFill>
+        <p:spPr>
+          <a:xfrm>
+            <a:off x="4824728" y="202330"/>
+            <a:ext cx="3631009" cy="2237235"/>
+          </a:xfrm>
+          <a:prstGeom prst="rect">
+            <a:avLst/>
+          </a:prstGeom>
+          <a:ln>
+            <a:solidFill>
+              <a:schemeClr val="tx1"/>
+            </a:solidFill>
+          </a:ln>
+        </p:spPr>
+      </p:pic>
+      <p:pic>
+        <p:nvPicPr>
+          <p:cNvPr id="12" name="Picture 11" descr="Chart, box and whisker chart&#10;&#10;Description automatically generated">
+            <a:extLst>
+              <a:ext uri="{FF2B5EF4-FFF2-40B4-BE49-F238E27FC236}">
+                <a16:creationId xmlns:a16="http://schemas.microsoft.com/office/drawing/2014/main" id="{B4128E54-3972-4D85-BFB7-6D7A0F589F33}"/>
               </a:ext>
             </a:extLst>
           </p:cNvPr>
@@ -14789,267 +15372,19 @@
         </p:blipFill>
         <p:spPr>
           <a:xfrm>
-            <a:off x="8800716" y="3166511"/>
-            <a:ext cx="2970701" cy="3129513"/>
+            <a:off x="8693352" y="205458"/>
+            <a:ext cx="3261031" cy="2234107"/>
           </a:xfrm>
           <a:prstGeom prst="rect">
             <a:avLst/>
           </a:prstGeom>
+          <a:ln>
+            <a:solidFill>
+              <a:schemeClr val="tx1"/>
+            </a:solidFill>
+          </a:ln>
         </p:spPr>
       </p:pic>
-      <p:sp>
-        <p:nvSpPr>
-          <p:cNvPr id="21" name="Content Placeholder 3">
-            <a:extLst>
-              <a:ext uri="{FF2B5EF4-FFF2-40B4-BE49-F238E27FC236}">
-                <a16:creationId xmlns:a16="http://schemas.microsoft.com/office/drawing/2014/main" id="{7A5C45AE-1C1F-417B-9C49-F45716DFB30B}"/>
-              </a:ext>
-            </a:extLst>
-          </p:cNvPr>
-          <p:cNvSpPr txBox="1">
-            <a:spLocks/>
-          </p:cNvSpPr>
-          <p:nvPr/>
-        </p:nvSpPr>
-        <p:spPr>
-          <a:xfrm>
-            <a:off x="9032188" y="6257680"/>
-            <a:ext cx="2527544" cy="584775"/>
-          </a:xfrm>
-          <a:prstGeom prst="rect">
-            <a:avLst/>
-          </a:prstGeom>
-        </p:spPr>
-        <p:txBody>
-          <a:bodyPr vert="horz" wrap="square" lIns="91440" tIns="45720" rIns="91440" bIns="45720" rtlCol="0">
-            <a:spAutoFit/>
-          </a:bodyPr>
-          <a:lstStyle>
-            <a:lvl1pPr marL="228600" indent="-228600" algn="l" defTabSz="914400" rtl="0" eaLnBrk="1" latinLnBrk="0" hangingPunct="1">
-              <a:lnSpc>
-                <a:spcPct val="100000"/>
-              </a:lnSpc>
-              <a:spcBef>
-                <a:spcPts val="1000"/>
-              </a:spcBef>
-              <a:buClr>
-                <a:schemeClr val="accent2"/>
-              </a:buClr>
-              <a:buFont typeface="Arial" panose="020B0604020202020204" pitchFamily="34" charset="0"/>
-              <a:buChar char="•"/>
-              <a:defRPr sz="1800" kern="1200">
-                <a:solidFill>
-                  <a:schemeClr val="tx1">
-                    <a:lumMod val="85000"/>
-                    <a:lumOff val="15000"/>
-                  </a:schemeClr>
-                </a:solidFill>
-                <a:latin typeface="+mn-lt"/>
-                <a:ea typeface="+mn-ea"/>
-                <a:cs typeface="+mn-cs"/>
-              </a:defRPr>
-            </a:lvl1pPr>
-            <a:lvl2pPr marL="457200" indent="-228600" algn="l" defTabSz="914400" rtl="0" eaLnBrk="1" latinLnBrk="0" hangingPunct="1">
-              <a:lnSpc>
-                <a:spcPct val="100000"/>
-              </a:lnSpc>
-              <a:spcBef>
-                <a:spcPts val="1000"/>
-              </a:spcBef>
-              <a:buClr>
-                <a:schemeClr val="accent2"/>
-              </a:buClr>
-              <a:buFont typeface="Arial" panose="020B0604020202020204" pitchFamily="34" charset="0"/>
-              <a:buChar char="•"/>
-              <a:defRPr sz="1600" kern="1200">
-                <a:solidFill>
-                  <a:schemeClr val="tx1">
-                    <a:lumMod val="85000"/>
-                    <a:lumOff val="15000"/>
-                  </a:schemeClr>
-                </a:solidFill>
-                <a:latin typeface="+mn-lt"/>
-                <a:ea typeface="+mn-ea"/>
-                <a:cs typeface="+mn-cs"/>
-              </a:defRPr>
-            </a:lvl2pPr>
-            <a:lvl3pPr marL="685800" indent="-228600" algn="l" defTabSz="914400" rtl="0" eaLnBrk="1" latinLnBrk="0" hangingPunct="1">
-              <a:lnSpc>
-                <a:spcPct val="100000"/>
-              </a:lnSpc>
-              <a:spcBef>
-                <a:spcPts val="1000"/>
-              </a:spcBef>
-              <a:buClr>
-                <a:schemeClr val="accent2"/>
-              </a:buClr>
-              <a:buFont typeface="Arial" panose="020B0604020202020204" pitchFamily="34" charset="0"/>
-              <a:buChar char="•"/>
-              <a:defRPr sz="1600" kern="1200">
-                <a:solidFill>
-                  <a:schemeClr val="tx1">
-                    <a:lumMod val="85000"/>
-                    <a:lumOff val="15000"/>
-                  </a:schemeClr>
-                </a:solidFill>
-                <a:latin typeface="+mn-lt"/>
-                <a:ea typeface="+mn-ea"/>
-                <a:cs typeface="+mn-cs"/>
-              </a:defRPr>
-            </a:lvl3pPr>
-            <a:lvl4pPr marL="914400" indent="-228600" algn="l" defTabSz="914400" rtl="0" eaLnBrk="1" latinLnBrk="0" hangingPunct="1">
-              <a:lnSpc>
-                <a:spcPct val="100000"/>
-              </a:lnSpc>
-              <a:spcBef>
-                <a:spcPts val="1000"/>
-              </a:spcBef>
-              <a:buClr>
-                <a:schemeClr val="accent2"/>
-              </a:buClr>
-              <a:buFont typeface="Arial" panose="020B0604020202020204" pitchFamily="34" charset="0"/>
-              <a:buChar char="•"/>
-              <a:defRPr sz="1600" kern="1200">
-                <a:solidFill>
-                  <a:schemeClr val="tx1">
-                    <a:lumMod val="85000"/>
-                    <a:lumOff val="15000"/>
-                  </a:schemeClr>
-                </a:solidFill>
-                <a:latin typeface="+mn-lt"/>
-                <a:ea typeface="+mn-ea"/>
-                <a:cs typeface="+mn-cs"/>
-              </a:defRPr>
-            </a:lvl4pPr>
-            <a:lvl5pPr marL="1143000" indent="-228600" algn="l" defTabSz="914400" rtl="0" eaLnBrk="1" latinLnBrk="0" hangingPunct="1">
-              <a:lnSpc>
-                <a:spcPct val="100000"/>
-              </a:lnSpc>
-              <a:spcBef>
-                <a:spcPts val="1000"/>
-              </a:spcBef>
-              <a:buClr>
-                <a:schemeClr val="accent2"/>
-              </a:buClr>
-              <a:buFont typeface="Arial" panose="020B0604020202020204" pitchFamily="34" charset="0"/>
-              <a:buChar char="•"/>
-              <a:defRPr sz="1600" kern="1200">
-                <a:solidFill>
-                  <a:schemeClr val="tx1">
-                    <a:lumMod val="85000"/>
-                    <a:lumOff val="15000"/>
-                  </a:schemeClr>
-                </a:solidFill>
-                <a:latin typeface="+mn-lt"/>
-                <a:ea typeface="+mn-ea"/>
-                <a:cs typeface="+mn-cs"/>
-              </a:defRPr>
-            </a:lvl5pPr>
-            <a:lvl6pPr marL="1312863" indent="-228600" algn="l" defTabSz="914400" rtl="0" eaLnBrk="1" latinLnBrk="0" hangingPunct="1">
-              <a:lnSpc>
-                <a:spcPct val="100000"/>
-              </a:lnSpc>
-              <a:spcBef>
-                <a:spcPts val="1000"/>
-              </a:spcBef>
-              <a:buClr>
-                <a:schemeClr val="accent2"/>
-              </a:buClr>
-              <a:buFont typeface="Arial" panose="020B0604020202020204" pitchFamily="34" charset="0"/>
-              <a:buChar char="•"/>
-              <a:defRPr sz="1600" kern="1200">
-                <a:solidFill>
-                  <a:schemeClr val="tx1"/>
-                </a:solidFill>
-                <a:latin typeface="+mn-lt"/>
-                <a:ea typeface="+mn-ea"/>
-                <a:cs typeface="+mn-cs"/>
-              </a:defRPr>
-            </a:lvl6pPr>
-            <a:lvl7pPr marL="1484313" indent="-228600" algn="l" defTabSz="914400" rtl="0" eaLnBrk="1" latinLnBrk="0" hangingPunct="1">
-              <a:lnSpc>
-                <a:spcPct val="100000"/>
-              </a:lnSpc>
-              <a:spcBef>
-                <a:spcPts val="1000"/>
-              </a:spcBef>
-              <a:buClr>
-                <a:schemeClr val="accent2"/>
-              </a:buClr>
-              <a:buFont typeface="Arial" panose="020B0604020202020204" pitchFamily="34" charset="0"/>
-              <a:buChar char="•"/>
-              <a:defRPr sz="1600" kern="1200">
-                <a:solidFill>
-                  <a:schemeClr val="tx1"/>
-                </a:solidFill>
-                <a:latin typeface="+mn-lt"/>
-                <a:ea typeface="+mn-ea"/>
-                <a:cs typeface="+mn-cs"/>
-              </a:defRPr>
-            </a:lvl7pPr>
-            <a:lvl8pPr marL="1657350" indent="-228600" algn="l" defTabSz="914400" rtl="0" eaLnBrk="1" latinLnBrk="0" hangingPunct="1">
-              <a:lnSpc>
-                <a:spcPct val="100000"/>
-              </a:lnSpc>
-              <a:spcBef>
-                <a:spcPts val="1000"/>
-              </a:spcBef>
-              <a:buClr>
-                <a:schemeClr val="accent2"/>
-              </a:buClr>
-              <a:buFont typeface="Arial" panose="020B0604020202020204" pitchFamily="34" charset="0"/>
-              <a:buChar char="•"/>
-              <a:defRPr sz="1600" kern="1200" baseline="0">
-                <a:solidFill>
-                  <a:schemeClr val="tx1"/>
-                </a:solidFill>
-                <a:latin typeface="+mn-lt"/>
-                <a:ea typeface="+mn-ea"/>
-                <a:cs typeface="+mn-cs"/>
-              </a:defRPr>
-            </a:lvl8pPr>
-            <a:lvl9pPr marL="1882775" indent="-228600" algn="l" defTabSz="914400" rtl="0" eaLnBrk="1" latinLnBrk="0" hangingPunct="1">
-              <a:lnSpc>
-                <a:spcPct val="100000"/>
-              </a:lnSpc>
-              <a:spcBef>
-                <a:spcPts val="1000"/>
-              </a:spcBef>
-              <a:buClr>
-                <a:schemeClr val="accent2"/>
-              </a:buClr>
-              <a:buFont typeface="Arial" panose="020B0604020202020204" pitchFamily="34" charset="0"/>
-              <a:buChar char="•"/>
-              <a:defRPr sz="1600" kern="1200" baseline="0">
-                <a:solidFill>
-                  <a:schemeClr val="tx1"/>
-                </a:solidFill>
-                <a:latin typeface="+mn-lt"/>
-                <a:ea typeface="+mn-ea"/>
-                <a:cs typeface="+mn-cs"/>
-              </a:defRPr>
-            </a:lvl9pPr>
-          </a:lstStyle>
-          <a:p>
-            <a:pPr marL="0" indent="0" algn="ctr">
-              <a:buNone/>
-            </a:pPr>
-            <a:r>
-              <a:rPr lang="en-SG" sz="1600" dirty="0">
-                <a:solidFill>
-                  <a:schemeClr val="tx1"/>
-                </a:solidFill>
-              </a:rPr>
-              <a:t>Fig. 7.3. Selected p, d, q values</a:t>
-            </a:r>
-            <a:endParaRPr lang="en-GB" sz="1600" dirty="0">
-              <a:solidFill>
-                <a:schemeClr val="tx1"/>
-              </a:solidFill>
-            </a:endParaRPr>
-          </a:p>
-        </p:txBody>
-      </p:sp>
     </p:spTree>
     <p:extLst>
       <p:ext uri="{BB962C8B-B14F-4D97-AF65-F5344CB8AC3E}">

--- a/doc/part-a.pptx
+++ b/doc/part-a.pptx
@@ -6751,7 +6751,7 @@
                   <a:schemeClr val="bg1"/>
                 </a:solidFill>
               </a:rPr>
-              <a:t>Plotting the true (blue) values against the training (orange) and testing (green) prediction values produced Fig. 2.2.</a:t>
+              <a:t>Plotting the true (blue) values against the training (orange) and testing (green) prediction values produced Fig. 4.1.</a:t>
             </a:r>
           </a:p>
           <a:p>
@@ -16300,24 +16300,6 @@
 </file>
 
 <file path=customXml/item1.xml><?xml version="1.0" encoding="utf-8"?>
-<?mso-contentType ?>
-<FormTemplates xmlns="http://schemas.microsoft.com/sharepoint/v3/contenttype/forms">
-  <Display>DocumentLibraryForm</Display>
-  <Edit>DocumentLibraryForm</Edit>
-  <New>DocumentLibraryForm</New>
-</FormTemplates>
-</file>
-
-<file path=customXml/item2.xml><?xml version="1.0" encoding="utf-8"?>
-<p:properties xmlns:p="http://schemas.microsoft.com/office/2006/metadata/properties" xmlns:xsi="http://www.w3.org/2001/XMLSchema-instance" xmlns:pc="http://schemas.microsoft.com/office/infopath/2007/PartnerControls">
-  <documentManagement>
-    <Status xmlns="71af3243-3dd4-4a8d-8c0d-dd76da1f02a5">Not started</Status>
-    <MediaServiceKeyPoints xmlns="71af3243-3dd4-4a8d-8c0d-dd76da1f02a5" xsi:nil="true"/>
-  </documentManagement>
-</p:properties>
-</file>
-
-<file path=customXml/item3.xml><?xml version="1.0" encoding="utf-8"?>
 <ct:contentTypeSchema xmlns:ct="http://schemas.microsoft.com/office/2006/metadata/contentType" xmlns:ma="http://schemas.microsoft.com/office/2006/metadata/properties/metaAttributes" ct:_="" ma:_="" ma:contentTypeName="Document" ma:contentTypeID="0x01010079F111ED35F8CC479449609E8A0923A6" ma:contentTypeVersion="12" ma:contentTypeDescription="Create a new document." ma:contentTypeScope="" ma:versionID="93813dd7ca6ad654711aa0ab317e03a3">
   <xsd:schema xmlns:xsd="http://www.w3.org/2001/XMLSchema" xmlns:xs="http://www.w3.org/2001/XMLSchema" xmlns:p="http://schemas.microsoft.com/office/2006/metadata/properties" xmlns:ns2="71af3243-3dd4-4a8d-8c0d-dd76da1f02a5" xmlns:ns3="16c05727-aa75-4e4a-9b5f-8a80a1165891" targetNamespace="http://schemas.microsoft.com/office/2006/metadata/properties" ma:root="true" ma:fieldsID="f11dc0ce689dd3925e84e4e35398c6e7" ns2:_="" ns3:_="">
     <xsd:import namespace="71af3243-3dd4-4a8d-8c0d-dd76da1f02a5"/>
@@ -16538,25 +16520,25 @@
 </ct:contentTypeSchema>
 </file>
 
-<file path=customXml/itemProps1.xml><?xml version="1.0" encoding="utf-8"?>
-<ds:datastoreItem xmlns:ds="http://schemas.openxmlformats.org/officeDocument/2006/customXml" ds:itemID="{C28223DC-4748-4F7F-8D8D-E4EA5A6C1882}">
-  <ds:schemaRefs>
-    <ds:schemaRef ds:uri="http://schemas.microsoft.com/sharepoint/v3/contenttype/forms"/>
-  </ds:schemaRefs>
-</ds:datastoreItem>
+<file path=customXml/item2.xml><?xml version="1.0" encoding="utf-8"?>
+<p:properties xmlns:p="http://schemas.microsoft.com/office/2006/metadata/properties" xmlns:xsi="http://www.w3.org/2001/XMLSchema-instance" xmlns:pc="http://schemas.microsoft.com/office/infopath/2007/PartnerControls">
+  <documentManagement>
+    <Status xmlns="71af3243-3dd4-4a8d-8c0d-dd76da1f02a5">Not started</Status>
+    <MediaServiceKeyPoints xmlns="71af3243-3dd4-4a8d-8c0d-dd76da1f02a5" xsi:nil="true"/>
+  </documentManagement>
+</p:properties>
 </file>
 
-<file path=customXml/itemProps2.xml><?xml version="1.0" encoding="utf-8"?>
-<ds:datastoreItem xmlns:ds="http://schemas.openxmlformats.org/officeDocument/2006/customXml" ds:itemID="{1F4D5ADA-BB6C-46F4-9A97-3A3D44A9A8A6}">
-  <ds:schemaRefs>
-    <ds:schemaRef ds:uri="http://schemas.microsoft.com/office/2006/metadata/properties"/>
-    <ds:schemaRef ds:uri="http://schemas.microsoft.com/office/infopath/2007/PartnerControls"/>
-    <ds:schemaRef ds:uri="71af3243-3dd4-4a8d-8c0d-dd76da1f02a5"/>
-  </ds:schemaRefs>
-</ds:datastoreItem>
+<file path=customXml/item3.xml><?xml version="1.0" encoding="utf-8"?>
+<?mso-contentType ?>
+<FormTemplates xmlns="http://schemas.microsoft.com/sharepoint/v3/contenttype/forms">
+  <Display>DocumentLibraryForm</Display>
+  <Edit>DocumentLibraryForm</Edit>
+  <New>DocumentLibraryForm</New>
+</FormTemplates>
 </file>
 
-<file path=customXml/itemProps3.xml><?xml version="1.0" encoding="utf-8"?>
+<file path=customXml/itemProps1.xml><?xml version="1.0" encoding="utf-8"?>
 <ds:datastoreItem xmlns:ds="http://schemas.openxmlformats.org/officeDocument/2006/customXml" ds:itemID="{1612D154-BCA4-47A9-881C-4EFB9658D8AB}">
   <ds:schemaRefs>
     <ds:schemaRef ds:uri="http://schemas.microsoft.com/office/2006/metadata/contentType"/>
@@ -16573,4 +16555,22 @@
     <ds:schemaRef ds:uri="http://schemas.microsoft.com/internal/obd"/>
   </ds:schemaRefs>
 </ds:datastoreItem>
+</file>
+
+<file path=customXml/itemProps2.xml><?xml version="1.0" encoding="utf-8"?>
+<ds:datastoreItem xmlns:ds="http://schemas.openxmlformats.org/officeDocument/2006/customXml" ds:itemID="{1F4D5ADA-BB6C-46F4-9A97-3A3D44A9A8A6}">
+  <ds:schemaRefs>
+    <ds:schemaRef ds:uri="http://schemas.microsoft.com/office/2006/metadata/properties"/>
+    <ds:schemaRef ds:uri="http://schemas.microsoft.com/office/infopath/2007/PartnerControls"/>
+    <ds:schemaRef ds:uri="71af3243-3dd4-4a8d-8c0d-dd76da1f02a5"/>
+  </ds:schemaRefs>
+</ds:datastoreItem>
+</file>
+
+<file path=customXml/itemProps3.xml><?xml version="1.0" encoding="utf-8"?>
+<ds:datastoreItem xmlns:ds="http://schemas.openxmlformats.org/officeDocument/2006/customXml" ds:itemID="{C28223DC-4748-4F7F-8D8D-E4EA5A6C1882}">
+  <ds:schemaRefs>
+    <ds:schemaRef ds:uri="http://schemas.microsoft.com/sharepoint/v3/contenttype/forms"/>
+  </ds:schemaRefs>
+</ds:datastoreItem>
 </file>